--- a/Poster.pptx
+++ b/Poster.pptx
@@ -217,7 +217,7 @@
           <a:p>
             <a:fld id="{EC5DAD25-F83A-E84F-8A45-00F8F1023B42}" type="datetimeFigureOut">
               <a:rPr lang="en-US" smtClean="0"/>
-              <a:t>5/28/2018</a:t>
+              <a:t>5/28/18</a:t>
             </a:fld>
             <a:endParaRPr lang="en-US"/>
           </a:p>
@@ -909,6 +909,1119 @@
           <a:chExt cx="0" cy="0"/>
         </a:xfrm>
       </p:grpSpPr>
+      <p:pic>
+        <p:nvPicPr>
+          <p:cNvPr id="11" name="Picture 10">
+            <a:extLst>
+              <a:ext uri="{FF2B5EF4-FFF2-40B4-BE49-F238E27FC236}">
+                <a16:creationId xmlns:a16="http://schemas.microsoft.com/office/drawing/2014/main" id="{0FD94D94-BA53-E249-B0AE-C6BFD8171E18}"/>
+              </a:ext>
+            </a:extLst>
+          </p:cNvPr>
+          <p:cNvPicPr>
+            <a:picLocks noChangeAspect="1"/>
+          </p:cNvPicPr>
+          <p:nvPr/>
+        </p:nvPicPr>
+        <p:blipFill>
+          <a:blip r:embed="rId3"/>
+          <a:stretch>
+            <a:fillRect/>
+          </a:stretch>
+        </p:blipFill>
+        <p:spPr>
+          <a:xfrm>
+            <a:off x="12324214" y="8931377"/>
+            <a:ext cx="4211223" cy="2405648"/>
+          </a:xfrm>
+          <a:prstGeom prst="rect">
+            <a:avLst/>
+          </a:prstGeom>
+        </p:spPr>
+      </p:pic>
+      <p:sp>
+        <p:nvSpPr>
+          <p:cNvPr id="7" name="TextBox 6"/>
+          <p:cNvSpPr txBox="1"/>
+          <p:nvPr/>
+        </p:nvSpPr>
+        <p:spPr>
+          <a:xfrm>
+            <a:off x="11734484" y="5073412"/>
+            <a:ext cx="9326880" cy="11998079"/>
+          </a:xfrm>
+          <a:prstGeom prst="rect">
+            <a:avLst/>
+          </a:prstGeom>
+          <a:noFill/>
+        </p:spPr>
+        <p:txBody>
+          <a:bodyPr wrap="square" lIns="65837" tIns="32918" rIns="65837" bIns="32918" rtlCol="0">
+            <a:spAutoFit/>
+          </a:bodyPr>
+          <a:lstStyle/>
+          <a:p>
+            <a:r>
+              <a:rPr lang="en-US" altLang="zh-Hans" sz="4320" b="1" dirty="0">
+                <a:solidFill>
+                  <a:srgbClr val="2D669D"/>
+                </a:solidFill>
+                <a:latin typeface="Arial"/>
+                <a:cs typeface="Arial"/>
+              </a:rPr>
+              <a:t>CNN</a:t>
+            </a:r>
+            <a:r>
+              <a:rPr lang="zh-Hans" altLang="en-US" sz="4320" b="1" dirty="0">
+                <a:solidFill>
+                  <a:srgbClr val="2D669D"/>
+                </a:solidFill>
+                <a:latin typeface="Arial"/>
+                <a:cs typeface="Arial"/>
+              </a:rPr>
+              <a:t> </a:t>
+            </a:r>
+            <a:r>
+              <a:rPr lang="en-US" altLang="zh-Hans" sz="4320" b="1" dirty="0">
+                <a:solidFill>
+                  <a:srgbClr val="2D669D"/>
+                </a:solidFill>
+                <a:latin typeface="Arial"/>
+                <a:cs typeface="Arial"/>
+              </a:rPr>
+              <a:t>Model</a:t>
+            </a:r>
+            <a:endParaRPr lang="en-US" sz="2401" dirty="0"/>
+          </a:p>
+          <a:p>
+            <a:pPr marL="411440" indent="-411440" algn="just">
+              <a:buFont typeface="Arial" panose="020B0604020202020204" pitchFamily="34" charset="0"/>
+              <a:buChar char="•"/>
+            </a:pPr>
+            <a:r>
+              <a:rPr lang="en-US" altLang="zh-Hans" sz="2401" dirty="0"/>
+              <a:t>We</a:t>
+            </a:r>
+            <a:r>
+              <a:rPr lang="zh-Hans" altLang="en-US" sz="2401" dirty="0"/>
+              <a:t> </a:t>
+            </a:r>
+            <a:r>
+              <a:rPr lang="en-US" altLang="zh-Hans" sz="2401" dirty="0"/>
+              <a:t>take</a:t>
+            </a:r>
+            <a:r>
+              <a:rPr lang="zh-Hans" altLang="en-US" sz="2401" dirty="0"/>
+              <a:t> </a:t>
+            </a:r>
+            <a:r>
+              <a:rPr lang="en-US" altLang="zh-Hans" sz="2401" dirty="0"/>
+              <a:t>a</a:t>
+            </a:r>
+            <a:r>
+              <a:rPr lang="zh-Hans" altLang="en-US" sz="2401" dirty="0"/>
+              <a:t> </a:t>
+            </a:r>
+            <a:r>
+              <a:rPr lang="en-US" altLang="zh-Hans" sz="2401" dirty="0"/>
+              <a:t>Convolutional</a:t>
+            </a:r>
+            <a:r>
+              <a:rPr lang="zh-Hans" altLang="en-US" sz="2401" dirty="0"/>
+              <a:t> </a:t>
+            </a:r>
+            <a:r>
+              <a:rPr lang="en-US" altLang="zh-Hans" sz="2401" dirty="0"/>
+              <a:t>Neural</a:t>
+            </a:r>
+            <a:r>
+              <a:rPr lang="zh-Hans" altLang="en-US" sz="2401" dirty="0"/>
+              <a:t> </a:t>
+            </a:r>
+            <a:r>
+              <a:rPr lang="en-US" altLang="zh-Hans" sz="2401" dirty="0"/>
+              <a:t>Network(CNN)</a:t>
+            </a:r>
+            <a:r>
+              <a:rPr lang="zh-Hans" altLang="en-US" sz="2401" dirty="0"/>
+              <a:t> </a:t>
+            </a:r>
+            <a:r>
+              <a:rPr lang="en-US" altLang="zh-Hans" sz="2401" dirty="0"/>
+              <a:t>approach</a:t>
+            </a:r>
+            <a:r>
+              <a:rPr lang="zh-Hans" altLang="en-US" sz="2401" dirty="0"/>
+              <a:t> </a:t>
+            </a:r>
+            <a:r>
+              <a:rPr lang="en-US" altLang="zh-Hans" sz="2401" dirty="0"/>
+              <a:t>in</a:t>
+            </a:r>
+            <a:r>
+              <a:rPr lang="zh-Hans" altLang="en-US" sz="2401" dirty="0"/>
+              <a:t> </a:t>
+            </a:r>
+            <a:r>
+              <a:rPr lang="en-US" altLang="zh-Hans" sz="2401" dirty="0"/>
+              <a:t>a</a:t>
+            </a:r>
+            <a:r>
+              <a:rPr lang="zh-Hans" altLang="en-US" sz="2401" dirty="0"/>
+              <a:t> </a:t>
+            </a:r>
+            <a:r>
+              <a:rPr lang="en-US" altLang="zh-Hans" sz="2401" dirty="0"/>
+              <a:t>way</a:t>
+            </a:r>
+            <a:r>
+              <a:rPr lang="zh-Hans" altLang="en-US" sz="2401" dirty="0"/>
+              <a:t> </a:t>
+            </a:r>
+            <a:r>
+              <a:rPr lang="en-US" altLang="zh-Hans" sz="2401" dirty="0"/>
+              <a:t>that</a:t>
+            </a:r>
+            <a:r>
+              <a:rPr lang="zh-Hans" altLang="en-US" sz="2401" dirty="0"/>
+              <a:t> </a:t>
+            </a:r>
+            <a:r>
+              <a:rPr lang="en-US" altLang="zh-Hans" sz="2401" dirty="0"/>
+              <a:t>is</a:t>
+            </a:r>
+            <a:r>
+              <a:rPr lang="zh-Hans" altLang="en-US" sz="2401" dirty="0"/>
+              <a:t> </a:t>
+            </a:r>
+            <a:r>
+              <a:rPr lang="en-US" altLang="zh-Hans" sz="2401" dirty="0"/>
+              <a:t>similar</a:t>
+            </a:r>
+            <a:r>
+              <a:rPr lang="zh-Hans" altLang="en-US" sz="2401" dirty="0"/>
+              <a:t> </a:t>
+            </a:r>
+            <a:r>
+              <a:rPr lang="en-US" altLang="zh-Hans" sz="2401" dirty="0"/>
+              <a:t>to</a:t>
+            </a:r>
+            <a:r>
+              <a:rPr lang="zh-Hans" altLang="en-US" sz="2401" dirty="0"/>
+              <a:t> </a:t>
+            </a:r>
+            <a:r>
+              <a:rPr lang="en-US" altLang="zh-Hans" sz="2401" dirty="0" err="1"/>
+              <a:t>Autoencoder</a:t>
+            </a:r>
+            <a:r>
+              <a:rPr lang="en-US" altLang="zh-Hans" sz="2401" dirty="0"/>
+              <a:t>.</a:t>
+            </a:r>
+            <a:r>
+              <a:rPr lang="zh-Hans" altLang="en-US" sz="2401" dirty="0"/>
+              <a:t> </a:t>
+            </a:r>
+            <a:r>
+              <a:rPr lang="en-US" altLang="zh-Hans" sz="2401" dirty="0"/>
+              <a:t>By</a:t>
+            </a:r>
+            <a:r>
+              <a:rPr lang="zh-Hans" altLang="en-US" sz="2401" dirty="0"/>
+              <a:t> </a:t>
+            </a:r>
+            <a:r>
+              <a:rPr lang="en-US" altLang="zh-Hans" sz="2401" dirty="0"/>
+              <a:t>compressing</a:t>
+            </a:r>
+            <a:r>
+              <a:rPr lang="zh-Hans" altLang="en-US" sz="2401" dirty="0"/>
+              <a:t> </a:t>
+            </a:r>
+            <a:r>
+              <a:rPr lang="en-US" altLang="zh-Hans" sz="2401" dirty="0"/>
+              <a:t>and</a:t>
+            </a:r>
+            <a:r>
+              <a:rPr lang="zh-Hans" altLang="en-US" sz="2401" dirty="0"/>
+              <a:t> </a:t>
+            </a:r>
+            <a:r>
+              <a:rPr lang="en-US" altLang="zh-Hans" sz="2401" dirty="0"/>
+              <a:t>decompressing</a:t>
+            </a:r>
+            <a:r>
+              <a:rPr lang="zh-Hans" altLang="en-US" sz="2401" dirty="0"/>
+              <a:t> </a:t>
+            </a:r>
+            <a:r>
+              <a:rPr lang="en-US" altLang="zh-Hans" sz="2401" dirty="0"/>
+              <a:t>the</a:t>
+            </a:r>
+            <a:r>
+              <a:rPr lang="zh-Hans" altLang="en-US" sz="2401" dirty="0"/>
+              <a:t> </a:t>
+            </a:r>
+            <a:r>
+              <a:rPr lang="en-US" altLang="zh-Hans" sz="2401" dirty="0"/>
+              <a:t>MRI</a:t>
+            </a:r>
+            <a:r>
+              <a:rPr lang="zh-Hans" altLang="en-US" sz="2401" dirty="0"/>
+              <a:t> </a:t>
+            </a:r>
+            <a:r>
+              <a:rPr lang="en-US" altLang="zh-Hans" sz="2401" dirty="0"/>
+              <a:t>images,</a:t>
+            </a:r>
+            <a:r>
+              <a:rPr lang="zh-Hans" altLang="en-US" sz="2401" dirty="0"/>
+              <a:t> </a:t>
+            </a:r>
+            <a:r>
+              <a:rPr lang="en-US" altLang="zh-Hans" sz="2401" dirty="0"/>
+              <a:t>our</a:t>
+            </a:r>
+            <a:r>
+              <a:rPr lang="zh-Hans" altLang="en-US" sz="2401" dirty="0"/>
+              <a:t> </a:t>
+            </a:r>
+            <a:r>
+              <a:rPr lang="en-US" altLang="zh-Hans" sz="2401" dirty="0"/>
+              <a:t>model</a:t>
+            </a:r>
+            <a:r>
+              <a:rPr lang="zh-Hans" altLang="en-US" sz="2401" dirty="0"/>
+              <a:t> </a:t>
+            </a:r>
+            <a:r>
+              <a:rPr lang="en-US" altLang="zh-Hans" sz="2401" dirty="0"/>
+              <a:t>tries</a:t>
+            </a:r>
+            <a:r>
+              <a:rPr lang="zh-Hans" altLang="en-US" sz="2401" dirty="0"/>
+              <a:t> </a:t>
+            </a:r>
+            <a:r>
+              <a:rPr lang="en-US" altLang="zh-Hans" sz="2401" dirty="0"/>
+              <a:t>to</a:t>
+            </a:r>
+            <a:r>
+              <a:rPr lang="zh-Hans" altLang="en-US" sz="2401" dirty="0"/>
+              <a:t> </a:t>
+            </a:r>
+            <a:r>
+              <a:rPr lang="en-US" altLang="zh-Hans" sz="2401" dirty="0"/>
+              <a:t>learn</a:t>
+            </a:r>
+            <a:r>
+              <a:rPr lang="zh-Hans" altLang="en-US" sz="2401" dirty="0"/>
+              <a:t> </a:t>
+            </a:r>
+            <a:r>
+              <a:rPr lang="en-US" altLang="zh-Hans" sz="2401" dirty="0"/>
+              <a:t>the</a:t>
+            </a:r>
+            <a:r>
+              <a:rPr lang="zh-Hans" altLang="en-US" sz="2401" dirty="0"/>
+              <a:t> </a:t>
+            </a:r>
+            <a:r>
+              <a:rPr lang="en-US" altLang="zh-Hans" sz="2401" dirty="0"/>
+              <a:t>representative</a:t>
+            </a:r>
+            <a:r>
+              <a:rPr lang="zh-Hans" altLang="en-US" sz="2401" dirty="0"/>
+              <a:t> </a:t>
+            </a:r>
+            <a:r>
+              <a:rPr lang="en-US" altLang="zh-Hans" sz="2401" dirty="0"/>
+              <a:t>features</a:t>
+            </a:r>
+            <a:r>
+              <a:rPr lang="zh-Hans" altLang="en-US" sz="2401" dirty="0"/>
+              <a:t> </a:t>
+            </a:r>
+            <a:r>
+              <a:rPr lang="en-US" altLang="zh-Hans" sz="2401" dirty="0"/>
+              <a:t>of</a:t>
+            </a:r>
+            <a:r>
+              <a:rPr lang="zh-Hans" altLang="en-US" sz="2401" dirty="0"/>
+              <a:t> </a:t>
+            </a:r>
+            <a:r>
+              <a:rPr lang="en-US" altLang="zh-Hans" sz="2401" dirty="0"/>
+              <a:t>the</a:t>
+            </a:r>
+            <a:r>
+              <a:rPr lang="zh-Hans" altLang="en-US" sz="2401" dirty="0"/>
+              <a:t> </a:t>
+            </a:r>
+            <a:r>
+              <a:rPr lang="en-US" altLang="zh-Hans" sz="2401" dirty="0"/>
+              <a:t>brain</a:t>
+            </a:r>
+            <a:r>
+              <a:rPr lang="zh-Hans" altLang="en-US" sz="2401" dirty="0"/>
+              <a:t> </a:t>
+            </a:r>
+            <a:r>
+              <a:rPr lang="en-US" altLang="zh-Hans" sz="2401" dirty="0"/>
+              <a:t>structures.</a:t>
+            </a:r>
+            <a:r>
+              <a:rPr lang="zh-Hans" altLang="en-US" sz="2401" dirty="0"/>
+              <a:t> </a:t>
+            </a:r>
+            <a:r>
+              <a:rPr lang="en-US" altLang="zh-Hans" sz="2401" dirty="0"/>
+              <a:t>In encoder part of the model, we choose three convolution layers with three max pooling layers. For the decoder part, we use three convolution layers, three deconvolution layers and an extra reconstruction layer to reconstruct the input image. Figure 3 below is an illustration of our model.</a:t>
+            </a:r>
+          </a:p>
+          <a:p>
+            <a:pPr algn="just"/>
+            <a:endParaRPr lang="en-US" altLang="zh-Hans" sz="2401" dirty="0"/>
+          </a:p>
+          <a:p>
+            <a:pPr algn="just"/>
+            <a:endParaRPr lang="en-US" altLang="zh-Hans" sz="2401" dirty="0"/>
+          </a:p>
+          <a:p>
+            <a:pPr algn="just"/>
+            <a:endParaRPr lang="en-US" altLang="zh-Hans" sz="2401" dirty="0"/>
+          </a:p>
+          <a:p>
+            <a:pPr algn="just"/>
+            <a:endParaRPr lang="en-US" altLang="zh-Hans" sz="2401" dirty="0"/>
+          </a:p>
+          <a:p>
+            <a:pPr algn="just"/>
+            <a:endParaRPr lang="en-US" altLang="zh-Hans" sz="2401" dirty="0"/>
+          </a:p>
+          <a:p>
+            <a:pPr algn="just"/>
+            <a:endParaRPr lang="en-US" altLang="zh-Hans" sz="2401" dirty="0"/>
+          </a:p>
+          <a:p>
+            <a:pPr algn="just"/>
+            <a:endParaRPr lang="en-US" altLang="zh-Hans" sz="2401" dirty="0"/>
+          </a:p>
+          <a:p>
+            <a:pPr algn="just"/>
+            <a:endParaRPr lang="en-US" altLang="zh-Hans" sz="2401" dirty="0"/>
+          </a:p>
+          <a:p>
+            <a:pPr algn="just"/>
+            <a:endParaRPr lang="en-US" sz="2401" dirty="0"/>
+          </a:p>
+          <a:p>
+            <a:endParaRPr lang="en-US" altLang="zh-Hans" sz="2160" dirty="0">
+              <a:latin typeface="Arial"/>
+              <a:cs typeface="Arial"/>
+            </a:endParaRPr>
+          </a:p>
+          <a:p>
+            <a:pPr marL="411440" indent="-411440">
+              <a:buFont typeface="Arial"/>
+              <a:buChar char="•"/>
+            </a:pPr>
+            <a:r>
+              <a:rPr lang="en-US" altLang="zh-Hans" sz="2160" dirty="0">
+                <a:latin typeface="Arial"/>
+                <a:cs typeface="Arial"/>
+              </a:rPr>
+              <a:t>We</a:t>
+            </a:r>
+            <a:r>
+              <a:rPr lang="zh-Hans" altLang="en-US" sz="2160" dirty="0">
+                <a:latin typeface="Arial"/>
+                <a:cs typeface="Arial"/>
+              </a:rPr>
+              <a:t> </a:t>
+            </a:r>
+            <a:r>
+              <a:rPr lang="en-US" altLang="zh-Hans" sz="2160" dirty="0">
+                <a:latin typeface="Arial"/>
+                <a:cs typeface="Arial"/>
+              </a:rPr>
+              <a:t>trained</a:t>
+            </a:r>
+            <a:r>
+              <a:rPr lang="zh-Hans" altLang="en-US" sz="2160" dirty="0">
+                <a:latin typeface="Arial"/>
+                <a:cs typeface="Arial"/>
+              </a:rPr>
+              <a:t> </a:t>
+            </a:r>
+            <a:r>
+              <a:rPr lang="en-US" altLang="zh-Hans" sz="2160" dirty="0">
+                <a:latin typeface="Arial"/>
+                <a:cs typeface="Arial"/>
+              </a:rPr>
+              <a:t>our</a:t>
+            </a:r>
+            <a:r>
+              <a:rPr lang="zh-Hans" altLang="en-US" sz="2160" dirty="0">
+                <a:latin typeface="Arial"/>
+                <a:cs typeface="Arial"/>
+              </a:rPr>
+              <a:t> </a:t>
+            </a:r>
+            <a:r>
+              <a:rPr lang="en-US" altLang="zh-Hans" sz="2160" dirty="0">
+                <a:latin typeface="Arial"/>
+                <a:cs typeface="Arial"/>
+              </a:rPr>
+              <a:t>model</a:t>
+            </a:r>
+            <a:r>
+              <a:rPr lang="zh-Hans" altLang="en-US" sz="2160" dirty="0">
+                <a:latin typeface="Arial"/>
+                <a:cs typeface="Arial"/>
+              </a:rPr>
+              <a:t> </a:t>
+            </a:r>
+            <a:r>
+              <a:rPr lang="en-US" altLang="zh-Hans" sz="2160" dirty="0">
+                <a:latin typeface="Arial"/>
+                <a:cs typeface="Arial"/>
+              </a:rPr>
+              <a:t>using</a:t>
+            </a:r>
+            <a:r>
+              <a:rPr lang="zh-Hans" altLang="en-US" sz="2160" dirty="0">
+                <a:latin typeface="Arial"/>
+                <a:cs typeface="Arial"/>
+              </a:rPr>
+              <a:t> </a:t>
+            </a:r>
+            <a:r>
+              <a:rPr lang="en-US" altLang="zh-Hans" sz="2160" dirty="0">
+                <a:latin typeface="Arial"/>
+                <a:cs typeface="Arial"/>
+              </a:rPr>
+              <a:t>700</a:t>
+            </a:r>
+            <a:r>
+              <a:rPr lang="zh-Hans" altLang="en-US" sz="2160" dirty="0">
+                <a:latin typeface="Arial"/>
+                <a:cs typeface="Arial"/>
+              </a:rPr>
+              <a:t> </a:t>
+            </a:r>
+            <a:r>
+              <a:rPr lang="en-US" altLang="zh-Hans" sz="2160" dirty="0">
+                <a:latin typeface="Arial"/>
+                <a:cs typeface="Arial"/>
+              </a:rPr>
+              <a:t>MRI</a:t>
+            </a:r>
+            <a:r>
+              <a:rPr lang="zh-Hans" altLang="en-US" sz="2160" dirty="0">
+                <a:latin typeface="Arial"/>
+                <a:cs typeface="Arial"/>
+              </a:rPr>
+              <a:t> </a:t>
+            </a:r>
+            <a:r>
+              <a:rPr lang="en-US" altLang="zh-Hans" sz="2160" dirty="0">
+                <a:latin typeface="Arial"/>
+                <a:cs typeface="Arial"/>
+              </a:rPr>
+              <a:t>images</a:t>
+            </a:r>
+            <a:r>
+              <a:rPr lang="zh-Hans" altLang="en-US" sz="2160" dirty="0">
+                <a:latin typeface="Arial"/>
+                <a:cs typeface="Arial"/>
+              </a:rPr>
+              <a:t> </a:t>
+            </a:r>
+            <a:r>
+              <a:rPr lang="en-US" altLang="zh-Hans" sz="2160" dirty="0">
+                <a:latin typeface="Arial"/>
+                <a:cs typeface="Arial"/>
+              </a:rPr>
+              <a:t>and</a:t>
+            </a:r>
+            <a:r>
+              <a:rPr lang="zh-Hans" altLang="en-US" sz="2160" dirty="0">
+                <a:latin typeface="Arial"/>
+                <a:cs typeface="Arial"/>
+              </a:rPr>
+              <a:t> </a:t>
+            </a:r>
+            <a:r>
+              <a:rPr lang="en-US" altLang="zh-Hans" sz="2160" dirty="0">
+                <a:latin typeface="Arial"/>
+                <a:cs typeface="Arial"/>
+              </a:rPr>
+              <a:t>its</a:t>
+            </a:r>
+            <a:r>
+              <a:rPr lang="zh-Hans" altLang="en-US" sz="2160" dirty="0">
+                <a:latin typeface="Arial"/>
+                <a:cs typeface="Arial"/>
+              </a:rPr>
+              <a:t> </a:t>
+            </a:r>
+            <a:r>
+              <a:rPr lang="en-US" altLang="zh-Hans" sz="2160" dirty="0">
+                <a:latin typeface="Arial"/>
+                <a:cs typeface="Arial"/>
+              </a:rPr>
+              <a:t>corresponding</a:t>
+            </a:r>
+            <a:r>
+              <a:rPr lang="zh-Hans" altLang="en-US" sz="2160" dirty="0">
+                <a:latin typeface="Arial"/>
+                <a:cs typeface="Arial"/>
+              </a:rPr>
+              <a:t> </a:t>
+            </a:r>
+            <a:r>
+              <a:rPr lang="en-US" altLang="zh-Hans" sz="2160" dirty="0">
+                <a:latin typeface="Arial"/>
+                <a:cs typeface="Arial"/>
+              </a:rPr>
+              <a:t>skull-stripped</a:t>
+            </a:r>
+            <a:r>
+              <a:rPr lang="zh-Hans" altLang="en-US" sz="2160" dirty="0">
+                <a:latin typeface="Arial"/>
+                <a:cs typeface="Arial"/>
+              </a:rPr>
+              <a:t> </a:t>
+            </a:r>
+            <a:r>
+              <a:rPr lang="en-US" altLang="zh-Hans" sz="2160" dirty="0">
+                <a:latin typeface="Arial"/>
+                <a:cs typeface="Arial"/>
+              </a:rPr>
+              <a:t>images</a:t>
+            </a:r>
+            <a:r>
+              <a:rPr lang="zh-Hans" altLang="en-US" sz="2160" dirty="0">
+                <a:latin typeface="Arial"/>
+                <a:cs typeface="Arial"/>
+              </a:rPr>
+              <a:t> </a:t>
+            </a:r>
+            <a:r>
+              <a:rPr lang="en-US" altLang="zh-Hans" sz="2160" dirty="0">
+                <a:latin typeface="Arial"/>
+                <a:cs typeface="Arial"/>
+              </a:rPr>
+              <a:t>with</a:t>
+            </a:r>
+            <a:r>
+              <a:rPr lang="zh-Hans" altLang="en-US" sz="2160" dirty="0">
+                <a:latin typeface="Arial"/>
+                <a:cs typeface="Arial"/>
+              </a:rPr>
+              <a:t> </a:t>
+            </a:r>
+            <a:r>
+              <a:rPr lang="en-US" altLang="zh-Hans" sz="2160" dirty="0">
+                <a:latin typeface="Arial"/>
+                <a:cs typeface="Arial"/>
+              </a:rPr>
+              <a:t>batch</a:t>
+            </a:r>
+            <a:r>
+              <a:rPr lang="zh-Hans" altLang="en-US" sz="2160" dirty="0">
+                <a:latin typeface="Arial"/>
+                <a:cs typeface="Arial"/>
+              </a:rPr>
+              <a:t> </a:t>
+            </a:r>
+            <a:r>
+              <a:rPr lang="en-US" altLang="zh-Hans" sz="2160" dirty="0">
+                <a:latin typeface="Arial"/>
+                <a:cs typeface="Arial"/>
+              </a:rPr>
+              <a:t>size</a:t>
+            </a:r>
+            <a:r>
+              <a:rPr lang="zh-Hans" altLang="en-US" sz="2160" dirty="0">
+                <a:latin typeface="Arial"/>
+                <a:cs typeface="Arial"/>
+              </a:rPr>
+              <a:t> </a:t>
+            </a:r>
+            <a:r>
+              <a:rPr lang="en-US" altLang="zh-Hans" sz="2160" dirty="0">
+                <a:latin typeface="Arial"/>
+                <a:cs typeface="Arial"/>
+              </a:rPr>
+              <a:t>15,</a:t>
+            </a:r>
+            <a:r>
+              <a:rPr lang="zh-Hans" altLang="en-US" sz="2160" dirty="0">
+                <a:latin typeface="Arial"/>
+                <a:cs typeface="Arial"/>
+              </a:rPr>
+              <a:t> </a:t>
+            </a:r>
+            <a:r>
+              <a:rPr lang="en-US" altLang="zh-Hans" sz="2160" dirty="0">
+                <a:latin typeface="Arial"/>
+                <a:cs typeface="Arial"/>
+              </a:rPr>
+              <a:t>learning</a:t>
+            </a:r>
+            <a:r>
+              <a:rPr lang="zh-Hans" altLang="en-US" sz="2160" dirty="0">
+                <a:latin typeface="Arial"/>
+                <a:cs typeface="Arial"/>
+              </a:rPr>
+              <a:t> </a:t>
+            </a:r>
+            <a:r>
+              <a:rPr lang="en-US" altLang="zh-Hans" sz="2160" dirty="0">
+                <a:latin typeface="Arial"/>
+                <a:cs typeface="Arial"/>
+              </a:rPr>
+              <a:t>rate</a:t>
+            </a:r>
+            <a:r>
+              <a:rPr lang="zh-Hans" altLang="en-US" sz="2160" dirty="0">
+                <a:latin typeface="Arial"/>
+                <a:cs typeface="Arial"/>
+              </a:rPr>
+              <a:t> </a:t>
+            </a:r>
+            <a:r>
+              <a:rPr lang="en-US" altLang="zh-Hans" sz="2160" dirty="0">
+                <a:latin typeface="Arial"/>
+                <a:cs typeface="Arial"/>
+              </a:rPr>
+              <a:t>0.003</a:t>
+            </a:r>
+            <a:r>
+              <a:rPr lang="zh-Hans" altLang="en-US" sz="2160" dirty="0">
+                <a:latin typeface="Arial"/>
+                <a:cs typeface="Arial"/>
+              </a:rPr>
+              <a:t> </a:t>
+            </a:r>
+            <a:r>
+              <a:rPr lang="en-US" altLang="zh-Hans" sz="2160" dirty="0">
+                <a:latin typeface="Arial"/>
+                <a:cs typeface="Arial"/>
+              </a:rPr>
+              <a:t>and</a:t>
+            </a:r>
+            <a:r>
+              <a:rPr lang="zh-Hans" altLang="en-US" sz="2160" dirty="0">
+                <a:latin typeface="Arial"/>
+                <a:cs typeface="Arial"/>
+              </a:rPr>
+              <a:t> </a:t>
+            </a:r>
+            <a:r>
+              <a:rPr lang="en-US" altLang="zh-Hans" sz="2160" dirty="0">
+                <a:latin typeface="Arial"/>
+                <a:cs typeface="Arial"/>
+              </a:rPr>
+              <a:t>50</a:t>
+            </a:r>
+            <a:r>
+              <a:rPr lang="zh-Hans" altLang="en-US" sz="2160" dirty="0">
+                <a:latin typeface="Arial"/>
+                <a:cs typeface="Arial"/>
+              </a:rPr>
+              <a:t> </a:t>
+            </a:r>
+            <a:r>
+              <a:rPr lang="en-US" altLang="zh-Hans" sz="2160" dirty="0">
+                <a:latin typeface="Arial"/>
+                <a:cs typeface="Arial"/>
+              </a:rPr>
+              <a:t>epochs,</a:t>
+            </a:r>
+            <a:r>
+              <a:rPr lang="zh-Hans" altLang="en-US" sz="2160" dirty="0">
+                <a:latin typeface="Arial"/>
+                <a:cs typeface="Arial"/>
+              </a:rPr>
+              <a:t> </a:t>
+            </a:r>
+            <a:r>
+              <a:rPr lang="en-US" altLang="zh-Hans" sz="2160" dirty="0">
+                <a:latin typeface="Arial"/>
+                <a:cs typeface="Arial"/>
+              </a:rPr>
+              <a:t>by</a:t>
+            </a:r>
+            <a:r>
+              <a:rPr lang="zh-Hans" altLang="en-US" sz="2160" dirty="0">
+                <a:latin typeface="Arial"/>
+                <a:cs typeface="Arial"/>
+              </a:rPr>
+              <a:t> </a:t>
+            </a:r>
+            <a:r>
+              <a:rPr lang="en-US" altLang="zh-Hans" sz="2160" dirty="0">
+                <a:latin typeface="Arial"/>
+                <a:cs typeface="Arial"/>
+              </a:rPr>
+              <a:t>optimizing</a:t>
+            </a:r>
+            <a:r>
+              <a:rPr lang="zh-Hans" altLang="en-US" sz="2160" dirty="0">
+                <a:latin typeface="Arial"/>
+                <a:cs typeface="Arial"/>
+              </a:rPr>
+              <a:t> </a:t>
+            </a:r>
+            <a:r>
+              <a:rPr lang="en-US" altLang="zh-Hans" sz="2160" dirty="0">
+                <a:latin typeface="Arial"/>
+                <a:cs typeface="Arial"/>
+              </a:rPr>
+              <a:t>the</a:t>
+            </a:r>
+            <a:r>
+              <a:rPr lang="zh-Hans" altLang="en-US" sz="2160" dirty="0">
+                <a:latin typeface="Arial"/>
+                <a:cs typeface="Arial"/>
+              </a:rPr>
+              <a:t> </a:t>
+            </a:r>
+            <a:r>
+              <a:rPr lang="en-US" altLang="zh-Hans" sz="2160" dirty="0">
+                <a:latin typeface="Arial"/>
+                <a:cs typeface="Arial"/>
+              </a:rPr>
+              <a:t>equation</a:t>
+            </a:r>
+            <a:r>
+              <a:rPr lang="zh-Hans" altLang="en-US" sz="2160" dirty="0">
+                <a:latin typeface="Arial"/>
+                <a:cs typeface="Arial"/>
+              </a:rPr>
+              <a:t> </a:t>
+            </a:r>
+            <a:r>
+              <a:rPr lang="en-US" altLang="zh-Hans" sz="2160" dirty="0">
+                <a:latin typeface="Arial"/>
+                <a:cs typeface="Arial"/>
+              </a:rPr>
+              <a:t>(1).</a:t>
+            </a:r>
+            <a:r>
+              <a:rPr lang="zh-Hans" altLang="en-US" sz="2160" dirty="0">
+                <a:latin typeface="Arial"/>
+                <a:cs typeface="Arial"/>
+              </a:rPr>
+              <a:t> </a:t>
+            </a:r>
+            <a:r>
+              <a:rPr lang="en-US" altLang="zh-Hans" sz="2160" dirty="0">
+                <a:latin typeface="Arial"/>
+                <a:cs typeface="Arial"/>
+              </a:rPr>
+              <a:t>Figure</a:t>
+            </a:r>
+            <a:r>
+              <a:rPr lang="zh-Hans" altLang="en-US" sz="2160" dirty="0">
+                <a:latin typeface="Arial"/>
+                <a:cs typeface="Arial"/>
+              </a:rPr>
+              <a:t> </a:t>
+            </a:r>
+            <a:r>
+              <a:rPr lang="en-US" altLang="zh-Hans" sz="2160" dirty="0">
+                <a:latin typeface="Arial"/>
+                <a:cs typeface="Arial"/>
+              </a:rPr>
+              <a:t>4</a:t>
+            </a:r>
+            <a:r>
+              <a:rPr lang="zh-Hans" altLang="en-US" sz="2160" dirty="0">
+                <a:latin typeface="Arial"/>
+                <a:cs typeface="Arial"/>
+              </a:rPr>
+              <a:t> </a:t>
+            </a:r>
+            <a:r>
+              <a:rPr lang="en-US" altLang="zh-Hans" sz="2160" dirty="0">
+                <a:latin typeface="Arial"/>
+                <a:cs typeface="Arial"/>
+              </a:rPr>
+              <a:t>above</a:t>
+            </a:r>
+            <a:r>
+              <a:rPr lang="zh-Hans" altLang="en-US" sz="2160" dirty="0">
+                <a:latin typeface="Arial"/>
+                <a:cs typeface="Arial"/>
+              </a:rPr>
+              <a:t> </a:t>
+            </a:r>
+            <a:r>
+              <a:rPr lang="en-US" altLang="zh-Hans" sz="2160" dirty="0">
+                <a:latin typeface="Arial"/>
+                <a:cs typeface="Arial"/>
+              </a:rPr>
+              <a:t>is</a:t>
+            </a:r>
+            <a:r>
+              <a:rPr lang="zh-Hans" altLang="en-US" sz="2160" dirty="0">
+                <a:latin typeface="Arial"/>
+                <a:cs typeface="Arial"/>
+              </a:rPr>
+              <a:t> </a:t>
+            </a:r>
+            <a:r>
+              <a:rPr lang="en-US" altLang="zh-Hans" sz="2160" dirty="0">
+                <a:latin typeface="Arial"/>
+                <a:cs typeface="Arial"/>
+              </a:rPr>
+              <a:t>the</a:t>
+            </a:r>
+            <a:r>
+              <a:rPr lang="zh-Hans" altLang="en-US" sz="2160" dirty="0">
+                <a:latin typeface="Arial"/>
+                <a:cs typeface="Arial"/>
+              </a:rPr>
+              <a:t> </a:t>
+            </a:r>
+            <a:r>
+              <a:rPr lang="en-US" altLang="zh-Hans" sz="2160" dirty="0">
+                <a:latin typeface="Arial"/>
+                <a:cs typeface="Arial"/>
+              </a:rPr>
+              <a:t>training</a:t>
+            </a:r>
+            <a:r>
+              <a:rPr lang="zh-Hans" altLang="en-US" sz="2160" dirty="0">
+                <a:latin typeface="Arial"/>
+                <a:cs typeface="Arial"/>
+              </a:rPr>
+              <a:t> </a:t>
+            </a:r>
+            <a:r>
+              <a:rPr lang="en-US" altLang="zh-Hans" sz="2160" dirty="0">
+                <a:latin typeface="Arial"/>
+                <a:cs typeface="Arial"/>
+              </a:rPr>
+              <a:t>loss.</a:t>
+            </a:r>
+          </a:p>
+          <a:p>
+            <a:pPr marL="411440" indent="-411440">
+              <a:buFont typeface="Arial"/>
+              <a:buChar char="•"/>
+            </a:pPr>
+            <a:endParaRPr lang="en-US" altLang="zh-Hans" sz="2160" dirty="0">
+              <a:latin typeface="Arial"/>
+              <a:cs typeface="Arial"/>
+            </a:endParaRPr>
+          </a:p>
+          <a:p>
+            <a:pPr marL="411440" indent="-411440">
+              <a:buFont typeface="Arial"/>
+              <a:buChar char="•"/>
+            </a:pPr>
+            <a:r>
+              <a:rPr lang="en-US" altLang="zh-Hans" sz="2160" dirty="0">
+                <a:latin typeface="Arial"/>
+                <a:cs typeface="Arial"/>
+              </a:rPr>
+              <a:t>After numerous experiments, we found our model is able to detect the region of brain, but cannot reconstruct the stripped image with resolution as high as the input. Since skull stripping is a preprocessing step for other diagnosis, which requires high resolution brain images, we use reconstructed images as bitmasks applied to unstripped images. As shown below:</a:t>
+            </a:r>
+          </a:p>
+          <a:p>
+            <a:pPr marL="411440" indent="-411440">
+              <a:buFont typeface="Arial"/>
+              <a:buChar char="•"/>
+            </a:pPr>
+            <a:endParaRPr lang="en-US" altLang="zh-Hans" sz="2160" dirty="0">
+              <a:latin typeface="Arial"/>
+              <a:cs typeface="Arial"/>
+            </a:endParaRPr>
+          </a:p>
+          <a:p>
+            <a:pPr marL="411440" indent="-411440">
+              <a:buFont typeface="Arial"/>
+              <a:buChar char="•"/>
+            </a:pPr>
+            <a:endParaRPr lang="en-US" sz="2160" dirty="0">
+              <a:latin typeface="Arial"/>
+              <a:cs typeface="Arial"/>
+            </a:endParaRPr>
+          </a:p>
+          <a:p>
+            <a:pPr marL="411440" indent="-411440">
+              <a:buFont typeface="Arial"/>
+              <a:buChar char="•"/>
+            </a:pPr>
+            <a:endParaRPr lang="en-US" sz="2160" dirty="0">
+              <a:latin typeface="Arial"/>
+              <a:cs typeface="Arial"/>
+            </a:endParaRPr>
+          </a:p>
+        </p:txBody>
+      </p:sp>
+      <p:sp>
+        <p:nvSpPr>
+          <p:cNvPr id="16" name="TextBox 15"/>
+          <p:cNvSpPr txBox="1"/>
+          <p:nvPr/>
+        </p:nvSpPr>
+        <p:spPr>
+          <a:xfrm>
+            <a:off x="10390909" y="11324268"/>
+            <a:ext cx="9577703" cy="424732"/>
+          </a:xfrm>
+          <a:prstGeom prst="rect">
+            <a:avLst/>
+          </a:prstGeom>
+          <a:noFill/>
+        </p:spPr>
+        <p:txBody>
+          <a:bodyPr wrap="square" rtlCol="0">
+            <a:spAutoFit/>
+          </a:bodyPr>
+          <a:lstStyle/>
+          <a:p>
+            <a:r>
+              <a:rPr lang="zh-Hans" altLang="en-US" sz="2160" i="1" dirty="0">
+                <a:solidFill>
+                  <a:srgbClr val="8C8C83"/>
+                </a:solidFill>
+                <a:cs typeface="Arial"/>
+              </a:rPr>
+              <a:t>                                </a:t>
+            </a:r>
+            <a:r>
+              <a:rPr lang="en-US" sz="2160" i="1" dirty="0">
+                <a:solidFill>
+                  <a:srgbClr val="8C8C83"/>
+                </a:solidFill>
+                <a:cs typeface="Arial"/>
+              </a:rPr>
+              <a:t>Figure </a:t>
+            </a:r>
+            <a:r>
+              <a:rPr lang="en-US" altLang="zh-Hans" sz="2160" i="1" dirty="0">
+                <a:solidFill>
+                  <a:srgbClr val="8C8C83"/>
+                </a:solidFill>
+                <a:cs typeface="Arial"/>
+              </a:rPr>
+              <a:t>3</a:t>
+            </a:r>
+            <a:r>
+              <a:rPr lang="en-US" sz="2160" i="1" dirty="0">
+                <a:solidFill>
+                  <a:srgbClr val="8C8C83"/>
+                </a:solidFill>
+                <a:cs typeface="Arial"/>
+              </a:rPr>
+              <a:t>. </a:t>
+            </a:r>
+            <a:r>
+              <a:rPr lang="en-US" altLang="zh-Hans" sz="2160" i="1" dirty="0">
+                <a:solidFill>
+                  <a:srgbClr val="8C8C83"/>
+                </a:solidFill>
+                <a:cs typeface="Arial"/>
+              </a:rPr>
+              <a:t>An</a:t>
+            </a:r>
+            <a:r>
+              <a:rPr lang="zh-Hans" altLang="en-US" sz="2160" i="1" dirty="0">
+                <a:solidFill>
+                  <a:srgbClr val="8C8C83"/>
+                </a:solidFill>
+                <a:cs typeface="Arial"/>
+              </a:rPr>
+              <a:t> </a:t>
+            </a:r>
+            <a:r>
+              <a:rPr lang="en-US" altLang="zh-Hans" sz="2160" i="1" dirty="0">
+                <a:solidFill>
+                  <a:srgbClr val="8C8C83"/>
+                </a:solidFill>
+                <a:cs typeface="Arial"/>
+              </a:rPr>
+              <a:t>illustration</a:t>
+            </a:r>
+            <a:r>
+              <a:rPr lang="zh-Hans" altLang="en-US" sz="2160" i="1" dirty="0">
+                <a:solidFill>
+                  <a:srgbClr val="8C8C83"/>
+                </a:solidFill>
+                <a:cs typeface="Arial"/>
+              </a:rPr>
+              <a:t> </a:t>
+            </a:r>
+            <a:r>
+              <a:rPr lang="en-US" altLang="zh-Hans" sz="2160" i="1" dirty="0">
+                <a:solidFill>
+                  <a:srgbClr val="8C8C83"/>
+                </a:solidFill>
+                <a:cs typeface="Arial"/>
+              </a:rPr>
+              <a:t>of</a:t>
+            </a:r>
+            <a:r>
+              <a:rPr lang="zh-Hans" altLang="en-US" sz="2160" i="1" dirty="0">
+                <a:solidFill>
+                  <a:srgbClr val="8C8C83"/>
+                </a:solidFill>
+                <a:cs typeface="Arial"/>
+              </a:rPr>
+              <a:t> </a:t>
+            </a:r>
+            <a:r>
+              <a:rPr lang="en-US" altLang="zh-Hans" sz="2160" i="1" dirty="0">
+                <a:solidFill>
+                  <a:srgbClr val="8C8C83"/>
+                </a:solidFill>
+                <a:cs typeface="Arial"/>
+              </a:rPr>
+              <a:t>our</a:t>
+            </a:r>
+            <a:r>
+              <a:rPr lang="zh-Hans" altLang="en-US" sz="2160" i="1" dirty="0">
+                <a:solidFill>
+                  <a:srgbClr val="8C8C83"/>
+                </a:solidFill>
+                <a:cs typeface="Arial"/>
+              </a:rPr>
+              <a:t> </a:t>
+            </a:r>
+            <a:r>
+              <a:rPr lang="en-US" altLang="zh-Hans" sz="2160" i="1" dirty="0">
+                <a:solidFill>
+                  <a:srgbClr val="8C8C83"/>
+                </a:solidFill>
+                <a:cs typeface="Arial"/>
+              </a:rPr>
+              <a:t>model</a:t>
+            </a:r>
+            <a:r>
+              <a:rPr lang="zh-Hans" altLang="en-US" sz="2160" i="1" dirty="0">
+                <a:solidFill>
+                  <a:srgbClr val="8C8C83"/>
+                </a:solidFill>
+                <a:cs typeface="Arial"/>
+              </a:rPr>
+              <a:t> </a:t>
+            </a:r>
+            <a:endParaRPr lang="en-US" sz="2160" i="1" dirty="0">
+              <a:solidFill>
+                <a:srgbClr val="8C8C83"/>
+              </a:solidFill>
+              <a:cs typeface="Arial"/>
+            </a:endParaRPr>
+          </a:p>
+        </p:txBody>
+      </p:sp>
       <p:sp>
         <p:nvSpPr>
           <p:cNvPr id="24" name="Rectangle 23"/>
@@ -1111,21 +2224,28 @@
                 <a:latin typeface="Arial"/>
                 <a:cs typeface="Arial"/>
               </a:rPr>
-              <a:t>Kaiyuan Chen 60483709 and </a:t>
-            </a:r>
-            <a:r>
-              <a:rPr lang="en-US" sz="2401" b="1" dirty="0" err="1">
-                <a:latin typeface="Arial"/>
-                <a:cs typeface="Arial"/>
-              </a:rPr>
-              <a:t>Jingyue</a:t>
+              <a:t>Kaiyuan Chen 60483709 and Jingyue Shen</a:t>
+            </a:r>
+            <a:r>
+              <a:rPr lang="zh-Hans" altLang="en-US" sz="2401" b="1" dirty="0">
+                <a:latin typeface="Arial"/>
+                <a:cs typeface="Arial"/>
+              </a:rPr>
+              <a:t> </a:t>
+            </a:r>
+            <a:r>
+              <a:rPr lang="en-US" altLang="zh-Hans" sz="2401" b="1" dirty="0">
+                <a:latin typeface="Arial"/>
+                <a:cs typeface="Arial"/>
+              </a:rPr>
+              <a:t>704797256</a:t>
             </a:r>
             <a:r>
               <a:rPr lang="en-US" sz="2401" b="1" dirty="0">
                 <a:latin typeface="Arial"/>
                 <a:cs typeface="Arial"/>
               </a:rPr>
-              <a:t> Shen </a:t>
+              <a:t> </a:t>
             </a:r>
           </a:p>
           <a:p>
@@ -1336,14 +2456,14 @@
       </p:sp>
       <p:sp>
         <p:nvSpPr>
-          <p:cNvPr id="7" name="TextBox 6"/>
+          <p:cNvPr id="9" name="TextBox 8"/>
           <p:cNvSpPr txBox="1"/>
           <p:nvPr/>
         </p:nvSpPr>
         <p:spPr>
           <a:xfrm>
-            <a:off x="11776198" y="5073410"/>
-            <a:ext cx="9326880" cy="5866656"/>
+            <a:off x="22983100" y="6717332"/>
+            <a:ext cx="9052560" cy="13879748"/>
           </a:xfrm>
           <a:prstGeom prst="rect">
             <a:avLst/>
@@ -1356,6 +2476,268 @@
           </a:bodyPr>
           <a:lstStyle/>
           <a:p>
+            <a:endParaRPr lang="en-US" sz="2160" dirty="0">
+              <a:latin typeface="Arial"/>
+              <a:cs typeface="Arial"/>
+            </a:endParaRPr>
+          </a:p>
+          <a:p>
+            <a:pPr marL="342900" indent="-342900">
+              <a:buFont typeface="Arial" panose="020B0604020202020204" pitchFamily="34" charset="0"/>
+              <a:buChar char="•"/>
+            </a:pPr>
+            <a:r>
+              <a:rPr lang="en-US" altLang="zh-Hans" sz="2160" dirty="0">
+                <a:latin typeface="Arial"/>
+                <a:cs typeface="Arial"/>
+              </a:rPr>
+              <a:t>Figure</a:t>
+            </a:r>
+            <a:r>
+              <a:rPr lang="zh-Hans" altLang="en-US" sz="2160" dirty="0">
+                <a:latin typeface="Arial"/>
+                <a:cs typeface="Arial"/>
+              </a:rPr>
+              <a:t> </a:t>
+            </a:r>
+            <a:r>
+              <a:rPr lang="en-US" altLang="zh-Hans" sz="2160" dirty="0">
+                <a:latin typeface="Arial"/>
+                <a:cs typeface="Arial"/>
+              </a:rPr>
+              <a:t>6</a:t>
+            </a:r>
+            <a:r>
+              <a:rPr lang="zh-Hans" altLang="en-US" sz="2160" dirty="0">
+                <a:latin typeface="Arial"/>
+                <a:cs typeface="Arial"/>
+              </a:rPr>
+              <a:t> </a:t>
+            </a:r>
+            <a:r>
+              <a:rPr lang="en-US" altLang="zh-Hans" sz="2160" dirty="0">
+                <a:latin typeface="Arial"/>
+                <a:cs typeface="Arial"/>
+              </a:rPr>
+              <a:t>above</a:t>
+            </a:r>
+            <a:r>
+              <a:rPr lang="zh-Hans" altLang="en-US" sz="2160" dirty="0">
+                <a:latin typeface="Arial"/>
+                <a:cs typeface="Arial"/>
+              </a:rPr>
+              <a:t> </a:t>
+            </a:r>
+            <a:r>
+              <a:rPr lang="en-US" altLang="zh-Hans" sz="2160" dirty="0">
+                <a:latin typeface="Arial"/>
+                <a:cs typeface="Arial"/>
+              </a:rPr>
+              <a:t>are</a:t>
+            </a:r>
+            <a:r>
+              <a:rPr lang="zh-Hans" altLang="en-US" sz="2160" dirty="0">
+                <a:latin typeface="Arial"/>
+                <a:cs typeface="Arial"/>
+              </a:rPr>
+              <a:t> </a:t>
+            </a:r>
+            <a:r>
+              <a:rPr lang="en-US" altLang="zh-Hans" sz="2160" dirty="0">
+                <a:latin typeface="Arial"/>
+                <a:cs typeface="Arial"/>
+              </a:rPr>
+              <a:t>the</a:t>
+            </a:r>
+            <a:r>
+              <a:rPr lang="zh-Hans" altLang="en-US" sz="2160" dirty="0">
+                <a:latin typeface="Arial"/>
+                <a:cs typeface="Arial"/>
+              </a:rPr>
+              <a:t> </a:t>
+            </a:r>
+            <a:r>
+              <a:rPr lang="en-US" altLang="zh-Hans" sz="2160" dirty="0">
+                <a:latin typeface="Arial"/>
+                <a:cs typeface="Arial"/>
+              </a:rPr>
+              <a:t>test</a:t>
+            </a:r>
+            <a:r>
+              <a:rPr lang="zh-Hans" altLang="en-US" sz="2160" dirty="0">
+                <a:latin typeface="Arial"/>
+                <a:cs typeface="Arial"/>
+              </a:rPr>
+              <a:t> </a:t>
+            </a:r>
+            <a:r>
+              <a:rPr lang="en-US" altLang="zh-Hans" sz="2160" dirty="0">
+                <a:latin typeface="Arial"/>
+                <a:cs typeface="Arial"/>
+              </a:rPr>
+              <a:t>results</a:t>
+            </a:r>
+            <a:r>
+              <a:rPr lang="zh-Hans" altLang="en-US" sz="2160" dirty="0">
+                <a:latin typeface="Arial"/>
+                <a:cs typeface="Arial"/>
+              </a:rPr>
+              <a:t> </a:t>
+            </a:r>
+            <a:r>
+              <a:rPr lang="en-US" altLang="zh-Hans" sz="2160" dirty="0">
+                <a:latin typeface="Arial"/>
+                <a:cs typeface="Arial"/>
+              </a:rPr>
+              <a:t>of</a:t>
+            </a:r>
+            <a:r>
+              <a:rPr lang="zh-Hans" altLang="en-US" sz="2160" dirty="0">
+                <a:latin typeface="Arial"/>
+                <a:cs typeface="Arial"/>
+              </a:rPr>
+              <a:t> </a:t>
+            </a:r>
+            <a:r>
+              <a:rPr lang="en-US" altLang="zh-Hans" sz="2160" dirty="0">
+                <a:latin typeface="Arial"/>
+                <a:cs typeface="Arial"/>
+              </a:rPr>
+              <a:t>our</a:t>
+            </a:r>
+            <a:r>
+              <a:rPr lang="zh-Hans" altLang="en-US" sz="2160" dirty="0">
+                <a:latin typeface="Arial"/>
+                <a:cs typeface="Arial"/>
+              </a:rPr>
+              <a:t> </a:t>
+            </a:r>
+            <a:r>
+              <a:rPr lang="en-US" altLang="zh-Hans" sz="2160" dirty="0">
+                <a:latin typeface="Arial"/>
+                <a:cs typeface="Arial"/>
+              </a:rPr>
+              <a:t>model.</a:t>
+            </a:r>
+            <a:r>
+              <a:rPr lang="zh-Hans" altLang="en-US" sz="2160" dirty="0">
+                <a:latin typeface="Arial"/>
+                <a:cs typeface="Arial"/>
+              </a:rPr>
+              <a:t> </a:t>
+            </a:r>
+            <a:r>
+              <a:rPr lang="en-US" altLang="zh-Hans" sz="2160" dirty="0">
+                <a:latin typeface="Arial"/>
+                <a:cs typeface="Arial"/>
+              </a:rPr>
+              <a:t>The first row are original unstripped images. And second row are learned stripped images. As shown in those images, our algorithm can perform skull stripping well on various slices of brains. The overall accuracy of our model is around 92%. One thing worth noting is that most of our model‘s inaccuracy comes from failing to strip a small portion of skull, As shown in figure 7.</a:t>
+            </a:r>
+            <a:r>
+              <a:rPr lang="zh-Hans" altLang="en-US" sz="2160" dirty="0">
+                <a:latin typeface="Arial"/>
+                <a:cs typeface="Arial"/>
+              </a:rPr>
+              <a:t> </a:t>
+            </a:r>
+            <a:r>
+              <a:rPr lang="en-US" altLang="zh-Hans" sz="2160" dirty="0">
+                <a:latin typeface="Arial"/>
+                <a:cs typeface="Arial"/>
+              </a:rPr>
+              <a:t>The core brain parts remain intact, which is desirable for skull stripping.</a:t>
+            </a:r>
+            <a:endParaRPr lang="en-US" sz="2160" dirty="0">
+              <a:latin typeface="Arial"/>
+              <a:cs typeface="Arial"/>
+            </a:endParaRPr>
+          </a:p>
+          <a:p>
+            <a:endParaRPr lang="en-US" sz="2160" dirty="0">
+              <a:latin typeface="Arial"/>
+              <a:cs typeface="Arial"/>
+            </a:endParaRPr>
+          </a:p>
+          <a:p>
+            <a:pPr marL="342900" indent="-342900">
+              <a:buFont typeface="Arial" panose="020B0604020202020204" pitchFamily="34" charset="0"/>
+              <a:buChar char="•"/>
+            </a:pPr>
+            <a:endParaRPr lang="en-US" sz="2160" dirty="0">
+              <a:latin typeface="Arial"/>
+              <a:cs typeface="Arial"/>
+            </a:endParaRPr>
+          </a:p>
+          <a:p>
+            <a:endParaRPr lang="en-US" sz="2160" dirty="0">
+              <a:latin typeface="Arial"/>
+              <a:cs typeface="Arial"/>
+            </a:endParaRPr>
+          </a:p>
+          <a:p>
+            <a:endParaRPr lang="en-US" sz="2160" dirty="0">
+              <a:latin typeface="Arial"/>
+              <a:cs typeface="Arial"/>
+            </a:endParaRPr>
+          </a:p>
+          <a:p>
+            <a:endParaRPr lang="en-US" sz="2160" dirty="0">
+              <a:latin typeface="Arial"/>
+              <a:cs typeface="Arial"/>
+            </a:endParaRPr>
+          </a:p>
+          <a:p>
+            <a:endParaRPr lang="en-US" sz="2160" dirty="0">
+              <a:latin typeface="Arial"/>
+              <a:cs typeface="Arial"/>
+            </a:endParaRPr>
+          </a:p>
+          <a:p>
+            <a:endParaRPr lang="en-US" sz="2160" dirty="0">
+              <a:latin typeface="Arial"/>
+              <a:cs typeface="Arial"/>
+            </a:endParaRPr>
+          </a:p>
+          <a:p>
+            <a:endParaRPr lang="en-US" sz="2160" dirty="0">
+              <a:latin typeface="Arial"/>
+              <a:cs typeface="Arial"/>
+            </a:endParaRPr>
+          </a:p>
+          <a:p>
+            <a:endParaRPr lang="en-US" sz="2160" dirty="0">
+              <a:latin typeface="Arial"/>
+              <a:cs typeface="Arial"/>
+            </a:endParaRPr>
+          </a:p>
+          <a:p>
+            <a:endParaRPr lang="en-US" sz="2160" dirty="0">
+              <a:latin typeface="Arial"/>
+              <a:cs typeface="Arial"/>
+            </a:endParaRPr>
+          </a:p>
+          <a:p>
+            <a:endParaRPr lang="en-US" sz="2160" dirty="0">
+              <a:latin typeface="Arial"/>
+              <a:cs typeface="Arial"/>
+            </a:endParaRPr>
+          </a:p>
+          <a:p>
+            <a:endParaRPr lang="en-US" sz="2160" dirty="0">
+              <a:latin typeface="Arial"/>
+              <a:cs typeface="Arial"/>
+            </a:endParaRPr>
+          </a:p>
+          <a:p>
+            <a:r>
+              <a:rPr lang="en-US" sz="2160" dirty="0">
+                <a:latin typeface="Arial"/>
+                <a:cs typeface="Arial"/>
+              </a:rPr>
+              <a:t>                  </a:t>
+            </a:r>
+          </a:p>
+          <a:p>
             <a:r>
               <a:rPr lang="en-US" sz="4320" b="1" dirty="0">
                 <a:solidFill>
@@ -1364,54 +2746,149 @@
                 <a:latin typeface="Arial"/>
                 <a:cs typeface="Arial"/>
               </a:rPr>
-              <a:t>Results</a:t>
-            </a:r>
-            <a:endParaRPr lang="en-US" sz="4320" dirty="0">
+              <a:t>Conclusion</a:t>
+            </a:r>
+          </a:p>
+          <a:p>
+            <a:endParaRPr lang="en-US" sz="1681" b="1" dirty="0">
+              <a:solidFill>
+                <a:srgbClr val="2D669D"/>
+              </a:solidFill>
               <a:latin typeface="Arial"/>
               <a:cs typeface="Arial"/>
             </a:endParaRPr>
           </a:p>
           <a:p>
-            <a:endParaRPr lang="en-US" sz="2401" dirty="0"/>
-          </a:p>
-          <a:p>
-            <a:pPr marL="411440" indent="-411440" algn="just">
+            <a:pPr marL="342864" indent="-342864" algn="just">
               <a:buFont typeface="Arial" panose="020B0604020202020204" pitchFamily="34" charset="0"/>
               <a:buChar char="•"/>
             </a:pPr>
             <a:r>
-              <a:rPr lang="en-US" sz="2401" dirty="0" err="1"/>
-              <a:t>PerfAngio</a:t>
-            </a:r>
-            <a:r>
-              <a:rPr lang="en-US" sz="2401" dirty="0"/>
-              <a:t>  provides unique insights into visualization of features never seen before on DSA. It has been successfully used to retrospectively analyze multi-center datasets. The software demonstrates  feasibility and performance to evaluate angiographic outcome in the multicenter trial TREVO2. It was also a useful tool to compare the impact of devices during </a:t>
-            </a:r>
-            <a:r>
-              <a:rPr lang="en-US" sz="2401" dirty="0" err="1"/>
-              <a:t>thrombectomy</a:t>
-            </a:r>
-            <a:r>
-              <a:rPr lang="en-US" sz="2401" dirty="0"/>
-              <a:t> and the hemodynamic impact of stenting in SAMMPRIS. </a:t>
-            </a:r>
-          </a:p>
-          <a:p>
-            <a:pPr marL="411440" indent="-411440" algn="just">
-              <a:buFont typeface="Arial" panose="020B0604020202020204" pitchFamily="34" charset="0"/>
+              <a:rPr lang="en-US" sz="2160" dirty="0"/>
+              <a:t>This innovative imaging software can provide insights into Stroke from standard DSA. It is particularly promising for retrospective studies and during clot-retrieval interventions as it offers an objective, continuous measure to characterize angiographic observations.</a:t>
+            </a:r>
+          </a:p>
+          <a:p>
+            <a:endParaRPr lang="en-US" sz="2160" dirty="0"/>
+          </a:p>
+          <a:p>
+            <a:r>
+              <a:rPr lang="en-US" sz="4320" b="1" dirty="0">
+                <a:solidFill>
+                  <a:srgbClr val="2D669D"/>
+                </a:solidFill>
+                <a:latin typeface="Arial"/>
+                <a:cs typeface="Arial"/>
+              </a:rPr>
+              <a:t>References</a:t>
+            </a:r>
+          </a:p>
+          <a:p>
+            <a:endParaRPr lang="en-US" sz="1681" b="1" dirty="0">
+              <a:solidFill>
+                <a:srgbClr val="2D669D"/>
+              </a:solidFill>
+              <a:latin typeface="Arial"/>
+              <a:cs typeface="Arial"/>
+            </a:endParaRPr>
+          </a:p>
+          <a:p>
+            <a:pPr marL="411440" indent="-411440">
+              <a:buFont typeface="Arial"/>
               <a:buChar char="•"/>
             </a:pPr>
             <a:r>
-              <a:rPr lang="en-US" sz="2401" dirty="0"/>
-              <a:t>Several ongoing research projects at UCLA are currently using </a:t>
-            </a:r>
-            <a:r>
-              <a:rPr lang="en-US" sz="2401" dirty="0" err="1"/>
-              <a:t>PerfAngio</a:t>
-            </a:r>
-            <a:r>
-              <a:rPr lang="en-US" sz="2401" dirty="0"/>
-              <a:t> to study several questions related to acute Stroke therapy, including identification of futile recanalization, detection of hemorrhagic transformation, correlation with MRI and CT and automatic quantification of reperfusion and collateral flow.</a:t>
+              <a:rPr lang="en-US" sz="2160" dirty="0"/>
+              <a:t>D. Liebeskind, F. </a:t>
+            </a:r>
+            <a:r>
+              <a:rPr lang="en-US" sz="2160" dirty="0" err="1"/>
+              <a:t>Scalzo</a:t>
+            </a:r>
+            <a:r>
+              <a:rPr lang="en-US" sz="2160" dirty="0"/>
+              <a:t>, N. </a:t>
+            </a:r>
+            <a:r>
+              <a:rPr lang="en-US" sz="2160" dirty="0" err="1"/>
+              <a:t>Sanossian</a:t>
+            </a:r>
+            <a:r>
+              <a:rPr lang="en-US" sz="2160" dirty="0"/>
+              <a:t>, R. Gupta, T. </a:t>
+            </a:r>
+            <a:r>
+              <a:rPr lang="en-US" sz="2160" dirty="0" err="1"/>
+              <a:t>Jovin</a:t>
+            </a:r>
+            <a:r>
+              <a:rPr lang="en-US" sz="2160" dirty="0"/>
+              <a:t>, G. Walker, G. Albers, H. </a:t>
+            </a:r>
+            <a:r>
+              <a:rPr lang="en-US" sz="2160" dirty="0" err="1"/>
+              <a:t>Lutsep</a:t>
+            </a:r>
+            <a:r>
+              <a:rPr lang="en-US" sz="2160" dirty="0"/>
+              <a:t>, W. Smith, R. </a:t>
+            </a:r>
+            <a:r>
+              <a:rPr lang="en-US" sz="2160" dirty="0" err="1"/>
+              <a:t>Nogueira</a:t>
+            </a:r>
+            <a:r>
+              <a:rPr lang="en-US" sz="2160" dirty="0"/>
+              <a:t>. </a:t>
+            </a:r>
+            <a:r>
+              <a:rPr lang="en-US" sz="2160" b="1" dirty="0"/>
+              <a:t>Perfusion Angiography in TREVO2</a:t>
+            </a:r>
+            <a:r>
+              <a:rPr lang="en-US" sz="2160" dirty="0"/>
+              <a:t>: </a:t>
+            </a:r>
+            <a:r>
+              <a:rPr lang="en-US" sz="2160" b="1" dirty="0"/>
+              <a:t>Quantitative Reperfusion After Endovascular Therapy in Acute Stroke. </a:t>
+            </a:r>
+            <a:r>
+              <a:rPr lang="en-US" sz="2160" i="1" dirty="0"/>
+              <a:t>Stroke.2013; 44: AWP39.</a:t>
+            </a:r>
+          </a:p>
+          <a:p>
+            <a:endParaRPr lang="en-US" sz="2160" i="1" dirty="0"/>
+          </a:p>
+          <a:p>
+            <a:pPr marL="411440" indent="-411440">
+              <a:buFont typeface="Arial"/>
+              <a:buChar char="•"/>
+            </a:pPr>
+            <a:r>
+              <a:rPr lang="en-US" sz="2160" dirty="0"/>
+              <a:t>D. Liebeskind, G. </a:t>
+            </a:r>
+            <a:r>
+              <a:rPr lang="en-US" sz="2160" dirty="0" err="1"/>
+              <a:t>Szilagyi</a:t>
+            </a:r>
+            <a:r>
+              <a:rPr lang="en-US" sz="2160" dirty="0"/>
+              <a:t>, S. Black , B. Buck</a:t>
+            </a:r>
+            <a:r>
+              <a:rPr lang="en-US" sz="2160" b="1" dirty="0"/>
+              <a:t>. Perfusion Angiography: a novel technique for characterization of perfusion in cerebral ischemia</a:t>
+            </a:r>
+            <a:r>
+              <a:rPr lang="en-US" sz="2160" dirty="0"/>
+              <a:t>. </a:t>
+            </a:r>
+            <a:r>
+              <a:rPr lang="en-US" sz="2160" i="1" dirty="0"/>
+              <a:t>Stroke.2008,39:576.</a:t>
             </a:r>
           </a:p>
           <a:p>
@@ -1426,435 +2903,6 @@
           </a:p>
         </p:txBody>
       </p:sp>
-      <p:sp>
-        <p:nvSpPr>
-          <p:cNvPr id="9" name="TextBox 8"/>
-          <p:cNvSpPr txBox="1"/>
-          <p:nvPr/>
-        </p:nvSpPr>
-        <p:spPr>
-          <a:xfrm>
-            <a:off x="22772126" y="7500158"/>
-            <a:ext cx="9052560" cy="11552957"/>
-          </a:xfrm>
-          <a:prstGeom prst="rect">
-            <a:avLst/>
-          </a:prstGeom>
-          <a:noFill/>
-        </p:spPr>
-        <p:txBody>
-          <a:bodyPr wrap="square" lIns="65837" tIns="32918" rIns="65837" bIns="32918" rtlCol="0">
-            <a:spAutoFit/>
-          </a:bodyPr>
-          <a:lstStyle/>
-          <a:p>
-            <a:endParaRPr lang="en-US" sz="2160" dirty="0">
-              <a:latin typeface="Arial"/>
-              <a:cs typeface="Arial"/>
-            </a:endParaRPr>
-          </a:p>
-          <a:p>
-            <a:r>
-              <a:rPr lang="en-US" sz="2160" dirty="0">
-                <a:latin typeface="Arial"/>
-                <a:cs typeface="Arial"/>
-              </a:rPr>
-              <a:t>              </a:t>
-            </a:r>
-          </a:p>
-          <a:p>
-            <a:endParaRPr lang="en-US" sz="2160" dirty="0">
-              <a:latin typeface="Arial"/>
-              <a:cs typeface="Arial"/>
-            </a:endParaRPr>
-          </a:p>
-          <a:p>
-            <a:endParaRPr lang="en-US" sz="2160" dirty="0">
-              <a:latin typeface="Arial"/>
-              <a:cs typeface="Arial"/>
-            </a:endParaRPr>
-          </a:p>
-          <a:p>
-            <a:endParaRPr lang="en-US" sz="2160" dirty="0">
-              <a:latin typeface="Arial"/>
-              <a:cs typeface="Arial"/>
-            </a:endParaRPr>
-          </a:p>
-          <a:p>
-            <a:endParaRPr lang="en-US" sz="2160" dirty="0">
-              <a:latin typeface="Arial"/>
-              <a:cs typeface="Arial"/>
-            </a:endParaRPr>
-          </a:p>
-          <a:p>
-            <a:endParaRPr lang="en-US" sz="2160" dirty="0">
-              <a:latin typeface="Arial"/>
-              <a:cs typeface="Arial"/>
-            </a:endParaRPr>
-          </a:p>
-          <a:p>
-            <a:endParaRPr lang="en-US" sz="2160" dirty="0">
-              <a:latin typeface="Arial"/>
-              <a:cs typeface="Arial"/>
-            </a:endParaRPr>
-          </a:p>
-          <a:p>
-            <a:endParaRPr lang="en-US" sz="2160" dirty="0">
-              <a:latin typeface="Arial"/>
-              <a:cs typeface="Arial"/>
-            </a:endParaRPr>
-          </a:p>
-          <a:p>
-            <a:endParaRPr lang="en-US" sz="2160" dirty="0">
-              <a:latin typeface="Arial"/>
-              <a:cs typeface="Arial"/>
-            </a:endParaRPr>
-          </a:p>
-          <a:p>
-            <a:endParaRPr lang="en-US" sz="2160" dirty="0">
-              <a:latin typeface="Arial"/>
-              <a:cs typeface="Arial"/>
-            </a:endParaRPr>
-          </a:p>
-          <a:p>
-            <a:endParaRPr lang="en-US" sz="2160" dirty="0">
-              <a:latin typeface="Arial"/>
-              <a:cs typeface="Arial"/>
-            </a:endParaRPr>
-          </a:p>
-          <a:p>
-            <a:endParaRPr lang="en-US" sz="2160" dirty="0">
-              <a:latin typeface="Arial"/>
-              <a:cs typeface="Arial"/>
-            </a:endParaRPr>
-          </a:p>
-          <a:p>
-            <a:endParaRPr lang="en-US" sz="2160" dirty="0">
-              <a:latin typeface="Arial"/>
-              <a:cs typeface="Arial"/>
-            </a:endParaRPr>
-          </a:p>
-          <a:p>
-            <a:r>
-              <a:rPr lang="en-US" sz="2160" dirty="0">
-                <a:latin typeface="Arial"/>
-                <a:cs typeface="Arial"/>
-              </a:rPr>
-              <a:t>                  </a:t>
-            </a:r>
-          </a:p>
-          <a:p>
-            <a:r>
-              <a:rPr lang="en-US" sz="4320" b="1" dirty="0">
-                <a:solidFill>
-                  <a:srgbClr val="2D669D"/>
-                </a:solidFill>
-                <a:latin typeface="Arial"/>
-                <a:cs typeface="Arial"/>
-              </a:rPr>
-              <a:t>Conclusion</a:t>
-            </a:r>
-          </a:p>
-          <a:p>
-            <a:endParaRPr lang="en-US" sz="1681" b="1" dirty="0">
-              <a:solidFill>
-                <a:srgbClr val="2D669D"/>
-              </a:solidFill>
-              <a:latin typeface="Arial"/>
-              <a:cs typeface="Arial"/>
-            </a:endParaRPr>
-          </a:p>
-          <a:p>
-            <a:pPr marL="342864" indent="-342864" algn="just">
-              <a:buFont typeface="Arial" panose="020B0604020202020204" pitchFamily="34" charset="0"/>
-              <a:buChar char="•"/>
-            </a:pPr>
-            <a:r>
-              <a:rPr lang="en-US" sz="2160" dirty="0"/>
-              <a:t>This innovative imaging software can provide insights into Stroke from standard DSA. It is particularly promising for retrospective studies and during clot-retrieval interventions as it offers an objective, continuous measure to characterize angiographic observations.</a:t>
-            </a:r>
-          </a:p>
-          <a:p>
-            <a:endParaRPr lang="en-US" sz="2160" dirty="0"/>
-          </a:p>
-          <a:p>
-            <a:r>
-              <a:rPr lang="en-US" sz="4320" b="1" dirty="0">
-                <a:solidFill>
-                  <a:srgbClr val="2D669D"/>
-                </a:solidFill>
-                <a:latin typeface="Arial"/>
-                <a:cs typeface="Arial"/>
-              </a:rPr>
-              <a:t>References</a:t>
-            </a:r>
-          </a:p>
-          <a:p>
-            <a:endParaRPr lang="en-US" sz="1681" b="1" dirty="0">
-              <a:solidFill>
-                <a:srgbClr val="2D669D"/>
-              </a:solidFill>
-              <a:latin typeface="Arial"/>
-              <a:cs typeface="Arial"/>
-            </a:endParaRPr>
-          </a:p>
-          <a:p>
-            <a:pPr marL="411440" indent="-411440">
-              <a:buFont typeface="Arial"/>
-              <a:buChar char="•"/>
-            </a:pPr>
-            <a:r>
-              <a:rPr lang="en-US" sz="2160" dirty="0"/>
-              <a:t>D. Liebeskind, F. </a:t>
-            </a:r>
-            <a:r>
-              <a:rPr lang="en-US" sz="2160" dirty="0" err="1"/>
-              <a:t>Scalzo</a:t>
-            </a:r>
-            <a:r>
-              <a:rPr lang="en-US" sz="2160" dirty="0"/>
-              <a:t>, N. </a:t>
-            </a:r>
-            <a:r>
-              <a:rPr lang="en-US" sz="2160" dirty="0" err="1"/>
-              <a:t>Sanossian</a:t>
-            </a:r>
-            <a:r>
-              <a:rPr lang="en-US" sz="2160" dirty="0"/>
-              <a:t>, R. Gupta, T. </a:t>
-            </a:r>
-            <a:r>
-              <a:rPr lang="en-US" sz="2160" dirty="0" err="1"/>
-              <a:t>Jovin</a:t>
-            </a:r>
-            <a:r>
-              <a:rPr lang="en-US" sz="2160" dirty="0"/>
-              <a:t>, G. Walker, G. Albers, H. </a:t>
-            </a:r>
-            <a:r>
-              <a:rPr lang="en-US" sz="2160" dirty="0" err="1"/>
-              <a:t>Lutsep</a:t>
-            </a:r>
-            <a:r>
-              <a:rPr lang="en-US" sz="2160" dirty="0"/>
-              <a:t>, W. Smith, R. </a:t>
-            </a:r>
-            <a:r>
-              <a:rPr lang="en-US" sz="2160" dirty="0" err="1"/>
-              <a:t>Nogueira</a:t>
-            </a:r>
-            <a:r>
-              <a:rPr lang="en-US" sz="2160" dirty="0"/>
-              <a:t>. </a:t>
-            </a:r>
-            <a:r>
-              <a:rPr lang="en-US" sz="2160" b="1" dirty="0"/>
-              <a:t>Perfusion Angiography in TREVO2</a:t>
-            </a:r>
-            <a:r>
-              <a:rPr lang="en-US" sz="2160" dirty="0"/>
-              <a:t>: </a:t>
-            </a:r>
-            <a:r>
-              <a:rPr lang="en-US" sz="2160" b="1" dirty="0"/>
-              <a:t>Quantitative Reperfusion After Endovascular Therapy in Acute Stroke. </a:t>
-            </a:r>
-            <a:r>
-              <a:rPr lang="en-US" sz="2160" i="1" dirty="0"/>
-              <a:t>Stroke.2013; 44: AWP39.</a:t>
-            </a:r>
-          </a:p>
-          <a:p>
-            <a:endParaRPr lang="en-US" sz="2160" i="1" dirty="0"/>
-          </a:p>
-          <a:p>
-            <a:pPr marL="411440" indent="-411440">
-              <a:buFont typeface="Arial"/>
-              <a:buChar char="•"/>
-            </a:pPr>
-            <a:r>
-              <a:rPr lang="en-US" sz="2160" dirty="0"/>
-              <a:t>D. Liebeskind, G. </a:t>
-            </a:r>
-            <a:r>
-              <a:rPr lang="en-US" sz="2160" dirty="0" err="1"/>
-              <a:t>Szilagyi</a:t>
-            </a:r>
-            <a:r>
-              <a:rPr lang="en-US" sz="2160" dirty="0"/>
-              <a:t>, S. Black , B. Buck</a:t>
-            </a:r>
-            <a:r>
-              <a:rPr lang="en-US" sz="2160" b="1" dirty="0"/>
-              <a:t>. Perfusion Angiography: a novel technique for characterization of perfusion in cerebral ischemia</a:t>
-            </a:r>
-            <a:r>
-              <a:rPr lang="en-US" sz="2160" dirty="0"/>
-              <a:t>. </a:t>
-            </a:r>
-            <a:r>
-              <a:rPr lang="en-US" sz="2160" i="1" dirty="0"/>
-              <a:t>Stroke.2008,39:576.</a:t>
-            </a:r>
-          </a:p>
-          <a:p>
-            <a:pPr marL="411440" indent="-411440">
-              <a:buFont typeface="Arial"/>
-              <a:buChar char="•"/>
-            </a:pPr>
-            <a:endParaRPr lang="en-US" sz="2160" dirty="0">
-              <a:latin typeface="Arial"/>
-              <a:cs typeface="Arial"/>
-            </a:endParaRPr>
-          </a:p>
-        </p:txBody>
-      </p:sp>
-      <p:sp>
-        <p:nvSpPr>
-          <p:cNvPr id="16" name="TextBox 15"/>
-          <p:cNvSpPr txBox="1"/>
-          <p:nvPr/>
-        </p:nvSpPr>
-        <p:spPr>
-          <a:xfrm>
-            <a:off x="11881573" y="16850276"/>
-            <a:ext cx="9577703" cy="1754326"/>
-          </a:xfrm>
-          <a:prstGeom prst="rect">
-            <a:avLst/>
-          </a:prstGeom>
-          <a:noFill/>
-        </p:spPr>
-        <p:txBody>
-          <a:bodyPr wrap="square" rtlCol="0">
-            <a:spAutoFit/>
-          </a:bodyPr>
-          <a:lstStyle/>
-          <a:p>
-            <a:pPr algn="just"/>
-            <a:r>
-              <a:rPr lang="en-US" sz="2160" i="1" dirty="0">
-                <a:solidFill>
-                  <a:srgbClr val="8C8C83"/>
-                </a:solidFill>
-                <a:cs typeface="Arial"/>
-              </a:rPr>
-              <a:t>Figure 1. Illustration of perfusion angiography applied to a DSA run obtained from a patient with acute ischemic stroke (after successful MCA m1 recanalization). </a:t>
-            </a:r>
-          </a:p>
-          <a:p>
-            <a:pPr algn="just"/>
-            <a:r>
-              <a:rPr lang="en-US" sz="2160" i="1" dirty="0">
-                <a:solidFill>
-                  <a:srgbClr val="8C8C83"/>
-                </a:solidFill>
-                <a:cs typeface="Arial"/>
-              </a:rPr>
-              <a:t>The DSA run, whose subset of images is shown in the upper row, is used to compute CBV, CBF, MTT, TTP, and </a:t>
-            </a:r>
-            <a:r>
-              <a:rPr lang="en-US" sz="2160" i="1" dirty="0" err="1">
-                <a:solidFill>
-                  <a:srgbClr val="8C8C83"/>
-                </a:solidFill>
-                <a:cs typeface="Arial"/>
-              </a:rPr>
-              <a:t>Tmax</a:t>
-            </a:r>
-            <a:r>
-              <a:rPr lang="en-US" sz="2160" i="1" dirty="0">
-                <a:solidFill>
-                  <a:srgbClr val="8C8C83"/>
-                </a:solidFill>
-                <a:cs typeface="Arial"/>
-              </a:rPr>
-              <a:t>. Results are normalized to match a color-scale. </a:t>
-            </a:r>
-          </a:p>
-          <a:p>
-            <a:pPr algn="just"/>
-            <a:r>
-              <a:rPr lang="en-US" sz="2160" i="1" dirty="0" err="1">
-                <a:solidFill>
-                  <a:srgbClr val="8C8C83"/>
-                </a:solidFill>
-                <a:cs typeface="Arial"/>
-              </a:rPr>
-              <a:t>Tmax</a:t>
-            </a:r>
-            <a:r>
-              <a:rPr lang="en-US" sz="2160" i="1" dirty="0">
-                <a:solidFill>
-                  <a:srgbClr val="8C8C83"/>
-                </a:solidFill>
-                <a:cs typeface="Arial"/>
-              </a:rPr>
-              <a:t> &gt; 6 sec is shown in red.</a:t>
-            </a:r>
-          </a:p>
-        </p:txBody>
-      </p:sp>
-      <p:pic>
-        <p:nvPicPr>
-          <p:cNvPr id="1027" name="Picture 3"/>
-          <p:cNvPicPr>
-            <a:picLocks noChangeAspect="1" noChangeArrowheads="1"/>
-          </p:cNvPicPr>
-          <p:nvPr/>
-        </p:nvPicPr>
-        <p:blipFill>
-          <a:blip r:embed="rId3">
-            <a:extLst>
-              <a:ext uri="{28A0092B-C50C-407E-A947-70E740481C1C}">
-                <a14:useLocalDpi xmlns:a14="http://schemas.microsoft.com/office/drawing/2010/main" val="0"/>
-              </a:ext>
-            </a:extLst>
-          </a:blip>
-          <a:srcRect/>
-          <a:stretch>
-            <a:fillRect/>
-          </a:stretch>
-        </p:blipFill>
-        <p:spPr bwMode="auto">
-          <a:xfrm>
-            <a:off x="11881570" y="12488680"/>
-            <a:ext cx="9577706" cy="3922027"/>
-          </a:xfrm>
-          <a:prstGeom prst="rect">
-            <a:avLst/>
-          </a:prstGeom>
-          <a:ln>
-            <a:noFill/>
-          </a:ln>
-          <a:effectLst>
-            <a:outerShdw blurRad="292100" dist="139700" dir="2700000" algn="tl" rotWithShape="0">
-              <a:srgbClr val="333333">
-                <a:alpha val="65000"/>
-              </a:srgbClr>
-            </a:outerShdw>
-          </a:effectLst>
-          <a:extLst>
-            <a:ext uri="{909E8E84-426E-40DD-AFC4-6F175D3DCCD1}">
-              <a14:hiddenFill xmlns:a14="http://schemas.microsoft.com/office/drawing/2010/main">
-                <a:solidFill>
-                  <a:schemeClr val="accent1"/>
-                </a:solidFill>
-              </a14:hiddenFill>
-            </a:ext>
-            <a:ext uri="{91240B29-F687-4F45-9708-019B960494DF}">
-              <a14:hiddenLine xmlns:a14="http://schemas.microsoft.com/office/drawing/2010/main" w="9525">
-                <a:solidFill>
-                  <a:schemeClr val="tx1"/>
-                </a:solidFill>
-                <a:miter lim="800000"/>
-                <a:headEnd/>
-                <a:tailEnd/>
-              </a14:hiddenLine>
-            </a:ext>
-          </a:extLst>
-        </p:spPr>
-      </p:pic>
       <p:sp>
         <p:nvSpPr>
           <p:cNvPr id="27" name="Rectangle 26"/>
@@ -1897,30 +2945,6 @@
           </a:p>
         </p:txBody>
       </p:sp>
-      <p:pic>
-        <p:nvPicPr>
-          <p:cNvPr id="8" name="Picture 7"/>
-          <p:cNvPicPr>
-            <a:picLocks noChangeAspect="1"/>
-          </p:cNvPicPr>
-          <p:nvPr/>
-        </p:nvPicPr>
-        <p:blipFill>
-          <a:blip r:embed="rId4"/>
-          <a:stretch>
-            <a:fillRect/>
-          </a:stretch>
-        </p:blipFill>
-        <p:spPr>
-          <a:xfrm>
-            <a:off x="25005470" y="4469424"/>
-            <a:ext cx="4585872" cy="6470642"/>
-          </a:xfrm>
-          <a:prstGeom prst="rect">
-            <a:avLst/>
-          </a:prstGeom>
-        </p:spPr>
-      </p:pic>
       <p:sp>
         <p:nvSpPr>
           <p:cNvPr id="21" name="Rectangle 20"/>
@@ -2020,7 +3044,7 @@
           <p:nvPr/>
         </p:nvPicPr>
         <p:blipFill>
-          <a:blip r:embed="rId5"/>
+          <a:blip r:embed="rId4"/>
           <a:stretch>
             <a:fillRect/>
           </a:stretch>
@@ -2050,7 +3074,7 @@
           <p:nvPr/>
         </p:nvPicPr>
         <p:blipFill>
-          <a:blip r:embed="rId6"/>
+          <a:blip r:embed="rId5"/>
           <a:stretch>
             <a:fillRect/>
           </a:stretch>
@@ -2080,7 +3104,7 @@
           <p:nvPr/>
         </p:nvPicPr>
         <p:blipFill>
-          <a:blip r:embed="rId7"/>
+          <a:blip r:embed="rId6"/>
           <a:stretch>
             <a:fillRect/>
           </a:stretch>
@@ -2130,7 +3154,7 @@
             <p:nvPr/>
           </p:nvPicPr>
           <p:blipFill>
-            <a:blip r:embed="rId8"/>
+            <a:blip r:embed="rId7"/>
             <a:stretch>
               <a:fillRect/>
             </a:stretch>
@@ -2160,7 +3184,7 @@
             <p:nvPr/>
           </p:nvPicPr>
           <p:blipFill>
-            <a:blip r:embed="rId9"/>
+            <a:blip r:embed="rId8"/>
             <a:stretch>
               <a:fillRect/>
             </a:stretch>
@@ -2190,7 +3214,7 @@
             <p:nvPr/>
           </p:nvPicPr>
           <p:blipFill>
-            <a:blip r:embed="rId10"/>
+            <a:blip r:embed="rId9"/>
             <a:stretch>
               <a:fillRect/>
             </a:stretch>
@@ -2220,7 +3244,7 @@
             <p:nvPr/>
           </p:nvPicPr>
           <p:blipFill>
-            <a:blip r:embed="rId11"/>
+            <a:blip r:embed="rId10"/>
             <a:stretch>
               <a:fillRect/>
             </a:stretch>
@@ -2298,6 +3322,941 @@
           </a:p>
         </p:txBody>
       </p:sp>
+      <p:sp>
+        <p:nvSpPr>
+          <p:cNvPr id="13" name="TextBox 12">
+            <a:extLst>
+              <a:ext uri="{FF2B5EF4-FFF2-40B4-BE49-F238E27FC236}">
+                <a16:creationId xmlns:a16="http://schemas.microsoft.com/office/drawing/2014/main" id="{DEB77006-C22B-594B-95D2-E37F33298B5E}"/>
+              </a:ext>
+            </a:extLst>
+          </p:cNvPr>
+          <p:cNvSpPr txBox="1"/>
+          <p:nvPr/>
+        </p:nvSpPr>
+        <p:spPr>
+          <a:xfrm>
+            <a:off x="8231133" y="13865479"/>
+            <a:ext cx="643125" cy="584775"/>
+          </a:xfrm>
+          <a:prstGeom prst="rect">
+            <a:avLst/>
+          </a:prstGeom>
+          <a:noFill/>
+        </p:spPr>
+        <p:txBody>
+          <a:bodyPr wrap="none" rtlCol="0">
+            <a:spAutoFit/>
+          </a:bodyPr>
+          <a:lstStyle/>
+          <a:p>
+            <a:r>
+              <a:rPr lang="en-US" altLang="zh-Hans" sz="3200" dirty="0">
+                <a:cs typeface="Arial" panose="020B0604020202020204" pitchFamily="34" charset="0"/>
+              </a:rPr>
+              <a:t>(1)</a:t>
+            </a:r>
+            <a:endParaRPr lang="en-US" sz="3200" dirty="0">
+              <a:cs typeface="Arial" panose="020B0604020202020204" pitchFamily="34" charset="0"/>
+            </a:endParaRPr>
+          </a:p>
+        </p:txBody>
+      </p:sp>
+      <p:pic>
+        <p:nvPicPr>
+          <p:cNvPr id="20" name="Picture 19">
+            <a:extLst>
+              <a:ext uri="{FF2B5EF4-FFF2-40B4-BE49-F238E27FC236}">
+                <a16:creationId xmlns:a16="http://schemas.microsoft.com/office/drawing/2014/main" id="{FD609D13-2611-6B45-84D4-17A1D0E1A129}"/>
+              </a:ext>
+            </a:extLst>
+          </p:cNvPr>
+          <p:cNvPicPr>
+            <a:picLocks noChangeAspect="1"/>
+          </p:cNvPicPr>
+          <p:nvPr/>
+        </p:nvPicPr>
+        <p:blipFill>
+          <a:blip r:embed="rId11"/>
+          <a:stretch>
+            <a:fillRect/>
+          </a:stretch>
+        </p:blipFill>
+        <p:spPr>
+          <a:xfrm>
+            <a:off x="17123279" y="8859625"/>
+            <a:ext cx="3901524" cy="2258656"/>
+          </a:xfrm>
+          <a:prstGeom prst="rect">
+            <a:avLst/>
+          </a:prstGeom>
+        </p:spPr>
+      </p:pic>
+      <p:sp>
+        <p:nvSpPr>
+          <p:cNvPr id="26" name="TextBox 25">
+            <a:extLst>
+              <a:ext uri="{FF2B5EF4-FFF2-40B4-BE49-F238E27FC236}">
+                <a16:creationId xmlns:a16="http://schemas.microsoft.com/office/drawing/2014/main" id="{E0BE3BEB-E661-C84C-A86E-E44E1C64E9AF}"/>
+              </a:ext>
+            </a:extLst>
+          </p:cNvPr>
+          <p:cNvSpPr txBox="1"/>
+          <p:nvPr/>
+        </p:nvSpPr>
+        <p:spPr>
+          <a:xfrm>
+            <a:off x="17389785" y="11324268"/>
+            <a:ext cx="3449983" cy="424732"/>
+          </a:xfrm>
+          <a:prstGeom prst="rect">
+            <a:avLst/>
+          </a:prstGeom>
+          <a:noFill/>
+        </p:spPr>
+        <p:txBody>
+          <a:bodyPr wrap="none" rtlCol="0">
+            <a:spAutoFit/>
+          </a:bodyPr>
+          <a:lstStyle/>
+          <a:p>
+            <a:r>
+              <a:rPr lang="zh-Hans" altLang="en-US" sz="2160" i="1" dirty="0">
+                <a:solidFill>
+                  <a:srgbClr val="8C8C83"/>
+                </a:solidFill>
+                <a:cs typeface="Arial"/>
+              </a:rPr>
+              <a:t> </a:t>
+            </a:r>
+            <a:r>
+              <a:rPr lang="en-US" sz="2160" i="1" dirty="0">
+                <a:solidFill>
+                  <a:srgbClr val="8C8C83"/>
+                </a:solidFill>
+                <a:cs typeface="Arial"/>
+              </a:rPr>
+              <a:t>Figure </a:t>
+            </a:r>
+            <a:r>
+              <a:rPr lang="en-US" altLang="zh-Hans" sz="2160" i="1" dirty="0">
+                <a:solidFill>
+                  <a:srgbClr val="8C8C83"/>
+                </a:solidFill>
+                <a:cs typeface="Arial"/>
+              </a:rPr>
+              <a:t>4</a:t>
+            </a:r>
+            <a:r>
+              <a:rPr lang="en-US" sz="2160" i="1" dirty="0">
+                <a:solidFill>
+                  <a:srgbClr val="8C8C83"/>
+                </a:solidFill>
+                <a:cs typeface="Arial"/>
+              </a:rPr>
+              <a:t>.</a:t>
+            </a:r>
+            <a:r>
+              <a:rPr lang="zh-Hans" altLang="en-US" sz="2160" i="1" dirty="0">
+                <a:solidFill>
+                  <a:srgbClr val="8C8C83"/>
+                </a:solidFill>
+                <a:cs typeface="Arial"/>
+              </a:rPr>
+              <a:t> </a:t>
+            </a:r>
+            <a:r>
+              <a:rPr lang="en-US" altLang="zh-Hans" sz="2160" i="1" dirty="0">
+                <a:solidFill>
+                  <a:srgbClr val="8C8C83"/>
+                </a:solidFill>
+                <a:cs typeface="Arial"/>
+              </a:rPr>
+              <a:t>loss</a:t>
+            </a:r>
+            <a:r>
+              <a:rPr lang="zh-Hans" altLang="en-US" sz="2160" i="1" dirty="0">
+                <a:solidFill>
+                  <a:srgbClr val="8C8C83"/>
+                </a:solidFill>
+                <a:cs typeface="Arial"/>
+              </a:rPr>
+              <a:t> </a:t>
+            </a:r>
+            <a:r>
+              <a:rPr lang="en-US" altLang="zh-Hans" sz="2160" i="1" dirty="0">
+                <a:solidFill>
+                  <a:srgbClr val="8C8C83"/>
+                </a:solidFill>
+                <a:cs typeface="Arial"/>
+              </a:rPr>
+              <a:t>during</a:t>
+            </a:r>
+            <a:r>
+              <a:rPr lang="zh-Hans" altLang="en-US" sz="2160" i="1" dirty="0">
+                <a:solidFill>
+                  <a:srgbClr val="8C8C83"/>
+                </a:solidFill>
+                <a:cs typeface="Arial"/>
+              </a:rPr>
+              <a:t> </a:t>
+            </a:r>
+            <a:r>
+              <a:rPr lang="en-US" altLang="zh-Hans" sz="2160" i="1" dirty="0">
+                <a:solidFill>
+                  <a:srgbClr val="8C8C83"/>
+                </a:solidFill>
+                <a:cs typeface="Arial"/>
+              </a:rPr>
+              <a:t>training</a:t>
+            </a:r>
+            <a:endParaRPr lang="en-US" sz="2160" dirty="0"/>
+          </a:p>
+        </p:txBody>
+      </p:sp>
+      <p:pic>
+        <p:nvPicPr>
+          <p:cNvPr id="31" name="Picture 30">
+            <a:extLst>
+              <a:ext uri="{FF2B5EF4-FFF2-40B4-BE49-F238E27FC236}">
+                <a16:creationId xmlns:a16="http://schemas.microsoft.com/office/drawing/2014/main" id="{B40C8B9A-3980-1F4B-AF53-3897CEE5AF7F}"/>
+              </a:ext>
+            </a:extLst>
+          </p:cNvPr>
+          <p:cNvPicPr>
+            <a:picLocks noChangeAspect="1"/>
+          </p:cNvPicPr>
+          <p:nvPr/>
+        </p:nvPicPr>
+        <p:blipFill>
+          <a:blip r:embed="rId12"/>
+          <a:stretch>
+            <a:fillRect/>
+          </a:stretch>
+        </p:blipFill>
+        <p:spPr>
+          <a:xfrm>
+            <a:off x="12299025" y="16109078"/>
+            <a:ext cx="1890778" cy="1890778"/>
+          </a:xfrm>
+          <a:prstGeom prst="rect">
+            <a:avLst/>
+          </a:prstGeom>
+        </p:spPr>
+      </p:pic>
+      <p:pic>
+        <p:nvPicPr>
+          <p:cNvPr id="33" name="Picture 32">
+            <a:extLst>
+              <a:ext uri="{FF2B5EF4-FFF2-40B4-BE49-F238E27FC236}">
+                <a16:creationId xmlns:a16="http://schemas.microsoft.com/office/drawing/2014/main" id="{BFE1504D-B2EF-E743-883B-976072A2315F}"/>
+              </a:ext>
+            </a:extLst>
+          </p:cNvPr>
+          <p:cNvPicPr>
+            <a:picLocks noChangeAspect="1"/>
+          </p:cNvPicPr>
+          <p:nvPr/>
+        </p:nvPicPr>
+        <p:blipFill>
+          <a:blip r:embed="rId13"/>
+          <a:stretch>
+            <a:fillRect/>
+          </a:stretch>
+        </p:blipFill>
+        <p:spPr>
+          <a:xfrm>
+            <a:off x="15716013" y="16111810"/>
+            <a:ext cx="1871595" cy="1871595"/>
+          </a:xfrm>
+          <a:prstGeom prst="rect">
+            <a:avLst/>
+          </a:prstGeom>
+        </p:spPr>
+      </p:pic>
+      <p:pic>
+        <p:nvPicPr>
+          <p:cNvPr id="35" name="Picture 34">
+            <a:extLst>
+              <a:ext uri="{FF2B5EF4-FFF2-40B4-BE49-F238E27FC236}">
+                <a16:creationId xmlns:a16="http://schemas.microsoft.com/office/drawing/2014/main" id="{DC712BC4-C681-8941-BB4B-A9DB607C6B5B}"/>
+              </a:ext>
+            </a:extLst>
+          </p:cNvPr>
+          <p:cNvPicPr>
+            <a:picLocks noChangeAspect="1"/>
+          </p:cNvPicPr>
+          <p:nvPr/>
+        </p:nvPicPr>
+        <p:blipFill>
+          <a:blip r:embed="rId14"/>
+          <a:stretch>
+            <a:fillRect/>
+          </a:stretch>
+        </p:blipFill>
+        <p:spPr>
+          <a:xfrm>
+            <a:off x="19088782" y="16076421"/>
+            <a:ext cx="1885269" cy="1885269"/>
+          </a:xfrm>
+          <a:prstGeom prst="rect">
+            <a:avLst/>
+          </a:prstGeom>
+        </p:spPr>
+      </p:pic>
+      <p:sp>
+        <p:nvSpPr>
+          <p:cNvPr id="37" name="TextBox 36">
+            <a:extLst>
+              <a:ext uri="{FF2B5EF4-FFF2-40B4-BE49-F238E27FC236}">
+                <a16:creationId xmlns:a16="http://schemas.microsoft.com/office/drawing/2014/main" id="{355DFA8A-4ED2-F347-B795-8FFB0927793F}"/>
+              </a:ext>
+            </a:extLst>
+          </p:cNvPr>
+          <p:cNvSpPr txBox="1"/>
+          <p:nvPr/>
+        </p:nvSpPr>
+        <p:spPr>
+          <a:xfrm>
+            <a:off x="12047252" y="18096509"/>
+            <a:ext cx="2244525" cy="400110"/>
+          </a:xfrm>
+          <a:prstGeom prst="rect">
+            <a:avLst/>
+          </a:prstGeom>
+          <a:noFill/>
+        </p:spPr>
+        <p:txBody>
+          <a:bodyPr wrap="none" rtlCol="0">
+            <a:spAutoFit/>
+          </a:bodyPr>
+          <a:lstStyle/>
+          <a:p>
+            <a:r>
+              <a:rPr lang="zh-Hans" altLang="en-US" sz="2000" i="1" dirty="0">
+                <a:solidFill>
+                  <a:srgbClr val="8C8C83"/>
+                </a:solidFill>
+                <a:cs typeface="Arial"/>
+              </a:rPr>
+              <a:t> </a:t>
+            </a:r>
+            <a:r>
+              <a:rPr lang="en-US" sz="2000" i="1" dirty="0">
+                <a:solidFill>
+                  <a:srgbClr val="8C8C83"/>
+                </a:solidFill>
+                <a:cs typeface="Arial"/>
+              </a:rPr>
+              <a:t> (a). Original image</a:t>
+            </a:r>
+            <a:endParaRPr lang="en-US" sz="2000" dirty="0"/>
+          </a:p>
+        </p:txBody>
+      </p:sp>
+      <p:sp>
+        <p:nvSpPr>
+          <p:cNvPr id="39" name="Rectangle 38">
+            <a:extLst>
+              <a:ext uri="{FF2B5EF4-FFF2-40B4-BE49-F238E27FC236}">
+                <a16:creationId xmlns:a16="http://schemas.microsoft.com/office/drawing/2014/main" id="{D3F1FCF8-A688-0844-BFCA-5C1BD6A7A5FA}"/>
+              </a:ext>
+            </a:extLst>
+          </p:cNvPr>
+          <p:cNvSpPr/>
+          <p:nvPr/>
+        </p:nvSpPr>
+        <p:spPr>
+          <a:xfrm>
+            <a:off x="15364850" y="18096509"/>
+            <a:ext cx="2719271" cy="400110"/>
+          </a:xfrm>
+          <a:prstGeom prst="rect">
+            <a:avLst/>
+          </a:prstGeom>
+        </p:spPr>
+        <p:txBody>
+          <a:bodyPr wrap="none">
+            <a:spAutoFit/>
+          </a:bodyPr>
+          <a:lstStyle/>
+          <a:p>
+            <a:r>
+              <a:rPr lang="en-US" sz="2000" i="1" dirty="0">
+                <a:solidFill>
+                  <a:srgbClr val="8C8C83"/>
+                </a:solidFill>
+                <a:cs typeface="Arial"/>
+              </a:rPr>
+              <a:t>(b) reconstructed image </a:t>
+            </a:r>
+            <a:endParaRPr lang="en-US" sz="2000" dirty="0"/>
+          </a:p>
+        </p:txBody>
+      </p:sp>
+      <p:sp>
+        <p:nvSpPr>
+          <p:cNvPr id="40" name="Rectangle 39">
+            <a:extLst>
+              <a:ext uri="{FF2B5EF4-FFF2-40B4-BE49-F238E27FC236}">
+                <a16:creationId xmlns:a16="http://schemas.microsoft.com/office/drawing/2014/main" id="{364C7B8E-0116-D64B-A8A8-A40C87C9AB87}"/>
+              </a:ext>
+            </a:extLst>
+          </p:cNvPr>
+          <p:cNvSpPr/>
+          <p:nvPr/>
+        </p:nvSpPr>
+        <p:spPr>
+          <a:xfrm>
+            <a:off x="18542590" y="18092851"/>
+            <a:ext cx="3758793" cy="707886"/>
+          </a:xfrm>
+          <a:prstGeom prst="rect">
+            <a:avLst/>
+          </a:prstGeom>
+        </p:spPr>
+        <p:txBody>
+          <a:bodyPr wrap="square">
+            <a:spAutoFit/>
+          </a:bodyPr>
+          <a:lstStyle/>
+          <a:p>
+            <a:r>
+              <a:rPr lang="en-US" sz="2000" i="1" dirty="0">
+                <a:solidFill>
+                  <a:srgbClr val="8C8C83"/>
+                </a:solidFill>
+                <a:cs typeface="Arial"/>
+              </a:rPr>
+              <a:t>(c) after applying reconstructed image as bitmask to original one </a:t>
+            </a:r>
+            <a:endParaRPr lang="en-US" sz="2000" dirty="0"/>
+          </a:p>
+        </p:txBody>
+      </p:sp>
+      <p:pic>
+        <p:nvPicPr>
+          <p:cNvPr id="1030" name="Picture 1029">
+            <a:extLst>
+              <a:ext uri="{FF2B5EF4-FFF2-40B4-BE49-F238E27FC236}">
+                <a16:creationId xmlns:a16="http://schemas.microsoft.com/office/drawing/2014/main" id="{32A47A34-1454-104A-B152-D8B82E579E31}"/>
+              </a:ext>
+            </a:extLst>
+          </p:cNvPr>
+          <p:cNvPicPr>
+            <a:picLocks noChangeAspect="1"/>
+          </p:cNvPicPr>
+          <p:nvPr/>
+        </p:nvPicPr>
+        <p:blipFill>
+          <a:blip r:embed="rId15"/>
+          <a:stretch>
+            <a:fillRect/>
+          </a:stretch>
+        </p:blipFill>
+        <p:spPr>
+          <a:xfrm>
+            <a:off x="22418371" y="3565123"/>
+            <a:ext cx="1536730" cy="1536730"/>
+          </a:xfrm>
+          <a:prstGeom prst="rect">
+            <a:avLst/>
+          </a:prstGeom>
+        </p:spPr>
+      </p:pic>
+      <p:pic>
+        <p:nvPicPr>
+          <p:cNvPr id="1032" name="Picture 1031">
+            <a:extLst>
+              <a:ext uri="{FF2B5EF4-FFF2-40B4-BE49-F238E27FC236}">
+                <a16:creationId xmlns:a16="http://schemas.microsoft.com/office/drawing/2014/main" id="{8BC2D79C-4319-BA49-ACDE-ABF9D425C2B2}"/>
+              </a:ext>
+            </a:extLst>
+          </p:cNvPr>
+          <p:cNvPicPr>
+            <a:picLocks noChangeAspect="1"/>
+          </p:cNvPicPr>
+          <p:nvPr/>
+        </p:nvPicPr>
+        <p:blipFill>
+          <a:blip r:embed="rId16"/>
+          <a:stretch>
+            <a:fillRect/>
+          </a:stretch>
+        </p:blipFill>
+        <p:spPr>
+          <a:xfrm>
+            <a:off x="24154189" y="3564438"/>
+            <a:ext cx="1537414" cy="1537414"/>
+          </a:xfrm>
+          <a:prstGeom prst="rect">
+            <a:avLst/>
+          </a:prstGeom>
+        </p:spPr>
+      </p:pic>
+      <p:pic>
+        <p:nvPicPr>
+          <p:cNvPr id="1034" name="Picture 1033">
+            <a:extLst>
+              <a:ext uri="{FF2B5EF4-FFF2-40B4-BE49-F238E27FC236}">
+                <a16:creationId xmlns:a16="http://schemas.microsoft.com/office/drawing/2014/main" id="{C85F8023-5719-DF4A-ABE6-9ABD934DF194}"/>
+              </a:ext>
+            </a:extLst>
+          </p:cNvPr>
+          <p:cNvPicPr>
+            <a:picLocks noChangeAspect="1"/>
+          </p:cNvPicPr>
+          <p:nvPr/>
+        </p:nvPicPr>
+        <p:blipFill>
+          <a:blip r:embed="rId17"/>
+          <a:stretch>
+            <a:fillRect/>
+          </a:stretch>
+        </p:blipFill>
+        <p:spPr>
+          <a:xfrm>
+            <a:off x="25902285" y="3544607"/>
+            <a:ext cx="1528805" cy="1528805"/>
+          </a:xfrm>
+          <a:prstGeom prst="rect">
+            <a:avLst/>
+          </a:prstGeom>
+        </p:spPr>
+      </p:pic>
+      <p:pic>
+        <p:nvPicPr>
+          <p:cNvPr id="1036" name="Picture 1035">
+            <a:extLst>
+              <a:ext uri="{FF2B5EF4-FFF2-40B4-BE49-F238E27FC236}">
+                <a16:creationId xmlns:a16="http://schemas.microsoft.com/office/drawing/2014/main" id="{3F8F24F2-B6D7-064D-A759-433CE5044D25}"/>
+              </a:ext>
+            </a:extLst>
+          </p:cNvPr>
+          <p:cNvPicPr>
+            <a:picLocks noChangeAspect="1"/>
+          </p:cNvPicPr>
+          <p:nvPr/>
+        </p:nvPicPr>
+        <p:blipFill>
+          <a:blip r:embed="rId18"/>
+          <a:stretch>
+            <a:fillRect/>
+          </a:stretch>
+        </p:blipFill>
+        <p:spPr>
+          <a:xfrm>
+            <a:off x="27628852" y="3544606"/>
+            <a:ext cx="1528806" cy="1528806"/>
+          </a:xfrm>
+          <a:prstGeom prst="rect">
+            <a:avLst/>
+          </a:prstGeom>
+        </p:spPr>
+      </p:pic>
+      <p:pic>
+        <p:nvPicPr>
+          <p:cNvPr id="1038" name="Picture 1037">
+            <a:extLst>
+              <a:ext uri="{FF2B5EF4-FFF2-40B4-BE49-F238E27FC236}">
+                <a16:creationId xmlns:a16="http://schemas.microsoft.com/office/drawing/2014/main" id="{8F9226D3-8DE9-C34E-8B19-B6B66CFF5C80}"/>
+              </a:ext>
+            </a:extLst>
+          </p:cNvPr>
+          <p:cNvPicPr>
+            <a:picLocks noChangeAspect="1"/>
+          </p:cNvPicPr>
+          <p:nvPr/>
+        </p:nvPicPr>
+        <p:blipFill>
+          <a:blip r:embed="rId19"/>
+          <a:stretch>
+            <a:fillRect/>
+          </a:stretch>
+        </p:blipFill>
+        <p:spPr>
+          <a:xfrm>
+            <a:off x="29378274" y="3549319"/>
+            <a:ext cx="1524093" cy="1524093"/>
+          </a:xfrm>
+          <a:prstGeom prst="rect">
+            <a:avLst/>
+          </a:prstGeom>
+        </p:spPr>
+      </p:pic>
+      <p:pic>
+        <p:nvPicPr>
+          <p:cNvPr id="1040" name="Picture 1039">
+            <a:extLst>
+              <a:ext uri="{FF2B5EF4-FFF2-40B4-BE49-F238E27FC236}">
+                <a16:creationId xmlns:a16="http://schemas.microsoft.com/office/drawing/2014/main" id="{79844E89-C7F3-734F-BDE3-497C93A05109}"/>
+              </a:ext>
+            </a:extLst>
+          </p:cNvPr>
+          <p:cNvPicPr>
+            <a:picLocks noChangeAspect="1"/>
+          </p:cNvPicPr>
+          <p:nvPr/>
+        </p:nvPicPr>
+        <p:blipFill>
+          <a:blip r:embed="rId20"/>
+          <a:stretch>
+            <a:fillRect/>
+          </a:stretch>
+        </p:blipFill>
+        <p:spPr>
+          <a:xfrm>
+            <a:off x="31121814" y="3564747"/>
+            <a:ext cx="1508665" cy="1508665"/>
+          </a:xfrm>
+          <a:prstGeom prst="rect">
+            <a:avLst/>
+          </a:prstGeom>
+        </p:spPr>
+      </p:pic>
+      <p:pic>
+        <p:nvPicPr>
+          <p:cNvPr id="1042" name="Picture 1041">
+            <a:extLst>
+              <a:ext uri="{FF2B5EF4-FFF2-40B4-BE49-F238E27FC236}">
+                <a16:creationId xmlns:a16="http://schemas.microsoft.com/office/drawing/2014/main" id="{4EEBACDC-C716-DB4A-99FE-04212CB82B8F}"/>
+              </a:ext>
+            </a:extLst>
+          </p:cNvPr>
+          <p:cNvPicPr>
+            <a:picLocks noChangeAspect="1"/>
+          </p:cNvPicPr>
+          <p:nvPr/>
+        </p:nvPicPr>
+        <p:blipFill>
+          <a:blip r:embed="rId21"/>
+          <a:stretch>
+            <a:fillRect/>
+          </a:stretch>
+        </p:blipFill>
+        <p:spPr>
+          <a:xfrm>
+            <a:off x="22405467" y="5201811"/>
+            <a:ext cx="1549634" cy="1549634"/>
+          </a:xfrm>
+          <a:prstGeom prst="rect">
+            <a:avLst/>
+          </a:prstGeom>
+        </p:spPr>
+      </p:pic>
+      <p:pic>
+        <p:nvPicPr>
+          <p:cNvPr id="1044" name="Picture 1043">
+            <a:extLst>
+              <a:ext uri="{FF2B5EF4-FFF2-40B4-BE49-F238E27FC236}">
+                <a16:creationId xmlns:a16="http://schemas.microsoft.com/office/drawing/2014/main" id="{B6C5E788-1C5F-404C-BC8F-929F49158E56}"/>
+              </a:ext>
+            </a:extLst>
+          </p:cNvPr>
+          <p:cNvPicPr>
+            <a:picLocks noChangeAspect="1"/>
+          </p:cNvPicPr>
+          <p:nvPr/>
+        </p:nvPicPr>
+        <p:blipFill>
+          <a:blip r:embed="rId22"/>
+          <a:stretch>
+            <a:fillRect/>
+          </a:stretch>
+        </p:blipFill>
+        <p:spPr>
+          <a:xfrm>
+            <a:off x="24131585" y="5181275"/>
+            <a:ext cx="1570170" cy="1570170"/>
+          </a:xfrm>
+          <a:prstGeom prst="rect">
+            <a:avLst/>
+          </a:prstGeom>
+        </p:spPr>
+      </p:pic>
+      <p:pic>
+        <p:nvPicPr>
+          <p:cNvPr id="1050" name="Picture 1049">
+            <a:extLst>
+              <a:ext uri="{FF2B5EF4-FFF2-40B4-BE49-F238E27FC236}">
+                <a16:creationId xmlns:a16="http://schemas.microsoft.com/office/drawing/2014/main" id="{26A8A5E0-6A3A-4546-BCFC-0E4E835CAD00}"/>
+              </a:ext>
+            </a:extLst>
+          </p:cNvPr>
+          <p:cNvPicPr>
+            <a:picLocks noChangeAspect="1"/>
+          </p:cNvPicPr>
+          <p:nvPr/>
+        </p:nvPicPr>
+        <p:blipFill>
+          <a:blip r:embed="rId23"/>
+          <a:stretch>
+            <a:fillRect/>
+          </a:stretch>
+        </p:blipFill>
+        <p:spPr>
+          <a:xfrm>
+            <a:off x="25870601" y="5181275"/>
+            <a:ext cx="1592171" cy="1592171"/>
+          </a:xfrm>
+          <a:prstGeom prst="rect">
+            <a:avLst/>
+          </a:prstGeom>
+        </p:spPr>
+      </p:pic>
+      <p:pic>
+        <p:nvPicPr>
+          <p:cNvPr id="1052" name="Picture 1051">
+            <a:extLst>
+              <a:ext uri="{FF2B5EF4-FFF2-40B4-BE49-F238E27FC236}">
+                <a16:creationId xmlns:a16="http://schemas.microsoft.com/office/drawing/2014/main" id="{E9A79168-2CE3-7142-9D61-FCEA8CC83309}"/>
+              </a:ext>
+            </a:extLst>
+          </p:cNvPr>
+          <p:cNvPicPr>
+            <a:picLocks noChangeAspect="1"/>
+          </p:cNvPicPr>
+          <p:nvPr/>
+        </p:nvPicPr>
+        <p:blipFill>
+          <a:blip r:embed="rId24"/>
+          <a:stretch>
+            <a:fillRect/>
+          </a:stretch>
+        </p:blipFill>
+        <p:spPr>
+          <a:xfrm>
+            <a:off x="27628852" y="5181274"/>
+            <a:ext cx="1528806" cy="1592171"/>
+          </a:xfrm>
+          <a:prstGeom prst="rect">
+            <a:avLst/>
+          </a:prstGeom>
+        </p:spPr>
+      </p:pic>
+      <p:pic>
+        <p:nvPicPr>
+          <p:cNvPr id="1054" name="Picture 1053">
+            <a:extLst>
+              <a:ext uri="{FF2B5EF4-FFF2-40B4-BE49-F238E27FC236}">
+                <a16:creationId xmlns:a16="http://schemas.microsoft.com/office/drawing/2014/main" id="{ACF829D5-FDC9-2F4A-A4ED-EE520ABC8B9B}"/>
+              </a:ext>
+            </a:extLst>
+          </p:cNvPr>
+          <p:cNvPicPr>
+            <a:picLocks noChangeAspect="1"/>
+          </p:cNvPicPr>
+          <p:nvPr/>
+        </p:nvPicPr>
+        <p:blipFill>
+          <a:blip r:embed="rId25"/>
+          <a:stretch>
+            <a:fillRect/>
+          </a:stretch>
+        </p:blipFill>
+        <p:spPr>
+          <a:xfrm>
+            <a:off x="29388072" y="5229769"/>
+            <a:ext cx="1516737" cy="1516737"/>
+          </a:xfrm>
+          <a:prstGeom prst="rect">
+            <a:avLst/>
+          </a:prstGeom>
+        </p:spPr>
+      </p:pic>
+      <p:pic>
+        <p:nvPicPr>
+          <p:cNvPr id="1056" name="Picture 1055">
+            <a:extLst>
+              <a:ext uri="{FF2B5EF4-FFF2-40B4-BE49-F238E27FC236}">
+                <a16:creationId xmlns:a16="http://schemas.microsoft.com/office/drawing/2014/main" id="{C07783FD-402D-7C4B-BC05-53F0F5CE9DD2}"/>
+              </a:ext>
+            </a:extLst>
+          </p:cNvPr>
+          <p:cNvPicPr>
+            <a:picLocks noChangeAspect="1"/>
+          </p:cNvPicPr>
+          <p:nvPr/>
+        </p:nvPicPr>
+        <p:blipFill>
+          <a:blip r:embed="rId26"/>
+          <a:stretch>
+            <a:fillRect/>
+          </a:stretch>
+        </p:blipFill>
+        <p:spPr>
+          <a:xfrm>
+            <a:off x="31113666" y="5230370"/>
+            <a:ext cx="1516136" cy="1516136"/>
+          </a:xfrm>
+          <a:prstGeom prst="rect">
+            <a:avLst/>
+          </a:prstGeom>
+        </p:spPr>
+      </p:pic>
+      <p:sp>
+        <p:nvSpPr>
+          <p:cNvPr id="1057" name="Rectangle 1056">
+            <a:extLst>
+              <a:ext uri="{FF2B5EF4-FFF2-40B4-BE49-F238E27FC236}">
+                <a16:creationId xmlns:a16="http://schemas.microsoft.com/office/drawing/2014/main" id="{1F4FEE01-12B7-2441-B7EF-C14E80AAB4D9}"/>
+              </a:ext>
+            </a:extLst>
+          </p:cNvPr>
+          <p:cNvSpPr/>
+          <p:nvPr/>
+        </p:nvSpPr>
+        <p:spPr>
+          <a:xfrm>
+            <a:off x="26194620" y="6658778"/>
+            <a:ext cx="2766719" cy="461665"/>
+          </a:xfrm>
+          <a:prstGeom prst="rect">
+            <a:avLst/>
+          </a:prstGeom>
+        </p:spPr>
+        <p:txBody>
+          <a:bodyPr wrap="none">
+            <a:spAutoFit/>
+          </a:bodyPr>
+          <a:lstStyle/>
+          <a:p>
+            <a:r>
+              <a:rPr lang="zh-Hans" altLang="en-US" sz="2400" i="1" dirty="0">
+                <a:solidFill>
+                  <a:srgbClr val="8C8C83"/>
+                </a:solidFill>
+                <a:cs typeface="Arial"/>
+              </a:rPr>
+              <a:t> </a:t>
+            </a:r>
+            <a:r>
+              <a:rPr lang="en-US" sz="2400" i="1" dirty="0">
+                <a:solidFill>
+                  <a:srgbClr val="8C8C83"/>
+                </a:solidFill>
+                <a:cs typeface="Arial"/>
+              </a:rPr>
+              <a:t>Figure </a:t>
+            </a:r>
+            <a:r>
+              <a:rPr lang="en-US" altLang="zh-Hans" sz="2400" i="1" dirty="0">
+                <a:solidFill>
+                  <a:srgbClr val="8C8C83"/>
+                </a:solidFill>
+                <a:cs typeface="Arial"/>
+              </a:rPr>
+              <a:t>6</a:t>
+            </a:r>
+            <a:r>
+              <a:rPr lang="en-US" sz="2400" i="1" dirty="0">
+                <a:solidFill>
+                  <a:srgbClr val="8C8C83"/>
+                </a:solidFill>
+                <a:cs typeface="Arial"/>
+              </a:rPr>
+              <a:t>.</a:t>
+            </a:r>
+            <a:r>
+              <a:rPr lang="zh-Hans" altLang="en-US" sz="2400" i="1" dirty="0">
+                <a:solidFill>
+                  <a:srgbClr val="8C8C83"/>
+                </a:solidFill>
+                <a:cs typeface="Arial"/>
+              </a:rPr>
+              <a:t> </a:t>
+            </a:r>
+            <a:r>
+              <a:rPr lang="en-US" altLang="zh-Hans" sz="2400" i="1" dirty="0">
+                <a:solidFill>
+                  <a:srgbClr val="8C8C83"/>
+                </a:solidFill>
+                <a:cs typeface="Arial"/>
+              </a:rPr>
+              <a:t>test</a:t>
+            </a:r>
+            <a:r>
+              <a:rPr lang="zh-Hans" altLang="en-US" sz="2400" i="1" dirty="0">
+                <a:solidFill>
+                  <a:srgbClr val="8C8C83"/>
+                </a:solidFill>
+                <a:cs typeface="Arial"/>
+              </a:rPr>
+              <a:t> </a:t>
+            </a:r>
+            <a:r>
+              <a:rPr lang="en-US" altLang="zh-Hans" sz="2400" i="1" dirty="0">
+                <a:solidFill>
+                  <a:srgbClr val="8C8C83"/>
+                </a:solidFill>
+                <a:cs typeface="Arial"/>
+              </a:rPr>
+              <a:t>results</a:t>
+            </a:r>
+            <a:endParaRPr lang="en-US" sz="2400" dirty="0"/>
+          </a:p>
+        </p:txBody>
+      </p:sp>
+      <p:pic>
+        <p:nvPicPr>
+          <p:cNvPr id="1059" name="Picture 1058">
+            <a:extLst>
+              <a:ext uri="{FF2B5EF4-FFF2-40B4-BE49-F238E27FC236}">
+                <a16:creationId xmlns:a16="http://schemas.microsoft.com/office/drawing/2014/main" id="{D4B9BCAF-75C0-A145-A59C-641D469FA02C}"/>
+              </a:ext>
+            </a:extLst>
+          </p:cNvPr>
+          <p:cNvPicPr>
+            <a:picLocks noChangeAspect="1"/>
+          </p:cNvPicPr>
+          <p:nvPr/>
+        </p:nvPicPr>
+        <p:blipFill>
+          <a:blip r:embed="rId27"/>
+          <a:stretch>
+            <a:fillRect/>
+          </a:stretch>
+        </p:blipFill>
+        <p:spPr>
+          <a:xfrm>
+            <a:off x="28904444" y="9480564"/>
+            <a:ext cx="1520866" cy="1481713"/>
+          </a:xfrm>
+          <a:prstGeom prst="rect">
+            <a:avLst/>
+          </a:prstGeom>
+        </p:spPr>
+      </p:pic>
+      <p:pic>
+        <p:nvPicPr>
+          <p:cNvPr id="1061" name="Picture 1060">
+            <a:extLst>
+              <a:ext uri="{FF2B5EF4-FFF2-40B4-BE49-F238E27FC236}">
+                <a16:creationId xmlns:a16="http://schemas.microsoft.com/office/drawing/2014/main" id="{45DD3585-7CB0-104E-A3B0-6EA1F2A927FF}"/>
+              </a:ext>
+            </a:extLst>
+          </p:cNvPr>
+          <p:cNvPicPr>
+            <a:picLocks noChangeAspect="1"/>
+          </p:cNvPicPr>
+          <p:nvPr/>
+        </p:nvPicPr>
+        <p:blipFill>
+          <a:blip r:embed="rId28"/>
+          <a:stretch>
+            <a:fillRect/>
+          </a:stretch>
+        </p:blipFill>
+        <p:spPr>
+          <a:xfrm>
+            <a:off x="30902367" y="9480564"/>
+            <a:ext cx="1481713" cy="1481713"/>
+          </a:xfrm>
+          <a:prstGeom prst="rect">
+            <a:avLst/>
+          </a:prstGeom>
+        </p:spPr>
+      </p:pic>
     </p:spTree>
     <p:extLst>
       <p:ext uri="{BB962C8B-B14F-4D97-AF65-F5344CB8AC3E}">

--- a/Poster.pptx
+++ b/Poster.pptx
@@ -217,7 +217,7 @@
           <a:p>
             <a:fld id="{EC5DAD25-F83A-E84F-8A45-00F8F1023B42}" type="datetimeFigureOut">
               <a:rPr lang="en-US" smtClean="0"/>
-              <a:t>5/28/18</a:t>
+              <a:t>5/28/2018</a:t>
             </a:fld>
             <a:endParaRPr lang="en-US"/>
           </a:p>
@@ -947,7 +947,7 @@
         </p:nvSpPr>
         <p:spPr>
           <a:xfrm>
-            <a:off x="11734484" y="5073412"/>
+            <a:off x="11771646" y="5009165"/>
             <a:ext cx="9326880" cy="11998079"/>
           </a:xfrm>
           <a:prstGeom prst="rect">
@@ -2032,8 +2032,8 @@
         </p:nvSpPr>
         <p:spPr bwMode="auto">
           <a:xfrm>
-            <a:off x="-29177" y="19921747"/>
-            <a:ext cx="32918400" cy="868191"/>
+            <a:off x="-29177" y="19741991"/>
+            <a:ext cx="32918400" cy="1047947"/>
           </a:xfrm>
           <a:prstGeom prst="rect">
             <a:avLst/>
@@ -2177,7 +2177,7 @@
             </a:pPr>
             <a:r>
               <a:rPr lang="en-US" sz="6000" b="1" dirty="0"/>
-              <a:t>Skull Stripping for MRI: a deep CNN approach</a:t>
+              <a:t>Skull Stripping for MRI: a Deep CNN approach</a:t>
             </a:r>
             <a:br>
               <a:rPr lang="en-US" sz="6600" b="1" dirty="0">
@@ -2280,14 +2280,14 @@
       </p:sp>
       <p:sp>
         <p:nvSpPr>
-          <p:cNvPr id="5" name="TextBox 4"/>
+          <p:cNvPr id="9" name="TextBox 8"/>
           <p:cNvSpPr txBox="1"/>
           <p:nvPr/>
         </p:nvSpPr>
         <p:spPr>
           <a:xfrm>
-            <a:off x="950278" y="5073412"/>
-            <a:ext cx="9052560" cy="10705930"/>
+            <a:off x="22983100" y="6717332"/>
+            <a:ext cx="9052560" cy="12217754"/>
           </a:xfrm>
           <a:prstGeom prst="rect">
             <a:avLst/>
@@ -2300,183 +2300,17 @@
           </a:bodyPr>
           <a:lstStyle/>
           <a:p>
-            <a:r>
-              <a:rPr lang="en-US" sz="4320" b="1" dirty="0">
-                <a:solidFill>
-                  <a:srgbClr val="2D669D"/>
-                </a:solidFill>
-                <a:latin typeface="Arial"/>
-                <a:cs typeface="Arial"/>
-              </a:rPr>
-              <a:t>Background</a:t>
-            </a:r>
-          </a:p>
-          <a:p>
-            <a:endParaRPr lang="en-US" sz="2639" dirty="0">
+            <a:endParaRPr lang="en-US" sz="2160" dirty="0">
               <a:latin typeface="Arial"/>
               <a:cs typeface="Arial"/>
             </a:endParaRPr>
           </a:p>
           <a:p>
-            <a:pPr marL="342864" indent="-342864" algn="just">
+            <a:pPr marL="342900" indent="-342900">
               <a:buFont typeface="Arial" panose="020B0604020202020204" pitchFamily="34" charset="0"/>
               <a:buChar char="•"/>
             </a:pPr>
-            <a:r>
-              <a:rPr lang="en-US" sz="2401" dirty="0"/>
-              <a:t>Computer aided diagnosis based on medical images from MRI(magnetic resonance image) has gained ubiquitous usage for its noninvasive, nondestructive, flexible properties</a:t>
-            </a:r>
-          </a:p>
-          <a:p>
-            <a:pPr marL="342864" indent="-342864" algn="just">
-              <a:buFont typeface="Arial" panose="020B0604020202020204" pitchFamily="34" charset="0"/>
-              <a:buChar char="•"/>
-            </a:pPr>
-            <a:r>
-              <a:rPr lang="en-US" sz="2401" dirty="0"/>
-              <a:t>To satisfy the demand for interior and exterior structure of brain structures, MRI can produce cross-sectional images from different angles, for example, top-down, side-to-side and front-to-back</a:t>
-            </a:r>
-          </a:p>
-          <a:p>
-            <a:pPr marL="342864" indent="-342864" algn="just">
-              <a:buFont typeface="Arial" panose="020B0604020202020204" pitchFamily="34" charset="0"/>
-              <a:buChar char="•"/>
-            </a:pPr>
-            <a:r>
-              <a:rPr lang="en-US" sz="2401" dirty="0"/>
-              <a:t>As a preliminary step for further analysis, brain segmentation, i.e. skull stripping, needs both speed and accuracy in practice. </a:t>
-            </a:r>
-          </a:p>
-          <a:p>
-            <a:pPr marL="342864" indent="-342864" algn="just">
-              <a:buFont typeface="Arial" panose="020B0604020202020204" pitchFamily="34" charset="0"/>
-              <a:buChar char="•"/>
-            </a:pPr>
-            <a:r>
-              <a:rPr lang="en-US" sz="2401" dirty="0"/>
-              <a:t>having slices from different angles give a lot of challenges in stripping those tissues which people are interested in, from </a:t>
-            </a:r>
-            <a:r>
-              <a:rPr lang="en-US" sz="2401" dirty="0" err="1"/>
-              <a:t>xtra</a:t>
-            </a:r>
-            <a:r>
-              <a:rPr lang="en-US" sz="2401" dirty="0"/>
-              <a:t>-cranial or non-brain tissues that has nothing to do with brain diseases such as Alzheimer’s disease, aneurysm in the brain and etc.</a:t>
-            </a:r>
-          </a:p>
-          <a:p>
-            <a:pPr marL="342864" indent="-342864" algn="just">
-              <a:buFont typeface="Arial" panose="020B0604020202020204" pitchFamily="34" charset="0"/>
-              <a:buChar char="•"/>
-            </a:pPr>
-            <a:r>
-              <a:rPr lang="en-US" sz="2401" dirty="0"/>
-              <a:t>Machine learning is a broad concept that include many interesting algorithms that we would like to implement and experiment on. For example, </a:t>
-            </a:r>
-            <a:r>
-              <a:rPr lang="en-US" sz="2401" dirty="0" err="1"/>
-              <a:t>Butman</a:t>
-            </a:r>
-            <a:r>
-              <a:rPr lang="en-US" sz="2401" dirty="0"/>
-              <a:t> introduced a robust machine learning method that detects the brain boundary by random forest. </a:t>
-            </a:r>
-            <a:endParaRPr lang="en-US" sz="2639" dirty="0">
-              <a:latin typeface=""/>
-            </a:endParaRPr>
-          </a:p>
-          <a:p>
-            <a:endParaRPr lang="en-US" sz="2639" dirty="0">
-              <a:latin typeface=""/>
-            </a:endParaRPr>
-          </a:p>
-          <a:p>
-            <a:r>
-              <a:rPr lang="en-US" sz="4320" b="1" dirty="0">
-                <a:solidFill>
-                  <a:srgbClr val="2D669D"/>
-                </a:solidFill>
-                <a:latin typeface="Arial"/>
-                <a:cs typeface="Arial"/>
-              </a:rPr>
-              <a:t>Baseline Methods</a:t>
-            </a:r>
-            <a:endParaRPr lang="en-US" sz="2639" dirty="0">
-              <a:latin typeface="Arial"/>
-              <a:cs typeface="Arial"/>
-            </a:endParaRPr>
-          </a:p>
-          <a:p>
-            <a:pPr marL="342864" indent="-342864" algn="just">
-              <a:buFont typeface="Arial" panose="020B0604020202020204" pitchFamily="34" charset="0"/>
-              <a:buChar char="•"/>
-            </a:pPr>
-            <a:r>
-              <a:rPr lang="en-US" sz="2401" dirty="0"/>
-              <a:t>We model the problem as</a:t>
-            </a:r>
-          </a:p>
-          <a:p>
-            <a:pPr algn="just"/>
-            <a:r>
-              <a:rPr lang="en-US" sz="2401" dirty="0"/>
-              <a:t>and have a loss function of </a:t>
-            </a:r>
-          </a:p>
-          <a:p>
-            <a:pPr algn="just"/>
-            <a:endParaRPr lang="en-US" sz="2401" dirty="0"/>
-          </a:p>
-          <a:p>
-            <a:pPr algn="just"/>
-            <a:r>
-              <a:rPr lang="en-US" sz="2401" dirty="0"/>
-              <a:t> </a:t>
-            </a:r>
-          </a:p>
-          <a:p>
-            <a:pPr marL="342864" indent="-342864" algn="just">
-              <a:buFont typeface="Arial" panose="020B0604020202020204" pitchFamily="34" charset="0"/>
-              <a:buChar char="•"/>
-            </a:pPr>
-            <a:r>
-              <a:rPr lang="en-US" sz="2401" dirty="0"/>
-              <a:t>We experimented on the significance of each feature like local patch, color and position and implemented baseline models like Random Forest, SVM and logistic regression with loss function. </a:t>
-            </a:r>
-            <a:r>
-              <a:rPr lang="en-US" sz="2160" dirty="0">
-                <a:latin typeface="Arial"/>
-                <a:cs typeface="Arial"/>
-              </a:rPr>
-              <a:t> </a:t>
-            </a:r>
-          </a:p>
-        </p:txBody>
-      </p:sp>
-      <p:sp>
-        <p:nvSpPr>
-          <p:cNvPr id="9" name="TextBox 8"/>
-          <p:cNvSpPr txBox="1"/>
-          <p:nvPr/>
-        </p:nvSpPr>
-        <p:spPr>
-          <a:xfrm>
-            <a:off x="22983100" y="6717332"/>
-            <a:ext cx="9052560" cy="13879748"/>
-          </a:xfrm>
-          <a:prstGeom prst="rect">
-            <a:avLst/>
-          </a:prstGeom>
-          <a:noFill/>
-        </p:spPr>
-        <p:txBody>
-          <a:bodyPr wrap="square" lIns="65837" tIns="32918" rIns="65837" bIns="32918" rtlCol="0">
-            <a:spAutoFit/>
-          </a:bodyPr>
-          <a:lstStyle/>
-          <a:p>
-            <a:endParaRPr lang="en-US" sz="2160" dirty="0">
+            <a:endParaRPr lang="en-US" altLang="zh-Hans" sz="2160" dirty="0">
               <a:latin typeface="Arial"/>
               <a:cs typeface="Arial"/>
             </a:endParaRPr>
@@ -2693,48 +2527,12 @@
             </a:endParaRPr>
           </a:p>
           <a:p>
-            <a:endParaRPr lang="en-US" sz="2160" dirty="0">
-              <a:latin typeface="Arial"/>
-              <a:cs typeface="Arial"/>
-            </a:endParaRPr>
-          </a:p>
-          <a:p>
-            <a:endParaRPr lang="en-US" sz="2160" dirty="0">
-              <a:latin typeface="Arial"/>
-              <a:cs typeface="Arial"/>
-            </a:endParaRPr>
-          </a:p>
-          <a:p>
-            <a:endParaRPr lang="en-US" sz="2160" dirty="0">
-              <a:latin typeface="Arial"/>
-              <a:cs typeface="Arial"/>
-            </a:endParaRPr>
-          </a:p>
-          <a:p>
-            <a:endParaRPr lang="en-US" sz="2160" dirty="0">
-              <a:latin typeface="Arial"/>
-              <a:cs typeface="Arial"/>
-            </a:endParaRPr>
-          </a:p>
-          <a:p>
-            <a:endParaRPr lang="en-US" sz="2160" dirty="0">
-              <a:latin typeface="Arial"/>
-              <a:cs typeface="Arial"/>
-            </a:endParaRPr>
-          </a:p>
-          <a:p>
-            <a:endParaRPr lang="en-US" sz="2160" dirty="0">
-              <a:latin typeface="Arial"/>
-              <a:cs typeface="Arial"/>
-            </a:endParaRPr>
-          </a:p>
-          <a:p>
             <a:r>
               <a:rPr lang="en-US" sz="2160" dirty="0">
                 <a:latin typeface="Arial"/>
                 <a:cs typeface="Arial"/>
               </a:rPr>
-              <a:t>                  </a:t>
+              <a:t>              </a:t>
             </a:r>
           </a:p>
           <a:p>
@@ -3029,66 +2827,263 @@
           </a:p>
         </p:txBody>
       </p:sp>
-      <p:pic>
-        <p:nvPicPr>
-          <p:cNvPr id="17" name="Picture 16">
+      <p:grpSp>
+        <p:nvGrpSpPr>
+          <p:cNvPr id="4" name="Group 3">
             <a:extLst>
               <a:ext uri="{FF2B5EF4-FFF2-40B4-BE49-F238E27FC236}">
-                <a16:creationId xmlns:a16="http://schemas.microsoft.com/office/drawing/2014/main" id="{90BEC0E1-4EAC-448E-90A7-88E142917957}"/>
+                <a16:creationId xmlns:a16="http://schemas.microsoft.com/office/drawing/2014/main" id="{7B8A676B-0F9B-445D-94C1-25DB6DBAD4FC}"/>
               </a:ext>
             </a:extLst>
           </p:cNvPr>
-          <p:cNvPicPr>
-            <a:picLocks noChangeAspect="1"/>
-          </p:cNvPicPr>
+          <p:cNvGrpSpPr/>
           <p:nvPr/>
-        </p:nvPicPr>
-        <p:blipFill>
-          <a:blip r:embed="rId4"/>
-          <a:stretch>
-            <a:fillRect/>
-          </a:stretch>
-        </p:blipFill>
-        <p:spPr>
+        </p:nvGrpSpPr>
+        <p:grpSpPr>
           <a:xfrm>
-            <a:off x="4873214" y="12985956"/>
-            <a:ext cx="2375063" cy="581359"/>
+            <a:off x="929348" y="3914515"/>
+            <a:ext cx="9052560" cy="10705930"/>
+            <a:chOff x="950278" y="5073412"/>
+            <a:chExt cx="9052560" cy="10705930"/>
           </a:xfrm>
-          <a:prstGeom prst="rect">
-            <a:avLst/>
-          </a:prstGeom>
-        </p:spPr>
-      </p:pic>
-      <p:pic>
-        <p:nvPicPr>
-          <p:cNvPr id="6" name="Picture 5">
-            <a:extLst>
-              <a:ext uri="{FF2B5EF4-FFF2-40B4-BE49-F238E27FC236}">
-                <a16:creationId xmlns:a16="http://schemas.microsoft.com/office/drawing/2014/main" id="{36D467BD-3754-4822-97EF-CE8B0A6537B2}"/>
-              </a:ext>
-            </a:extLst>
-          </p:cNvPr>
-          <p:cNvPicPr>
-            <a:picLocks noChangeAspect="1"/>
-          </p:cNvPicPr>
-          <p:nvPr/>
-        </p:nvPicPr>
-        <p:blipFill>
-          <a:blip r:embed="rId5"/>
-          <a:stretch>
-            <a:fillRect/>
-          </a:stretch>
-        </p:blipFill>
-        <p:spPr>
-          <a:xfrm>
-            <a:off x="1422242" y="13760603"/>
-            <a:ext cx="6962153" cy="859842"/>
-          </a:xfrm>
-          <a:prstGeom prst="rect">
-            <a:avLst/>
-          </a:prstGeom>
-        </p:spPr>
-      </p:pic>
+        </p:grpSpPr>
+        <p:sp>
+          <p:nvSpPr>
+            <p:cNvPr id="5" name="TextBox 4"/>
+            <p:cNvSpPr txBox="1"/>
+            <p:nvPr/>
+          </p:nvSpPr>
+          <p:spPr>
+            <a:xfrm>
+              <a:off x="950278" y="5073412"/>
+              <a:ext cx="9052560" cy="10705930"/>
+            </a:xfrm>
+            <a:prstGeom prst="rect">
+              <a:avLst/>
+            </a:prstGeom>
+            <a:noFill/>
+          </p:spPr>
+          <p:txBody>
+            <a:bodyPr wrap="square" lIns="65837" tIns="32918" rIns="65837" bIns="32918" rtlCol="0">
+              <a:spAutoFit/>
+            </a:bodyPr>
+            <a:lstStyle/>
+            <a:p>
+              <a:r>
+                <a:rPr lang="en-US" sz="4320" b="1" dirty="0">
+                  <a:solidFill>
+                    <a:srgbClr val="2D669D"/>
+                  </a:solidFill>
+                  <a:latin typeface="Arial"/>
+                  <a:cs typeface="Arial"/>
+                </a:rPr>
+                <a:t>Background</a:t>
+              </a:r>
+            </a:p>
+            <a:p>
+              <a:endParaRPr lang="en-US" sz="2639" dirty="0">
+                <a:latin typeface="Arial"/>
+                <a:cs typeface="Arial"/>
+              </a:endParaRPr>
+            </a:p>
+            <a:p>
+              <a:pPr marL="342864" indent="-342864" algn="just">
+                <a:buFont typeface="Arial" panose="020B0604020202020204" pitchFamily="34" charset="0"/>
+                <a:buChar char="•"/>
+              </a:pPr>
+              <a:r>
+                <a:rPr lang="en-US" sz="2401" dirty="0"/>
+                <a:t>Computer aided diagnosis based on medical images from MRI(magnetic resonance image) has gained ubiquitous usage for its noninvasive, nondestructive, flexible properties</a:t>
+              </a:r>
+            </a:p>
+            <a:p>
+              <a:pPr marL="342864" indent="-342864" algn="just">
+                <a:buFont typeface="Arial" panose="020B0604020202020204" pitchFamily="34" charset="0"/>
+                <a:buChar char="•"/>
+              </a:pPr>
+              <a:r>
+                <a:rPr lang="en-US" sz="2401" dirty="0"/>
+                <a:t>To satisfy the demand for interior and exterior structure of brain structures, MRI can produce cross-sectional images from different angles, for example, top-down, side-to-side and front-to-back</a:t>
+              </a:r>
+            </a:p>
+            <a:p>
+              <a:pPr marL="342864" indent="-342864" algn="just">
+                <a:buFont typeface="Arial" panose="020B0604020202020204" pitchFamily="34" charset="0"/>
+                <a:buChar char="•"/>
+              </a:pPr>
+              <a:r>
+                <a:rPr lang="en-US" sz="2401" dirty="0"/>
+                <a:t>As a preliminary step for further analysis, brain segmentation, i.e. skull stripping, needs both speed and accuracy in practice. </a:t>
+              </a:r>
+            </a:p>
+            <a:p>
+              <a:pPr marL="342864" indent="-342864" algn="just">
+                <a:buFont typeface="Arial" panose="020B0604020202020204" pitchFamily="34" charset="0"/>
+                <a:buChar char="•"/>
+              </a:pPr>
+              <a:r>
+                <a:rPr lang="en-US" sz="2401" dirty="0"/>
+                <a:t>having slices from different angles give a lot of challenges in stripping those tissues which people are interested in, from </a:t>
+              </a:r>
+              <a:r>
+                <a:rPr lang="en-US" sz="2401" dirty="0" err="1"/>
+                <a:t>xtracranial</a:t>
+              </a:r>
+              <a:r>
+                <a:rPr lang="en-US" sz="2401" dirty="0"/>
+                <a:t> or non-brain tissues that has nothing to do with brain diseases such as Alzheimer’s disease, aneurysm in the brain and etc.</a:t>
+              </a:r>
+            </a:p>
+            <a:p>
+              <a:pPr marL="342864" indent="-342864" algn="just">
+                <a:buFont typeface="Arial" panose="020B0604020202020204" pitchFamily="34" charset="0"/>
+                <a:buChar char="•"/>
+              </a:pPr>
+              <a:r>
+                <a:rPr lang="en-US" sz="2401" dirty="0"/>
+                <a:t>Machine learning is a broad concept that include many interesting algorithms that we would like to implement and experiment on. For example, </a:t>
+              </a:r>
+              <a:r>
+                <a:rPr lang="en-US" sz="2401" dirty="0" err="1"/>
+                <a:t>Butman</a:t>
+              </a:r>
+              <a:r>
+                <a:rPr lang="en-US" sz="2401" dirty="0"/>
+                <a:t> introduced a robust machine learning method that detects the brain boundary by random forest. </a:t>
+              </a:r>
+              <a:endParaRPr lang="en-US" sz="2639" dirty="0">
+                <a:latin typeface=""/>
+              </a:endParaRPr>
+            </a:p>
+            <a:p>
+              <a:endParaRPr lang="en-US" sz="2639" dirty="0">
+                <a:latin typeface=""/>
+              </a:endParaRPr>
+            </a:p>
+            <a:p>
+              <a:r>
+                <a:rPr lang="en-US" sz="4320" b="1" dirty="0">
+                  <a:solidFill>
+                    <a:srgbClr val="2D669D"/>
+                  </a:solidFill>
+                  <a:latin typeface="Arial"/>
+                  <a:cs typeface="Arial"/>
+                </a:rPr>
+                <a:t>Baseline Methods</a:t>
+              </a:r>
+              <a:endParaRPr lang="en-US" sz="2639" dirty="0">
+                <a:latin typeface="Arial"/>
+                <a:cs typeface="Arial"/>
+              </a:endParaRPr>
+            </a:p>
+            <a:p>
+              <a:pPr marL="342864" indent="-342864" algn="just">
+                <a:buFont typeface="Arial" panose="020B0604020202020204" pitchFamily="34" charset="0"/>
+                <a:buChar char="•"/>
+              </a:pPr>
+              <a:r>
+                <a:rPr lang="en-US" sz="2401" dirty="0"/>
+                <a:t>We model the problem as</a:t>
+              </a:r>
+            </a:p>
+            <a:p>
+              <a:pPr algn="just"/>
+              <a:r>
+                <a:rPr lang="en-US" sz="2401" dirty="0"/>
+                <a:t>and have a loss function of </a:t>
+              </a:r>
+            </a:p>
+            <a:p>
+              <a:pPr algn="just"/>
+              <a:endParaRPr lang="en-US" sz="2401" dirty="0"/>
+            </a:p>
+            <a:p>
+              <a:pPr algn="just"/>
+              <a:r>
+                <a:rPr lang="en-US" sz="2401" dirty="0"/>
+                <a:t> </a:t>
+              </a:r>
+            </a:p>
+            <a:p>
+              <a:pPr marL="342864" indent="-342864" algn="just">
+                <a:buFont typeface="Arial" panose="020B0604020202020204" pitchFamily="34" charset="0"/>
+                <a:buChar char="•"/>
+              </a:pPr>
+              <a:r>
+                <a:rPr lang="en-US" sz="2401" dirty="0"/>
+                <a:t>We experimented on the significance of each feature like local patch, color and position and implemented baseline models like Random Forest, SVM and logistic regression with loss function. </a:t>
+              </a:r>
+              <a:r>
+                <a:rPr lang="en-US" sz="2160" dirty="0">
+                  <a:latin typeface="Arial"/>
+                  <a:cs typeface="Arial"/>
+                </a:rPr>
+                <a:t> </a:t>
+              </a:r>
+            </a:p>
+          </p:txBody>
+        </p:sp>
+        <p:pic>
+          <p:nvPicPr>
+            <p:cNvPr id="17" name="Picture 16">
+              <a:extLst>
+                <a:ext uri="{FF2B5EF4-FFF2-40B4-BE49-F238E27FC236}">
+                  <a16:creationId xmlns:a16="http://schemas.microsoft.com/office/drawing/2014/main" id="{90BEC0E1-4EAC-448E-90A7-88E142917957}"/>
+                </a:ext>
+              </a:extLst>
+            </p:cNvPr>
+            <p:cNvPicPr>
+              <a:picLocks noChangeAspect="1"/>
+            </p:cNvPicPr>
+            <p:nvPr/>
+          </p:nvPicPr>
+          <p:blipFill>
+            <a:blip r:embed="rId4"/>
+            <a:stretch>
+              <a:fillRect/>
+            </a:stretch>
+          </p:blipFill>
+          <p:spPr>
+            <a:xfrm>
+              <a:off x="4873214" y="12985956"/>
+              <a:ext cx="2375063" cy="581359"/>
+            </a:xfrm>
+            <a:prstGeom prst="rect">
+              <a:avLst/>
+            </a:prstGeom>
+          </p:spPr>
+        </p:pic>
+        <p:pic>
+          <p:nvPicPr>
+            <p:cNvPr id="6" name="Picture 5">
+              <a:extLst>
+                <a:ext uri="{FF2B5EF4-FFF2-40B4-BE49-F238E27FC236}">
+                  <a16:creationId xmlns:a16="http://schemas.microsoft.com/office/drawing/2014/main" id="{36D467BD-3754-4822-97EF-CE8B0A6537B2}"/>
+                </a:ext>
+              </a:extLst>
+            </p:cNvPr>
+            <p:cNvPicPr>
+              <a:picLocks noChangeAspect="1"/>
+            </p:cNvPicPr>
+            <p:nvPr/>
+          </p:nvPicPr>
+          <p:blipFill>
+            <a:blip r:embed="rId5"/>
+            <a:stretch>
+              <a:fillRect/>
+            </a:stretch>
+          </p:blipFill>
+          <p:spPr>
+            <a:xfrm>
+              <a:off x="1422242" y="13760603"/>
+              <a:ext cx="6962153" cy="859842"/>
+            </a:xfrm>
+            <a:prstGeom prst="rect">
+              <a:avLst/>
+            </a:prstGeom>
+          </p:spPr>
+        </p:pic>
+      </p:grpSp>
       <p:pic>
         <p:nvPicPr>
           <p:cNvPr id="10" name="Picture 9">
@@ -3111,7 +3106,7 @@
         </p:blipFill>
         <p:spPr>
           <a:xfrm>
-            <a:off x="630654" y="16145753"/>
+            <a:off x="630654" y="15579205"/>
             <a:ext cx="3559277" cy="3364019"/>
           </a:xfrm>
           <a:prstGeom prst="rect">
@@ -3133,7 +3128,7 @@
         </p:nvGrpSpPr>
         <p:grpSpPr>
           <a:xfrm>
-            <a:off x="4128109" y="15779342"/>
+            <a:off x="4128109" y="15212794"/>
             <a:ext cx="3366755" cy="4138116"/>
             <a:chOff x="4211681" y="15783631"/>
             <a:chExt cx="3366755" cy="4138116"/>
@@ -3274,7 +3269,7 @@
         </p:nvSpPr>
         <p:spPr>
           <a:xfrm>
-            <a:off x="7586645" y="15798370"/>
+            <a:off x="7586645" y="15231822"/>
             <a:ext cx="2804264" cy="4413516"/>
           </a:xfrm>
           <a:prstGeom prst="rect">
@@ -3319,46 +3314,6 @@
               </a:rPr>
               <a:t>Figure 2. A breakdown of the accuracy of random forest model by normalizing the error</a:t>
             </a:r>
-          </a:p>
-        </p:txBody>
-      </p:sp>
-      <p:sp>
-        <p:nvSpPr>
-          <p:cNvPr id="13" name="TextBox 12">
-            <a:extLst>
-              <a:ext uri="{FF2B5EF4-FFF2-40B4-BE49-F238E27FC236}">
-                <a16:creationId xmlns:a16="http://schemas.microsoft.com/office/drawing/2014/main" id="{DEB77006-C22B-594B-95D2-E37F33298B5E}"/>
-              </a:ext>
-            </a:extLst>
-          </p:cNvPr>
-          <p:cNvSpPr txBox="1"/>
-          <p:nvPr/>
-        </p:nvSpPr>
-        <p:spPr>
-          <a:xfrm>
-            <a:off x="8231133" y="13865479"/>
-            <a:ext cx="643125" cy="584775"/>
-          </a:xfrm>
-          <a:prstGeom prst="rect">
-            <a:avLst/>
-          </a:prstGeom>
-          <a:noFill/>
-        </p:spPr>
-        <p:txBody>
-          <a:bodyPr wrap="none" rtlCol="0">
-            <a:spAutoFit/>
-          </a:bodyPr>
-          <a:lstStyle/>
-          <a:p>
-            <a:r>
-              <a:rPr lang="en-US" altLang="zh-Hans" sz="3200" dirty="0">
-                <a:cs typeface="Arial" panose="020B0604020202020204" pitchFamily="34" charset="0"/>
-              </a:rPr>
-              <a:t>(1)</a:t>
-            </a:r>
-            <a:endParaRPr lang="en-US" sz="3200" dirty="0">
-              <a:cs typeface="Arial" panose="020B0604020202020204" pitchFamily="34" charset="0"/>
-            </a:endParaRPr>
           </a:p>
         </p:txBody>
       </p:sp>
@@ -3384,7 +3339,7 @@
         </p:blipFill>
         <p:spPr>
           <a:xfrm>
-            <a:off x="17123279" y="8859625"/>
+            <a:off x="17160441" y="8795378"/>
             <a:ext cx="3901524" cy="2258656"/>
           </a:xfrm>
           <a:prstGeom prst="rect">
@@ -4108,8 +4063,8 @@
         </p:nvSpPr>
         <p:spPr>
           <a:xfrm>
-            <a:off x="26194620" y="6658778"/>
-            <a:ext cx="2766719" cy="461665"/>
+            <a:off x="26194620" y="6501500"/>
+            <a:ext cx="2766719" cy="830997"/>
           </a:xfrm>
           <a:prstGeom prst="rect">
             <a:avLst/>
@@ -4120,6 +4075,14 @@
             <a:spAutoFit/>
           </a:bodyPr>
           <a:lstStyle/>
+          <a:p>
+            <a:endParaRPr lang="en-US" altLang="zh-Hans" sz="2400" i="1" dirty="0">
+              <a:solidFill>
+                <a:srgbClr val="8C8C83"/>
+              </a:solidFill>
+              <a:cs typeface="Arial"/>
+            </a:endParaRPr>
+          </a:p>
           <a:p>
             <a:r>
               <a:rPr lang="zh-Hans" altLang="en-US" sz="2400" i="1" dirty="0">
@@ -4219,7 +4182,7 @@
         </p:blipFill>
         <p:spPr>
           <a:xfrm>
-            <a:off x="28904444" y="9480564"/>
+            <a:off x="24802771" y="10200256"/>
             <a:ext cx="1520866" cy="1481713"/>
           </a:xfrm>
           <a:prstGeom prst="rect">
@@ -4249,7 +4212,7 @@
         </p:blipFill>
         <p:spPr>
           <a:xfrm>
-            <a:off x="30902367" y="9480564"/>
+            <a:off x="26643800" y="10231943"/>
             <a:ext cx="1481713" cy="1481713"/>
           </a:xfrm>
           <a:prstGeom prst="rect">

--- a/Poster.pptx
+++ b/Poster.pptx
@@ -217,7 +217,7 @@
           <a:p>
             <a:fld id="{EC5DAD25-F83A-E84F-8A45-00F8F1023B42}" type="datetimeFigureOut">
               <a:rPr lang="en-US" smtClean="0"/>
-              <a:t>5/28/2018</a:t>
+              <a:t>5/29/2018</a:t>
             </a:fld>
             <a:endParaRPr lang="en-US"/>
           </a:p>
@@ -2287,7 +2287,7 @@
         <p:spPr>
           <a:xfrm>
             <a:off x="22983100" y="6717332"/>
-            <a:ext cx="9052560" cy="12217754"/>
+            <a:ext cx="9052560" cy="13214950"/>
           </a:xfrm>
           <a:prstGeom prst="rect">
             <a:avLst/>
@@ -2536,6 +2536,24 @@
             </a:r>
           </a:p>
           <a:p>
+            <a:endParaRPr lang="en-US" sz="4320" b="1" dirty="0">
+              <a:solidFill>
+                <a:srgbClr val="2D669D"/>
+              </a:solidFill>
+              <a:latin typeface="Arial"/>
+              <a:cs typeface="Arial"/>
+            </a:endParaRPr>
+          </a:p>
+          <a:p>
+            <a:endParaRPr lang="en-US" sz="4320" b="1" dirty="0">
+              <a:solidFill>
+                <a:srgbClr val="2D669D"/>
+              </a:solidFill>
+              <a:latin typeface="Arial"/>
+              <a:cs typeface="Arial"/>
+            </a:endParaRPr>
+          </a:p>
+          <a:p>
             <a:r>
               <a:rPr lang="en-US" sz="4320" b="1" dirty="0">
                 <a:solidFill>
@@ -2563,10 +2581,34 @@
             </a:pPr>
             <a:r>
               <a:rPr lang="en-US" sz="2160" dirty="0"/>
-              <a:t>This innovative imaging software can provide insights into Stroke from standard DSA. It is particularly promising for retrospective studies and during clot-retrieval interventions as it offers an objective, continuous measure to characterize angiographic observations.</a:t>
-            </a:r>
-          </a:p>
-          <a:p>
+              <a:t>We compared and analyzed different machine learning models applied to skull stripping, including Logistic Regression, SVM and random forest.</a:t>
+            </a:r>
+          </a:p>
+          <a:p>
+            <a:pPr marL="342864" indent="-342864" algn="just">
+              <a:buFont typeface="Arial" panose="020B0604020202020204" pitchFamily="34" charset="0"/>
+              <a:buChar char="•"/>
+            </a:pPr>
+            <a:r>
+              <a:rPr lang="en-US" sz="2160" dirty="0"/>
+              <a:t>Because of their weakness in strong assumptions in dataset, they are not robust to circumstances with high noises or improperly aligned skulls. </a:t>
+            </a:r>
+          </a:p>
+          <a:p>
+            <a:pPr marL="342864" indent="-342864" algn="just">
+              <a:buFont typeface="Arial" panose="020B0604020202020204" pitchFamily="34" charset="0"/>
+              <a:buChar char="•"/>
+            </a:pPr>
+            <a:r>
+              <a:rPr lang="en-US" sz="2160" dirty="0"/>
+              <a:t>Then we propose a CNN approach that is similar to autoencoder, and with this scheme, we can remove those noises and be robust to new structures. </a:t>
+            </a:r>
+          </a:p>
+          <a:p>
+            <a:pPr marL="342864" indent="-342864" algn="just">
+              <a:buFont typeface="Arial" panose="020B0604020202020204" pitchFamily="34" charset="0"/>
+              <a:buChar char="•"/>
+            </a:pPr>
             <a:endParaRPr lang="en-US" sz="2160" dirty="0"/>
           </a:p>
           <a:p>
@@ -2596,67 +2638,35 @@
               <a:buChar char="•"/>
             </a:pPr>
             <a:r>
+              <a:rPr lang="en-US" sz="2160" dirty="0" err="1"/>
+              <a:t>Butman</a:t>
+            </a:r>
+            <a:r>
               <a:rPr lang="en-US" sz="2160" dirty="0"/>
-              <a:t>D. Liebeskind, F. </a:t>
+              <a:t> J, Roy S, Pham D. </a:t>
+            </a:r>
+            <a:r>
+              <a:rPr lang="en-US" sz="2160" b="1" dirty="0"/>
+              <a:t>Robust skull stripping using multiple MR</a:t>
+            </a:r>
+          </a:p>
+          <a:p>
+            <a:r>
+              <a:rPr lang="en-US" sz="2160" b="1" dirty="0"/>
+              <a:t> image contrasts insensitive to pathology.</a:t>
+            </a:r>
+            <a:r>
+              <a:rPr lang="en-US" sz="2160" dirty="0"/>
+              <a:t> </a:t>
             </a:r>
             <a:r>
               <a:rPr lang="en-US" sz="2160" dirty="0" err="1"/>
-              <a:t>Scalzo</a:t>
+              <a:t>NeuroImage</a:t>
             </a:r>
             <a:r>
               <a:rPr lang="en-US" sz="2160" dirty="0"/>
-              <a:t>, N. </a:t>
-            </a:r>
-            <a:r>
-              <a:rPr lang="en-US" sz="2160" dirty="0" err="1"/>
-              <a:t>Sanossian</a:t>
-            </a:r>
-            <a:r>
-              <a:rPr lang="en-US" sz="2160" dirty="0"/>
-              <a:t>, R. Gupta, T. </a:t>
-            </a:r>
-            <a:r>
-              <a:rPr lang="en-US" sz="2160" dirty="0" err="1"/>
-              <a:t>Jovin</a:t>
-            </a:r>
-            <a:r>
-              <a:rPr lang="en-US" sz="2160" dirty="0"/>
-              <a:t>, G. Walker, G. Albers, H. </a:t>
-            </a:r>
-            <a:r>
-              <a:rPr lang="en-US" sz="2160" dirty="0" err="1"/>
-              <a:t>Lutsep</a:t>
-            </a:r>
-            <a:r>
-              <a:rPr lang="en-US" sz="2160" dirty="0"/>
-              <a:t>, W. Smith, R. </a:t>
-            </a:r>
-            <a:r>
-              <a:rPr lang="en-US" sz="2160" dirty="0" err="1"/>
-              <a:t>Nogueira</a:t>
-            </a:r>
-            <a:r>
-              <a:rPr lang="en-US" sz="2160" dirty="0"/>
-              <a:t>. </a:t>
-            </a:r>
-            <a:r>
-              <a:rPr lang="en-US" sz="2160" b="1" dirty="0"/>
-              <a:t>Perfusion Angiography in TREVO2</a:t>
-            </a:r>
-            <a:r>
-              <a:rPr lang="en-US" sz="2160" dirty="0"/>
-              <a:t>: </a:t>
-            </a:r>
-            <a:r>
-              <a:rPr lang="en-US" sz="2160" b="1" dirty="0"/>
-              <a:t>Quantitative Reperfusion After Endovascular Therapy in Acute Stroke. </a:t>
-            </a:r>
-            <a:r>
-              <a:rPr lang="en-US" sz="2160" i="1" dirty="0"/>
-              <a:t>Stroke.2013; 44: AWP39.</a:t>
-            </a:r>
-          </a:p>
-          <a:p>
+              <a:t> . 2017;146:132-147.</a:t>
+            </a:r>
             <a:endParaRPr lang="en-US" sz="2160" i="1" dirty="0"/>
           </a:p>
           <a:p>
@@ -2665,35 +2675,45 @@
               <a:buChar char="•"/>
             </a:pPr>
             <a:r>
+              <a:rPr lang="en-US" sz="2160" dirty="0" err="1"/>
+              <a:t>Kalavathi,P</a:t>
+            </a:r>
+            <a:r>
               <a:rPr lang="en-US" sz="2160" dirty="0"/>
-              <a:t>D. Liebeskind, G. </a:t>
+              <a:t>. and V.B. Surya </a:t>
             </a:r>
             <a:r>
               <a:rPr lang="en-US" sz="2160" dirty="0" err="1"/>
-              <a:t>Szilagyi</a:t>
-            </a:r>
-            <a:r>
-              <a:rPr lang="en-US" sz="2160" dirty="0"/>
-              <a:t>, S. Black , B. Buck</a:t>
-            </a:r>
-            <a:r>
-              <a:rPr lang="en-US" sz="2160" b="1" dirty="0"/>
-              <a:t>. Perfusion Angiography: a novel technique for characterization of perfusion in cerebral ischemia</a:t>
+              <a:t>Prasath</a:t>
             </a:r>
             <a:r>
               <a:rPr lang="en-US" sz="2160" dirty="0"/>
               <a:t>. </a:t>
             </a:r>
             <a:r>
-              <a:rPr lang="en-US" sz="2160" i="1" dirty="0"/>
-              <a:t>Stroke.2008,39:576.</a:t>
-            </a:r>
-          </a:p>
-          <a:p>
-            <a:pPr marL="411440" indent="-411440">
-              <a:buFont typeface="Arial"/>
-              <a:buChar char="•"/>
-            </a:pPr>
+              <a:rPr lang="en-US" sz="2160" b="1" dirty="0"/>
+              <a:t>“Methods on Skull Stripping of MRI Head Scan Images – a </a:t>
+            </a:r>
+            <a:r>
+              <a:rPr lang="en-US" sz="2160" b="1"/>
+              <a:t>Review</a:t>
+            </a:r>
+            <a:r>
+              <a:rPr lang="en-US" sz="2160"/>
+              <a:t>.”Advances</a:t>
+            </a:r>
+            <a:r>
+              <a:rPr lang="en-US" sz="2160" dirty="0"/>
+              <a:t> in </a:t>
+            </a:r>
+            <a:r>
+              <a:rPr lang="en-US" sz="2160" dirty="0" err="1"/>
+              <a:t>Pediatries</a:t>
+            </a:r>
+            <a:r>
+              <a:rPr lang="en-US" sz="2160" dirty="0"/>
+              <a:t>., U.S. National Library of Medicine, June 2016, www.ncbi.nlm.nih.gov/pmc/articles/PMC4879034.</a:t>
+            </a:r>
             <a:endParaRPr lang="en-US" sz="2160" dirty="0">
               <a:latin typeface="Arial"/>
               <a:cs typeface="Arial"/>
@@ -2711,8 +2731,8 @@
         </p:nvSpPr>
         <p:spPr bwMode="auto">
           <a:xfrm>
-            <a:off x="10799798" y="3242417"/>
-            <a:ext cx="137726" cy="15940522"/>
+            <a:off x="10891804" y="3499383"/>
+            <a:ext cx="146088" cy="15683556"/>
           </a:xfrm>
           <a:prstGeom prst="rect">
             <a:avLst/>
@@ -2753,8 +2773,8 @@
         </p:nvSpPr>
         <p:spPr bwMode="auto">
           <a:xfrm flipH="1">
-            <a:off x="22047124" y="3242417"/>
-            <a:ext cx="137160" cy="15940522"/>
+            <a:off x="22047124" y="3499383"/>
+            <a:ext cx="124475" cy="15683556"/>
           </a:xfrm>
           <a:prstGeom prst="rect">
             <a:avLst/>
@@ -2795,7 +2815,7 @@
         </p:nvSpPr>
         <p:spPr bwMode="auto">
           <a:xfrm rot="5400000">
-            <a:off x="16390620" y="-13285365"/>
+            <a:off x="16434033" y="-13028399"/>
             <a:ext cx="137160" cy="32918402"/>
           </a:xfrm>
           <a:prstGeom prst="rect">
@@ -2923,7 +2943,7 @@
               </a:pPr>
               <a:r>
                 <a:rPr lang="en-US" sz="2401" dirty="0"/>
-                <a:t>having slices from different angles give a lot of challenges in stripping those tissues which people are interested in, from </a:t>
+                <a:t>Having slices from different angles give a lot of challenges in stripping those tissues which people are interested in, from </a:t>
               </a:r>
               <a:r>
                 <a:rPr lang="en-US" sz="2401" dirty="0" err="1"/>
@@ -4162,10 +4182,10 @@
       </p:sp>
       <p:pic>
         <p:nvPicPr>
-          <p:cNvPr id="1059" name="Picture 1058">
+          <p:cNvPr id="13" name="Picture 12">
             <a:extLst>
               <a:ext uri="{FF2B5EF4-FFF2-40B4-BE49-F238E27FC236}">
-                <a16:creationId xmlns:a16="http://schemas.microsoft.com/office/drawing/2014/main" id="{D4B9BCAF-75C0-A145-A59C-641D469FA02C}"/>
+                <a16:creationId xmlns:a16="http://schemas.microsoft.com/office/drawing/2014/main" id="{D7E7FB30-F47E-434E-A6CC-18C0E935096E}"/>
               </a:ext>
             </a:extLst>
           </p:cNvPr>
@@ -4182,44 +4202,88 @@
         </p:blipFill>
         <p:spPr>
           <a:xfrm>
-            <a:off x="24802771" y="10200256"/>
-            <a:ext cx="1520866" cy="1481713"/>
+            <a:off x="27199219" y="10056183"/>
+            <a:ext cx="4385270" cy="3288952"/>
           </a:xfrm>
           <a:prstGeom prst="rect">
             <a:avLst/>
           </a:prstGeom>
         </p:spPr>
       </p:pic>
-      <p:pic>
-        <p:nvPicPr>
-          <p:cNvPr id="1061" name="Picture 1060">
+      <p:sp>
+        <p:nvSpPr>
+          <p:cNvPr id="49" name="Rectangle 48">
             <a:extLst>
               <a:ext uri="{FF2B5EF4-FFF2-40B4-BE49-F238E27FC236}">
-                <a16:creationId xmlns:a16="http://schemas.microsoft.com/office/drawing/2014/main" id="{45DD3585-7CB0-104E-A3B0-6EA1F2A927FF}"/>
+                <a16:creationId xmlns:a16="http://schemas.microsoft.com/office/drawing/2014/main" id="{0C082B30-DA07-4252-BC11-814C6B91E657}"/>
               </a:ext>
             </a:extLst>
           </p:cNvPr>
-          <p:cNvPicPr>
-            <a:picLocks noChangeAspect="1"/>
-          </p:cNvPicPr>
+          <p:cNvSpPr/>
           <p:nvPr/>
-        </p:nvPicPr>
-        <p:blipFill>
-          <a:blip r:embed="rId28"/>
-          <a:stretch>
-            <a:fillRect/>
-          </a:stretch>
-        </p:blipFill>
+        </p:nvSpPr>
         <p:spPr>
           <a:xfrm>
-            <a:off x="26643800" y="10231943"/>
-            <a:ext cx="1481713" cy="1481713"/>
+            <a:off x="23373604" y="10000070"/>
+            <a:ext cx="3825615" cy="2308324"/>
           </a:xfrm>
           <a:prstGeom prst="rect">
             <a:avLst/>
           </a:prstGeom>
         </p:spPr>
-      </p:pic>
+        <p:txBody>
+          <a:bodyPr wrap="square">
+            <a:spAutoFit/>
+          </a:bodyPr>
+          <a:lstStyle/>
+          <a:p>
+            <a:endParaRPr lang="en-US" altLang="zh-Hans" sz="2400" i="1" dirty="0">
+              <a:solidFill>
+                <a:srgbClr val="8C8C83"/>
+              </a:solidFill>
+              <a:cs typeface="Arial"/>
+            </a:endParaRPr>
+          </a:p>
+          <a:p>
+            <a:r>
+              <a:rPr lang="zh-Hans" altLang="en-US" sz="2400" i="1" dirty="0">
+                <a:solidFill>
+                  <a:srgbClr val="8C8C83"/>
+                </a:solidFill>
+                <a:cs typeface="Arial"/>
+              </a:rPr>
+              <a:t> </a:t>
+            </a:r>
+            <a:r>
+              <a:rPr lang="en-US" sz="2400" i="1" dirty="0">
+                <a:solidFill>
+                  <a:srgbClr val="8C8C83"/>
+                </a:solidFill>
+                <a:cs typeface="Arial"/>
+              </a:rPr>
+              <a:t>Figure.7  A </a:t>
+            </a:r>
+            <a:r>
+              <a:rPr lang="en-US" sz="2400" i="1" dirty="0" err="1">
+                <a:solidFill>
+                  <a:srgbClr val="8C8C83"/>
+                </a:solidFill>
+                <a:cs typeface="Arial"/>
+              </a:rPr>
+              <a:t>sklearn</a:t>
+            </a:r>
+            <a:r>
+              <a:rPr lang="en-US" sz="2400" i="1" dirty="0">
+                <a:solidFill>
+                  <a:srgbClr val="8C8C83"/>
+                </a:solidFill>
+                <a:cs typeface="Arial"/>
+              </a:rPr>
+              <a:t> comparison of models by their accuracy and cross-validation scores in terms of number of pixels </a:t>
+            </a:r>
+          </a:p>
+        </p:txBody>
+      </p:sp>
     </p:spTree>
     <p:extLst>
       <p:ext uri="{BB962C8B-B14F-4D97-AF65-F5344CB8AC3E}">

--- a/Poster.pptx
+++ b/Poster.pptx
@@ -217,7 +217,7 @@
           <a:p>
             <a:fld id="{EC5DAD25-F83A-E84F-8A45-00F8F1023B42}" type="datetimeFigureOut">
               <a:rPr lang="en-US" smtClean="0"/>
-              <a:t>5/29/2018</a:t>
+              <a:t>5/30/2018</a:t>
             </a:fld>
             <a:endParaRPr lang="en-US"/>
           </a:p>
@@ -948,7 +948,7 @@
         <p:spPr>
           <a:xfrm>
             <a:off x="11771646" y="5009165"/>
-            <a:ext cx="9326880" cy="11998079"/>
+            <a:ext cx="9326880" cy="12405754"/>
           </a:xfrm>
           <a:prstGeom prst="rect">
             <a:avLst/>
@@ -994,7 +994,7 @@
             <a:endParaRPr lang="en-US" sz="2401" dirty="0"/>
           </a:p>
           <a:p>
-            <a:pPr marL="411440" indent="-411440" algn="just">
+            <a:pPr marL="342864" indent="-342864" algn="just">
               <a:buFont typeface="Arial" panose="020B0604020202020204" pitchFamily="34" charset="0"/>
               <a:buChar char="•"/>
             </a:pPr>
@@ -1111,12 +1111,8 @@
               <a:t> </a:t>
             </a:r>
             <a:r>
-              <a:rPr lang="en-US" altLang="zh-Hans" sz="2401" dirty="0" err="1"/>
-              <a:t>Autoencoder</a:t>
-            </a:r>
-            <a:r>
-              <a:rPr lang="en-US" altLang="zh-Hans" sz="2401" dirty="0"/>
-              <a:t>.</a:t>
+              <a:rPr lang="en-US" altLang="zh-Hans" sz="2401" dirty="0"/>
+              <a:t>Autoencoder.</a:t>
             </a:r>
             <a:r>
               <a:rPr lang="zh-Hans" altLang="en-US" sz="2401" dirty="0"/>
@@ -1322,514 +1318,294 @@
             </a:endParaRPr>
           </a:p>
           <a:p>
-            <a:pPr marL="411440" indent="-411440">
-              <a:buFont typeface="Arial"/>
+            <a:pPr marL="342864" indent="-342864" algn="just">
+              <a:buFont typeface="Arial" panose="020B0604020202020204" pitchFamily="34" charset="0"/>
               <a:buChar char="•"/>
             </a:pPr>
             <a:r>
-              <a:rPr lang="en-US" altLang="zh-Hans" sz="2160" dirty="0">
-                <a:latin typeface="Arial"/>
-                <a:cs typeface="Arial"/>
-              </a:rPr>
+              <a:rPr lang="en-US" altLang="zh-Hans" sz="2401" dirty="0"/>
               <a:t>We</a:t>
             </a:r>
             <a:r>
-              <a:rPr lang="zh-Hans" altLang="en-US" sz="2160" dirty="0">
-                <a:latin typeface="Arial"/>
-                <a:cs typeface="Arial"/>
-              </a:rPr>
-              <a:t> </a:t>
-            </a:r>
-            <a:r>
-              <a:rPr lang="en-US" altLang="zh-Hans" sz="2160" dirty="0">
-                <a:latin typeface="Arial"/>
-                <a:cs typeface="Arial"/>
-              </a:rPr>
+              <a:rPr lang="zh-Hans" altLang="en-US" sz="2401" dirty="0"/>
+              <a:t> </a:t>
+            </a:r>
+            <a:r>
+              <a:rPr lang="en-US" altLang="zh-Hans" sz="2401" dirty="0"/>
               <a:t>trained</a:t>
             </a:r>
             <a:r>
-              <a:rPr lang="zh-Hans" altLang="en-US" sz="2160" dirty="0">
-                <a:latin typeface="Arial"/>
-                <a:cs typeface="Arial"/>
-              </a:rPr>
-              <a:t> </a:t>
-            </a:r>
-            <a:r>
-              <a:rPr lang="en-US" altLang="zh-Hans" sz="2160" dirty="0">
-                <a:latin typeface="Arial"/>
-                <a:cs typeface="Arial"/>
-              </a:rPr>
+              <a:rPr lang="zh-Hans" altLang="en-US" sz="2401" dirty="0"/>
+              <a:t> </a:t>
+            </a:r>
+            <a:r>
+              <a:rPr lang="en-US" altLang="zh-Hans" sz="2401" dirty="0"/>
               <a:t>our</a:t>
             </a:r>
             <a:r>
-              <a:rPr lang="zh-Hans" altLang="en-US" sz="2160" dirty="0">
-                <a:latin typeface="Arial"/>
-                <a:cs typeface="Arial"/>
-              </a:rPr>
-              <a:t> </a:t>
-            </a:r>
-            <a:r>
-              <a:rPr lang="en-US" altLang="zh-Hans" sz="2160" dirty="0">
-                <a:latin typeface="Arial"/>
-                <a:cs typeface="Arial"/>
-              </a:rPr>
+              <a:rPr lang="zh-Hans" altLang="en-US" sz="2401" dirty="0"/>
+              <a:t> </a:t>
+            </a:r>
+            <a:r>
+              <a:rPr lang="en-US" altLang="zh-Hans" sz="2401" dirty="0"/>
               <a:t>model</a:t>
             </a:r>
             <a:r>
-              <a:rPr lang="zh-Hans" altLang="en-US" sz="2160" dirty="0">
-                <a:latin typeface="Arial"/>
-                <a:cs typeface="Arial"/>
-              </a:rPr>
-              <a:t> </a:t>
-            </a:r>
-            <a:r>
-              <a:rPr lang="en-US" altLang="zh-Hans" sz="2160" dirty="0">
-                <a:latin typeface="Arial"/>
-                <a:cs typeface="Arial"/>
-              </a:rPr>
+              <a:rPr lang="zh-Hans" altLang="en-US" sz="2401" dirty="0"/>
+              <a:t> </a:t>
+            </a:r>
+            <a:r>
+              <a:rPr lang="en-US" altLang="zh-Hans" sz="2401" dirty="0"/>
               <a:t>using</a:t>
             </a:r>
             <a:r>
-              <a:rPr lang="zh-Hans" altLang="en-US" sz="2160" dirty="0">
-                <a:latin typeface="Arial"/>
-                <a:cs typeface="Arial"/>
-              </a:rPr>
-              <a:t> </a:t>
-            </a:r>
-            <a:r>
-              <a:rPr lang="en-US" altLang="zh-Hans" sz="2160" dirty="0">
-                <a:latin typeface="Arial"/>
-                <a:cs typeface="Arial"/>
-              </a:rPr>
+              <a:rPr lang="zh-Hans" altLang="en-US" sz="2401" dirty="0"/>
+              <a:t> </a:t>
+            </a:r>
+            <a:r>
+              <a:rPr lang="en-US" altLang="zh-Hans" sz="2401" dirty="0"/>
               <a:t>700</a:t>
             </a:r>
             <a:r>
-              <a:rPr lang="zh-Hans" altLang="en-US" sz="2160" dirty="0">
-                <a:latin typeface="Arial"/>
-                <a:cs typeface="Arial"/>
-              </a:rPr>
-              <a:t> </a:t>
-            </a:r>
-            <a:r>
-              <a:rPr lang="en-US" altLang="zh-Hans" sz="2160" dirty="0">
-                <a:latin typeface="Arial"/>
-                <a:cs typeface="Arial"/>
-              </a:rPr>
+              <a:rPr lang="zh-Hans" altLang="en-US" sz="2401" dirty="0"/>
+              <a:t> </a:t>
+            </a:r>
+            <a:r>
+              <a:rPr lang="en-US" altLang="zh-Hans" sz="2401" dirty="0"/>
               <a:t>MRI</a:t>
             </a:r>
             <a:r>
-              <a:rPr lang="zh-Hans" altLang="en-US" sz="2160" dirty="0">
-                <a:latin typeface="Arial"/>
-                <a:cs typeface="Arial"/>
-              </a:rPr>
-              <a:t> </a:t>
-            </a:r>
-            <a:r>
-              <a:rPr lang="en-US" altLang="zh-Hans" sz="2160" dirty="0">
-                <a:latin typeface="Arial"/>
-                <a:cs typeface="Arial"/>
-              </a:rPr>
+              <a:rPr lang="zh-Hans" altLang="en-US" sz="2401" dirty="0"/>
+              <a:t> </a:t>
+            </a:r>
+            <a:r>
+              <a:rPr lang="en-US" altLang="zh-Hans" sz="2401" dirty="0"/>
               <a:t>images</a:t>
             </a:r>
             <a:r>
-              <a:rPr lang="zh-Hans" altLang="en-US" sz="2160" dirty="0">
-                <a:latin typeface="Arial"/>
-                <a:cs typeface="Arial"/>
-              </a:rPr>
-              <a:t> </a:t>
-            </a:r>
-            <a:r>
-              <a:rPr lang="en-US" altLang="zh-Hans" sz="2160" dirty="0">
-                <a:latin typeface="Arial"/>
-                <a:cs typeface="Arial"/>
-              </a:rPr>
+              <a:rPr lang="zh-Hans" altLang="en-US" sz="2401" dirty="0"/>
+              <a:t> </a:t>
+            </a:r>
+            <a:r>
+              <a:rPr lang="en-US" altLang="zh-Hans" sz="2401" dirty="0"/>
               <a:t>and</a:t>
             </a:r>
             <a:r>
-              <a:rPr lang="zh-Hans" altLang="en-US" sz="2160" dirty="0">
-                <a:latin typeface="Arial"/>
-                <a:cs typeface="Arial"/>
-              </a:rPr>
-              <a:t> </a:t>
-            </a:r>
-            <a:r>
-              <a:rPr lang="en-US" altLang="zh-Hans" sz="2160" dirty="0">
-                <a:latin typeface="Arial"/>
-                <a:cs typeface="Arial"/>
-              </a:rPr>
+              <a:rPr lang="zh-Hans" altLang="en-US" sz="2401" dirty="0"/>
+              <a:t> </a:t>
+            </a:r>
+            <a:r>
+              <a:rPr lang="en-US" altLang="zh-Hans" sz="2401" dirty="0"/>
               <a:t>its</a:t>
             </a:r>
             <a:r>
-              <a:rPr lang="zh-Hans" altLang="en-US" sz="2160" dirty="0">
-                <a:latin typeface="Arial"/>
-                <a:cs typeface="Arial"/>
-              </a:rPr>
-              <a:t> </a:t>
-            </a:r>
-            <a:r>
-              <a:rPr lang="en-US" altLang="zh-Hans" sz="2160" dirty="0">
-                <a:latin typeface="Arial"/>
-                <a:cs typeface="Arial"/>
-              </a:rPr>
+              <a:rPr lang="zh-Hans" altLang="en-US" sz="2401" dirty="0"/>
+              <a:t> </a:t>
+            </a:r>
+            <a:r>
+              <a:rPr lang="en-US" altLang="zh-Hans" sz="2401" dirty="0"/>
               <a:t>corresponding</a:t>
             </a:r>
             <a:r>
-              <a:rPr lang="zh-Hans" altLang="en-US" sz="2160" dirty="0">
-                <a:latin typeface="Arial"/>
-                <a:cs typeface="Arial"/>
-              </a:rPr>
-              <a:t> </a:t>
-            </a:r>
-            <a:r>
-              <a:rPr lang="en-US" altLang="zh-Hans" sz="2160" dirty="0">
-                <a:latin typeface="Arial"/>
-                <a:cs typeface="Arial"/>
-              </a:rPr>
+              <a:rPr lang="zh-Hans" altLang="en-US" sz="2401" dirty="0"/>
+              <a:t> </a:t>
+            </a:r>
+            <a:r>
+              <a:rPr lang="en-US" altLang="zh-Hans" sz="2401" dirty="0"/>
               <a:t>skull-stripped</a:t>
             </a:r>
             <a:r>
-              <a:rPr lang="zh-Hans" altLang="en-US" sz="2160" dirty="0">
-                <a:latin typeface="Arial"/>
-                <a:cs typeface="Arial"/>
-              </a:rPr>
-              <a:t> </a:t>
-            </a:r>
-            <a:r>
-              <a:rPr lang="en-US" altLang="zh-Hans" sz="2160" dirty="0">
-                <a:latin typeface="Arial"/>
-                <a:cs typeface="Arial"/>
-              </a:rPr>
+              <a:rPr lang="zh-Hans" altLang="en-US" sz="2401" dirty="0"/>
+              <a:t> </a:t>
+            </a:r>
+            <a:r>
+              <a:rPr lang="en-US" altLang="zh-Hans" sz="2401" dirty="0"/>
               <a:t>images</a:t>
             </a:r>
             <a:r>
-              <a:rPr lang="zh-Hans" altLang="en-US" sz="2160" dirty="0">
-                <a:latin typeface="Arial"/>
-                <a:cs typeface="Arial"/>
-              </a:rPr>
-              <a:t> </a:t>
-            </a:r>
-            <a:r>
-              <a:rPr lang="en-US" altLang="zh-Hans" sz="2160" dirty="0">
-                <a:latin typeface="Arial"/>
-                <a:cs typeface="Arial"/>
-              </a:rPr>
+              <a:rPr lang="zh-Hans" altLang="en-US" sz="2401" dirty="0"/>
+              <a:t> </a:t>
+            </a:r>
+            <a:r>
+              <a:rPr lang="en-US" altLang="zh-Hans" sz="2401" dirty="0"/>
               <a:t>with</a:t>
             </a:r>
             <a:r>
-              <a:rPr lang="zh-Hans" altLang="en-US" sz="2160" dirty="0">
-                <a:latin typeface="Arial"/>
-                <a:cs typeface="Arial"/>
-              </a:rPr>
-              <a:t> </a:t>
-            </a:r>
-            <a:r>
-              <a:rPr lang="en-US" altLang="zh-Hans" sz="2160" dirty="0">
-                <a:latin typeface="Arial"/>
-                <a:cs typeface="Arial"/>
-              </a:rPr>
+              <a:rPr lang="zh-Hans" altLang="en-US" sz="2401" dirty="0"/>
+              <a:t> </a:t>
+            </a:r>
+            <a:r>
+              <a:rPr lang="en-US" altLang="zh-Hans" sz="2401" dirty="0"/>
               <a:t>batch</a:t>
             </a:r>
             <a:r>
-              <a:rPr lang="zh-Hans" altLang="en-US" sz="2160" dirty="0">
-                <a:latin typeface="Arial"/>
-                <a:cs typeface="Arial"/>
-              </a:rPr>
-              <a:t> </a:t>
-            </a:r>
-            <a:r>
-              <a:rPr lang="en-US" altLang="zh-Hans" sz="2160" dirty="0">
-                <a:latin typeface="Arial"/>
-                <a:cs typeface="Arial"/>
-              </a:rPr>
+              <a:rPr lang="zh-Hans" altLang="en-US" sz="2401" dirty="0"/>
+              <a:t> </a:t>
+            </a:r>
+            <a:r>
+              <a:rPr lang="en-US" altLang="zh-Hans" sz="2401" dirty="0"/>
               <a:t>size</a:t>
             </a:r>
             <a:r>
-              <a:rPr lang="zh-Hans" altLang="en-US" sz="2160" dirty="0">
-                <a:latin typeface="Arial"/>
-                <a:cs typeface="Arial"/>
-              </a:rPr>
-              <a:t> </a:t>
-            </a:r>
-            <a:r>
-              <a:rPr lang="en-US" altLang="zh-Hans" sz="2160" dirty="0">
-                <a:latin typeface="Arial"/>
-                <a:cs typeface="Arial"/>
-              </a:rPr>
+              <a:rPr lang="zh-Hans" altLang="en-US" sz="2401" dirty="0"/>
+              <a:t> </a:t>
+            </a:r>
+            <a:r>
+              <a:rPr lang="en-US" altLang="zh-Hans" sz="2401" dirty="0"/>
               <a:t>15,</a:t>
             </a:r>
             <a:r>
-              <a:rPr lang="zh-Hans" altLang="en-US" sz="2160" dirty="0">
-                <a:latin typeface="Arial"/>
-                <a:cs typeface="Arial"/>
-              </a:rPr>
-              <a:t> </a:t>
-            </a:r>
-            <a:r>
-              <a:rPr lang="en-US" altLang="zh-Hans" sz="2160" dirty="0">
-                <a:latin typeface="Arial"/>
-                <a:cs typeface="Arial"/>
-              </a:rPr>
+              <a:rPr lang="zh-Hans" altLang="en-US" sz="2401" dirty="0"/>
+              <a:t> </a:t>
+            </a:r>
+            <a:r>
+              <a:rPr lang="en-US" altLang="zh-Hans" sz="2401" dirty="0"/>
               <a:t>learning</a:t>
             </a:r>
             <a:r>
-              <a:rPr lang="zh-Hans" altLang="en-US" sz="2160" dirty="0">
-                <a:latin typeface="Arial"/>
-                <a:cs typeface="Arial"/>
-              </a:rPr>
-              <a:t> </a:t>
-            </a:r>
-            <a:r>
-              <a:rPr lang="en-US" altLang="zh-Hans" sz="2160" dirty="0">
-                <a:latin typeface="Arial"/>
-                <a:cs typeface="Arial"/>
-              </a:rPr>
+              <a:rPr lang="zh-Hans" altLang="en-US" sz="2401" dirty="0"/>
+              <a:t> </a:t>
+            </a:r>
+            <a:r>
+              <a:rPr lang="en-US" altLang="zh-Hans" sz="2401" dirty="0"/>
               <a:t>rate</a:t>
             </a:r>
             <a:r>
-              <a:rPr lang="zh-Hans" altLang="en-US" sz="2160" dirty="0">
-                <a:latin typeface="Arial"/>
-                <a:cs typeface="Arial"/>
-              </a:rPr>
-              <a:t> </a:t>
-            </a:r>
-            <a:r>
-              <a:rPr lang="en-US" altLang="zh-Hans" sz="2160" dirty="0">
-                <a:latin typeface="Arial"/>
-                <a:cs typeface="Arial"/>
-              </a:rPr>
+              <a:rPr lang="zh-Hans" altLang="en-US" sz="2401" dirty="0"/>
+              <a:t> </a:t>
+            </a:r>
+            <a:r>
+              <a:rPr lang="en-US" altLang="zh-Hans" sz="2401" dirty="0"/>
               <a:t>0.003</a:t>
             </a:r>
             <a:r>
-              <a:rPr lang="zh-Hans" altLang="en-US" sz="2160" dirty="0">
-                <a:latin typeface="Arial"/>
-                <a:cs typeface="Arial"/>
-              </a:rPr>
-              <a:t> </a:t>
-            </a:r>
-            <a:r>
-              <a:rPr lang="en-US" altLang="zh-Hans" sz="2160" dirty="0">
-                <a:latin typeface="Arial"/>
-                <a:cs typeface="Arial"/>
-              </a:rPr>
+              <a:rPr lang="zh-Hans" altLang="en-US" sz="2401" dirty="0"/>
+              <a:t> </a:t>
+            </a:r>
+            <a:r>
+              <a:rPr lang="en-US" altLang="zh-Hans" sz="2401" dirty="0"/>
               <a:t>and</a:t>
             </a:r>
             <a:r>
-              <a:rPr lang="zh-Hans" altLang="en-US" sz="2160" dirty="0">
-                <a:latin typeface="Arial"/>
-                <a:cs typeface="Arial"/>
-              </a:rPr>
-              <a:t> </a:t>
-            </a:r>
-            <a:r>
-              <a:rPr lang="en-US" altLang="zh-Hans" sz="2160" dirty="0">
-                <a:latin typeface="Arial"/>
-                <a:cs typeface="Arial"/>
-              </a:rPr>
+              <a:rPr lang="zh-Hans" altLang="en-US" sz="2401" dirty="0"/>
+              <a:t> </a:t>
+            </a:r>
+            <a:r>
+              <a:rPr lang="en-US" altLang="zh-Hans" sz="2401" dirty="0"/>
               <a:t>50</a:t>
             </a:r>
             <a:r>
-              <a:rPr lang="zh-Hans" altLang="en-US" sz="2160" dirty="0">
-                <a:latin typeface="Arial"/>
-                <a:cs typeface="Arial"/>
-              </a:rPr>
-              <a:t> </a:t>
-            </a:r>
-            <a:r>
-              <a:rPr lang="en-US" altLang="zh-Hans" sz="2160" dirty="0">
-                <a:latin typeface="Arial"/>
-                <a:cs typeface="Arial"/>
-              </a:rPr>
+              <a:rPr lang="zh-Hans" altLang="en-US" sz="2401" dirty="0"/>
+              <a:t> </a:t>
+            </a:r>
+            <a:r>
+              <a:rPr lang="en-US" altLang="zh-Hans" sz="2401" dirty="0"/>
               <a:t>epochs,</a:t>
             </a:r>
             <a:r>
-              <a:rPr lang="zh-Hans" altLang="en-US" sz="2160" dirty="0">
-                <a:latin typeface="Arial"/>
-                <a:cs typeface="Arial"/>
-              </a:rPr>
-              <a:t> </a:t>
-            </a:r>
-            <a:r>
-              <a:rPr lang="en-US" altLang="zh-Hans" sz="2160" dirty="0">
-                <a:latin typeface="Arial"/>
-                <a:cs typeface="Arial"/>
-              </a:rPr>
+              <a:rPr lang="zh-Hans" altLang="en-US" sz="2401" dirty="0"/>
+              <a:t> </a:t>
+            </a:r>
+            <a:r>
+              <a:rPr lang="en-US" altLang="zh-Hans" sz="2401" dirty="0"/>
               <a:t>by</a:t>
             </a:r>
             <a:r>
-              <a:rPr lang="zh-Hans" altLang="en-US" sz="2160" dirty="0">
-                <a:latin typeface="Arial"/>
-                <a:cs typeface="Arial"/>
-              </a:rPr>
-              <a:t> </a:t>
-            </a:r>
-            <a:r>
-              <a:rPr lang="en-US" altLang="zh-Hans" sz="2160" dirty="0">
-                <a:latin typeface="Arial"/>
-                <a:cs typeface="Arial"/>
-              </a:rPr>
+              <a:rPr lang="zh-Hans" altLang="en-US" sz="2401" dirty="0"/>
+              <a:t> </a:t>
+            </a:r>
+            <a:r>
+              <a:rPr lang="en-US" altLang="zh-Hans" sz="2401" dirty="0"/>
               <a:t>optimizing</a:t>
             </a:r>
             <a:r>
-              <a:rPr lang="zh-Hans" altLang="en-US" sz="2160" dirty="0">
-                <a:latin typeface="Arial"/>
-                <a:cs typeface="Arial"/>
-              </a:rPr>
-              <a:t> </a:t>
-            </a:r>
-            <a:r>
-              <a:rPr lang="en-US" altLang="zh-Hans" sz="2160" dirty="0">
-                <a:latin typeface="Arial"/>
-                <a:cs typeface="Arial"/>
-              </a:rPr>
+              <a:rPr lang="zh-Hans" altLang="en-US" sz="2401" dirty="0"/>
+              <a:t> </a:t>
+            </a:r>
+            <a:r>
+              <a:rPr lang="en-US" altLang="zh-Hans" sz="2401" dirty="0"/>
               <a:t>the</a:t>
             </a:r>
             <a:r>
-              <a:rPr lang="zh-Hans" altLang="en-US" sz="2160" dirty="0">
-                <a:latin typeface="Arial"/>
-                <a:cs typeface="Arial"/>
-              </a:rPr>
-              <a:t> </a:t>
-            </a:r>
-            <a:r>
-              <a:rPr lang="en-US" altLang="zh-Hans" sz="2160" dirty="0">
-                <a:latin typeface="Arial"/>
-                <a:cs typeface="Arial"/>
-              </a:rPr>
+              <a:rPr lang="zh-Hans" altLang="en-US" sz="2401" dirty="0"/>
+              <a:t> </a:t>
+            </a:r>
+            <a:r>
+              <a:rPr lang="en-US" altLang="zh-Hans" sz="2401" dirty="0"/>
               <a:t>equation</a:t>
             </a:r>
             <a:r>
-              <a:rPr lang="zh-Hans" altLang="en-US" sz="2160" dirty="0">
-                <a:latin typeface="Arial"/>
-                <a:cs typeface="Arial"/>
-              </a:rPr>
-              <a:t> </a:t>
-            </a:r>
-            <a:r>
-              <a:rPr lang="en-US" altLang="zh-Hans" sz="2160" dirty="0">
-                <a:latin typeface="Arial"/>
-                <a:cs typeface="Arial"/>
-              </a:rPr>
+              <a:rPr lang="zh-Hans" altLang="en-US" sz="2401" dirty="0"/>
+              <a:t> </a:t>
+            </a:r>
+            <a:r>
+              <a:rPr lang="en-US" altLang="zh-Hans" sz="2401" dirty="0"/>
               <a:t>(1).</a:t>
             </a:r>
             <a:r>
-              <a:rPr lang="zh-Hans" altLang="en-US" sz="2160" dirty="0">
-                <a:latin typeface="Arial"/>
-                <a:cs typeface="Arial"/>
-              </a:rPr>
-              <a:t> </a:t>
-            </a:r>
-            <a:r>
-              <a:rPr lang="en-US" altLang="zh-Hans" sz="2160" dirty="0">
-                <a:latin typeface="Arial"/>
-                <a:cs typeface="Arial"/>
-              </a:rPr>
+              <a:rPr lang="zh-Hans" altLang="en-US" sz="2401" dirty="0"/>
+              <a:t> </a:t>
+            </a:r>
+            <a:r>
+              <a:rPr lang="en-US" altLang="zh-Hans" sz="2401" dirty="0"/>
               <a:t>Figure</a:t>
             </a:r>
             <a:r>
-              <a:rPr lang="zh-Hans" altLang="en-US" sz="2160" dirty="0">
-                <a:latin typeface="Arial"/>
-                <a:cs typeface="Arial"/>
-              </a:rPr>
-              <a:t> </a:t>
-            </a:r>
-            <a:r>
-              <a:rPr lang="en-US" altLang="zh-Hans" sz="2160" dirty="0">
-                <a:latin typeface="Arial"/>
-                <a:cs typeface="Arial"/>
-              </a:rPr>
+              <a:rPr lang="zh-Hans" altLang="en-US" sz="2401" dirty="0"/>
+              <a:t> </a:t>
+            </a:r>
+            <a:r>
+              <a:rPr lang="en-US" altLang="zh-Hans" sz="2401" dirty="0"/>
               <a:t>4</a:t>
             </a:r>
             <a:r>
-              <a:rPr lang="zh-Hans" altLang="en-US" sz="2160" dirty="0">
-                <a:latin typeface="Arial"/>
-                <a:cs typeface="Arial"/>
-              </a:rPr>
-              <a:t> </a:t>
-            </a:r>
-            <a:r>
-              <a:rPr lang="en-US" altLang="zh-Hans" sz="2160" dirty="0">
-                <a:latin typeface="Arial"/>
-                <a:cs typeface="Arial"/>
-              </a:rPr>
+              <a:rPr lang="zh-Hans" altLang="en-US" sz="2401" dirty="0"/>
+              <a:t> </a:t>
+            </a:r>
+            <a:r>
+              <a:rPr lang="en-US" altLang="zh-Hans" sz="2401" dirty="0"/>
               <a:t>above</a:t>
             </a:r>
             <a:r>
-              <a:rPr lang="zh-Hans" altLang="en-US" sz="2160" dirty="0">
-                <a:latin typeface="Arial"/>
-                <a:cs typeface="Arial"/>
-              </a:rPr>
-              <a:t> </a:t>
-            </a:r>
-            <a:r>
-              <a:rPr lang="en-US" altLang="zh-Hans" sz="2160" dirty="0">
-                <a:latin typeface="Arial"/>
-                <a:cs typeface="Arial"/>
-              </a:rPr>
+              <a:rPr lang="zh-Hans" altLang="en-US" sz="2401" dirty="0"/>
+              <a:t> </a:t>
+            </a:r>
+            <a:r>
+              <a:rPr lang="en-US" altLang="zh-Hans" sz="2401" dirty="0"/>
               <a:t>is</a:t>
             </a:r>
             <a:r>
-              <a:rPr lang="zh-Hans" altLang="en-US" sz="2160" dirty="0">
-                <a:latin typeface="Arial"/>
-                <a:cs typeface="Arial"/>
-              </a:rPr>
-              <a:t> </a:t>
-            </a:r>
-            <a:r>
-              <a:rPr lang="en-US" altLang="zh-Hans" sz="2160" dirty="0">
-                <a:latin typeface="Arial"/>
-                <a:cs typeface="Arial"/>
-              </a:rPr>
+              <a:rPr lang="zh-Hans" altLang="en-US" sz="2401" dirty="0"/>
+              <a:t> </a:t>
+            </a:r>
+            <a:r>
+              <a:rPr lang="en-US" altLang="zh-Hans" sz="2401" dirty="0"/>
               <a:t>the</a:t>
             </a:r>
             <a:r>
-              <a:rPr lang="zh-Hans" altLang="en-US" sz="2160" dirty="0">
-                <a:latin typeface="Arial"/>
-                <a:cs typeface="Arial"/>
-              </a:rPr>
-              <a:t> </a:t>
-            </a:r>
-            <a:r>
-              <a:rPr lang="en-US" altLang="zh-Hans" sz="2160" dirty="0">
-                <a:latin typeface="Arial"/>
-                <a:cs typeface="Arial"/>
-              </a:rPr>
+              <a:rPr lang="zh-Hans" altLang="en-US" sz="2401" dirty="0"/>
+              <a:t> </a:t>
+            </a:r>
+            <a:r>
+              <a:rPr lang="en-US" altLang="zh-Hans" sz="2401" dirty="0"/>
               <a:t>training</a:t>
             </a:r>
             <a:r>
-              <a:rPr lang="zh-Hans" altLang="en-US" sz="2160" dirty="0">
-                <a:latin typeface="Arial"/>
-                <a:cs typeface="Arial"/>
-              </a:rPr>
-              <a:t> </a:t>
-            </a:r>
-            <a:r>
-              <a:rPr lang="en-US" altLang="zh-Hans" sz="2160" dirty="0">
-                <a:latin typeface="Arial"/>
-                <a:cs typeface="Arial"/>
-              </a:rPr>
+              <a:rPr lang="zh-Hans" altLang="en-US" sz="2401" dirty="0"/>
+              <a:t> </a:t>
+            </a:r>
+            <a:r>
+              <a:rPr lang="en-US" altLang="zh-Hans" sz="2401" dirty="0"/>
               <a:t>loss.</a:t>
             </a:r>
           </a:p>
           <a:p>
-            <a:pPr marL="411440" indent="-411440">
-              <a:buFont typeface="Arial"/>
+            <a:pPr marL="342864" indent="-342864" algn="just">
+              <a:buFont typeface="Arial" panose="020B0604020202020204" pitchFamily="34" charset="0"/>
               <a:buChar char="•"/>
             </a:pPr>
-            <a:endParaRPr lang="en-US" altLang="zh-Hans" sz="2160" dirty="0">
-              <a:latin typeface="Arial"/>
-              <a:cs typeface="Arial"/>
-            </a:endParaRPr>
-          </a:p>
-          <a:p>
-            <a:pPr marL="411440" indent="-411440">
-              <a:buFont typeface="Arial"/>
-              <a:buChar char="•"/>
-            </a:pPr>
-            <a:r>
-              <a:rPr lang="en-US" altLang="zh-Hans" sz="2160" dirty="0">
-                <a:latin typeface="Arial"/>
-                <a:cs typeface="Arial"/>
-              </a:rPr>
+            <a:r>
+              <a:rPr lang="en-US" altLang="zh-Hans" sz="2401" dirty="0"/>
               <a:t>After numerous experiments, we found our model is able to detect the region of brain, but cannot reconstruct the stripped image with resolution as high as the input. Since skull stripping is a preprocessing step for other diagnosis, which requires high resolution brain images, we use reconstructed images as bitmasks applied to unstripped images. As shown below:</a:t>
             </a:r>
           </a:p>
@@ -2287,7 +2063,7 @@
         <p:spPr>
           <a:xfrm>
             <a:off x="22983100" y="6717332"/>
-            <a:ext cx="9052560" cy="13214950"/>
+            <a:ext cx="9052560" cy="12550153"/>
           </a:xfrm>
           <a:prstGeom prst="rect">
             <a:avLst/>
@@ -2465,7 +2241,7 @@
                 <a:latin typeface="Arial"/>
                 <a:cs typeface="Arial"/>
               </a:rPr>
-              <a:t>The first row are original unstripped images. And second row are learned stripped images. As shown in those images, our algorithm can perform skull stripping well on various slices of brains. The overall accuracy of our model is around 92%. One thing worth noting is that most of our model‘s inaccuracy comes from failing to strip a small portion of skull, As shown in figure 7.</a:t>
+              <a:t>The first row are original unstripped images. The second row are learned stripped images. As shown in those images, our algorithm can perform skull stripping well on various slices of brains. This is a deliberately introduced test line you should delete this line after you see it. The overall accuracy of our model is around 92%. One thing worth noting is that most of our model‘s inaccuracy comes from failing to strip a small portion of skull, As shown in figure 7.</a:t>
             </a:r>
             <a:r>
               <a:rPr lang="zh-Hans" altLang="en-US" sz="2160" dirty="0">
@@ -2545,15 +2321,6 @@
             </a:endParaRPr>
           </a:p>
           <a:p>
-            <a:endParaRPr lang="en-US" sz="4320" b="1" dirty="0">
-              <a:solidFill>
-                <a:srgbClr val="2D669D"/>
-              </a:solidFill>
-              <a:latin typeface="Arial"/>
-              <a:cs typeface="Arial"/>
-            </a:endParaRPr>
-          </a:p>
-          <a:p>
             <a:r>
               <a:rPr lang="en-US" sz="4320" b="1" dirty="0">
                 <a:solidFill>
@@ -2695,11 +2462,11 @@
               <a:t>“Methods on Skull Stripping of MRI Head Scan Images – a </a:t>
             </a:r>
             <a:r>
-              <a:rPr lang="en-US" sz="2160" b="1"/>
+              <a:rPr lang="en-US" sz="2160" b="1" dirty="0" err="1"/>
               <a:t>Review</a:t>
             </a:r>
             <a:r>
-              <a:rPr lang="en-US" sz="2160"/>
+              <a:rPr lang="en-US" sz="2160" dirty="0" err="1"/>
               <a:t>.”Advances</a:t>
             </a:r>
             <a:r>
@@ -3095,7 +2862,7 @@
           </p:blipFill>
           <p:spPr>
             <a:xfrm>
-              <a:off x="1422242" y="13760603"/>
+              <a:off x="1422242" y="13770438"/>
               <a:ext cx="6962153" cy="859842"/>
             </a:xfrm>
             <a:prstGeom prst="rect">
@@ -4202,7 +3969,7 @@
         </p:blipFill>
         <p:spPr>
           <a:xfrm>
-            <a:off x="27199219" y="10056183"/>
+            <a:off x="27199219" y="10473262"/>
             <a:ext cx="4385270" cy="3288952"/>
           </a:xfrm>
           <a:prstGeom prst="rect">

--- a/Poster.pptx
+++ b/Poster.pptx
@@ -217,7 +217,7 @@
           <a:p>
             <a:fld id="{EC5DAD25-F83A-E84F-8A45-00F8F1023B42}" type="datetimeFigureOut">
               <a:rPr lang="en-US" smtClean="0"/>
-              <a:t>5/30/2018</a:t>
+              <a:t>5/31/2018</a:t>
             </a:fld>
             <a:endParaRPr lang="en-US"/>
           </a:p>
@@ -931,7 +931,7 @@
         </p:blipFill>
         <p:spPr>
           <a:xfrm>
-            <a:off x="12324214" y="8931377"/>
+            <a:off x="12047252" y="7629809"/>
             <a:ext cx="4211223" cy="2405648"/>
           </a:xfrm>
           <a:prstGeom prst="rect">
@@ -941,715 +941,13 @@
       </p:pic>
       <p:sp>
         <p:nvSpPr>
-          <p:cNvPr id="7" name="TextBox 6"/>
-          <p:cNvSpPr txBox="1"/>
-          <p:nvPr/>
-        </p:nvSpPr>
-        <p:spPr>
-          <a:xfrm>
-            <a:off x="11771646" y="5009165"/>
-            <a:ext cx="9326880" cy="12405754"/>
-          </a:xfrm>
-          <a:prstGeom prst="rect">
-            <a:avLst/>
-          </a:prstGeom>
-          <a:noFill/>
-        </p:spPr>
-        <p:txBody>
-          <a:bodyPr wrap="square" lIns="65837" tIns="32918" rIns="65837" bIns="32918" rtlCol="0">
-            <a:spAutoFit/>
-          </a:bodyPr>
-          <a:lstStyle/>
-          <a:p>
-            <a:r>
-              <a:rPr lang="en-US" altLang="zh-Hans" sz="4320" b="1" dirty="0">
-                <a:solidFill>
-                  <a:srgbClr val="2D669D"/>
-                </a:solidFill>
-                <a:latin typeface="Arial"/>
-                <a:cs typeface="Arial"/>
-              </a:rPr>
-              <a:t>CNN</a:t>
-            </a:r>
-            <a:r>
-              <a:rPr lang="zh-Hans" altLang="en-US" sz="4320" b="1" dirty="0">
-                <a:solidFill>
-                  <a:srgbClr val="2D669D"/>
-                </a:solidFill>
-                <a:latin typeface="Arial"/>
-                <a:cs typeface="Arial"/>
-              </a:rPr>
-              <a:t> </a:t>
-            </a:r>
-            <a:r>
-              <a:rPr lang="en-US" altLang="zh-Hans" sz="4320" b="1" dirty="0">
-                <a:solidFill>
-                  <a:srgbClr val="2D669D"/>
-                </a:solidFill>
-                <a:latin typeface="Arial"/>
-                <a:cs typeface="Arial"/>
-              </a:rPr>
-              <a:t>Model</a:t>
-            </a:r>
-            <a:endParaRPr lang="en-US" sz="2401" dirty="0"/>
-          </a:p>
-          <a:p>
-            <a:pPr marL="342864" indent="-342864" algn="just">
-              <a:buFont typeface="Arial" panose="020B0604020202020204" pitchFamily="34" charset="0"/>
-              <a:buChar char="•"/>
-            </a:pPr>
-            <a:r>
-              <a:rPr lang="en-US" altLang="zh-Hans" sz="2401" dirty="0"/>
-              <a:t>We</a:t>
-            </a:r>
-            <a:r>
-              <a:rPr lang="zh-Hans" altLang="en-US" sz="2401" dirty="0"/>
-              <a:t> </a:t>
-            </a:r>
-            <a:r>
-              <a:rPr lang="en-US" altLang="zh-Hans" sz="2401" dirty="0"/>
-              <a:t>take</a:t>
-            </a:r>
-            <a:r>
-              <a:rPr lang="zh-Hans" altLang="en-US" sz="2401" dirty="0"/>
-              <a:t> </a:t>
-            </a:r>
-            <a:r>
-              <a:rPr lang="en-US" altLang="zh-Hans" sz="2401" dirty="0"/>
-              <a:t>a</a:t>
-            </a:r>
-            <a:r>
-              <a:rPr lang="zh-Hans" altLang="en-US" sz="2401" dirty="0"/>
-              <a:t> </a:t>
-            </a:r>
-            <a:r>
-              <a:rPr lang="en-US" altLang="zh-Hans" sz="2401" dirty="0"/>
-              <a:t>Convolutional</a:t>
-            </a:r>
-            <a:r>
-              <a:rPr lang="zh-Hans" altLang="en-US" sz="2401" dirty="0"/>
-              <a:t> </a:t>
-            </a:r>
-            <a:r>
-              <a:rPr lang="en-US" altLang="zh-Hans" sz="2401" dirty="0"/>
-              <a:t>Neural</a:t>
-            </a:r>
-            <a:r>
-              <a:rPr lang="zh-Hans" altLang="en-US" sz="2401" dirty="0"/>
-              <a:t> </a:t>
-            </a:r>
-            <a:r>
-              <a:rPr lang="en-US" altLang="zh-Hans" sz="2401" dirty="0"/>
-              <a:t>Network(CNN)</a:t>
-            </a:r>
-            <a:r>
-              <a:rPr lang="zh-Hans" altLang="en-US" sz="2401" dirty="0"/>
-              <a:t> </a:t>
-            </a:r>
-            <a:r>
-              <a:rPr lang="en-US" altLang="zh-Hans" sz="2401" dirty="0"/>
-              <a:t>approach</a:t>
-            </a:r>
-            <a:r>
-              <a:rPr lang="zh-Hans" altLang="en-US" sz="2401" dirty="0"/>
-              <a:t> </a:t>
-            </a:r>
-            <a:r>
-              <a:rPr lang="en-US" altLang="zh-Hans" sz="2401" dirty="0"/>
-              <a:t>in</a:t>
-            </a:r>
-            <a:r>
-              <a:rPr lang="zh-Hans" altLang="en-US" sz="2401" dirty="0"/>
-              <a:t> </a:t>
-            </a:r>
-            <a:r>
-              <a:rPr lang="en-US" altLang="zh-Hans" sz="2401" dirty="0"/>
-              <a:t>a</a:t>
-            </a:r>
-            <a:r>
-              <a:rPr lang="zh-Hans" altLang="en-US" sz="2401" dirty="0"/>
-              <a:t> </a:t>
-            </a:r>
-            <a:r>
-              <a:rPr lang="en-US" altLang="zh-Hans" sz="2401" dirty="0"/>
-              <a:t>way</a:t>
-            </a:r>
-            <a:r>
-              <a:rPr lang="zh-Hans" altLang="en-US" sz="2401" dirty="0"/>
-              <a:t> </a:t>
-            </a:r>
-            <a:r>
-              <a:rPr lang="en-US" altLang="zh-Hans" sz="2401" dirty="0"/>
-              <a:t>that</a:t>
-            </a:r>
-            <a:r>
-              <a:rPr lang="zh-Hans" altLang="en-US" sz="2401" dirty="0"/>
-              <a:t> </a:t>
-            </a:r>
-            <a:r>
-              <a:rPr lang="en-US" altLang="zh-Hans" sz="2401" dirty="0"/>
-              <a:t>is</a:t>
-            </a:r>
-            <a:r>
-              <a:rPr lang="zh-Hans" altLang="en-US" sz="2401" dirty="0"/>
-              <a:t> </a:t>
-            </a:r>
-            <a:r>
-              <a:rPr lang="en-US" altLang="zh-Hans" sz="2401" dirty="0"/>
-              <a:t>similar</a:t>
-            </a:r>
-            <a:r>
-              <a:rPr lang="zh-Hans" altLang="en-US" sz="2401" dirty="0"/>
-              <a:t> </a:t>
-            </a:r>
-            <a:r>
-              <a:rPr lang="en-US" altLang="zh-Hans" sz="2401" dirty="0"/>
-              <a:t>to</a:t>
-            </a:r>
-            <a:r>
-              <a:rPr lang="zh-Hans" altLang="en-US" sz="2401" dirty="0"/>
-              <a:t> </a:t>
-            </a:r>
-            <a:r>
-              <a:rPr lang="en-US" altLang="zh-Hans" sz="2401" dirty="0"/>
-              <a:t>Autoencoder.</a:t>
-            </a:r>
-            <a:r>
-              <a:rPr lang="zh-Hans" altLang="en-US" sz="2401" dirty="0"/>
-              <a:t> </a:t>
-            </a:r>
-            <a:r>
-              <a:rPr lang="en-US" altLang="zh-Hans" sz="2401" dirty="0"/>
-              <a:t>By</a:t>
-            </a:r>
-            <a:r>
-              <a:rPr lang="zh-Hans" altLang="en-US" sz="2401" dirty="0"/>
-              <a:t> </a:t>
-            </a:r>
-            <a:r>
-              <a:rPr lang="en-US" altLang="zh-Hans" sz="2401" dirty="0"/>
-              <a:t>compressing</a:t>
-            </a:r>
-            <a:r>
-              <a:rPr lang="zh-Hans" altLang="en-US" sz="2401" dirty="0"/>
-              <a:t> </a:t>
-            </a:r>
-            <a:r>
-              <a:rPr lang="en-US" altLang="zh-Hans" sz="2401" dirty="0"/>
-              <a:t>and</a:t>
-            </a:r>
-            <a:r>
-              <a:rPr lang="zh-Hans" altLang="en-US" sz="2401" dirty="0"/>
-              <a:t> </a:t>
-            </a:r>
-            <a:r>
-              <a:rPr lang="en-US" altLang="zh-Hans" sz="2401" dirty="0"/>
-              <a:t>decompressing</a:t>
-            </a:r>
-            <a:r>
-              <a:rPr lang="zh-Hans" altLang="en-US" sz="2401" dirty="0"/>
-              <a:t> </a:t>
-            </a:r>
-            <a:r>
-              <a:rPr lang="en-US" altLang="zh-Hans" sz="2401" dirty="0"/>
-              <a:t>the</a:t>
-            </a:r>
-            <a:r>
-              <a:rPr lang="zh-Hans" altLang="en-US" sz="2401" dirty="0"/>
-              <a:t> </a:t>
-            </a:r>
-            <a:r>
-              <a:rPr lang="en-US" altLang="zh-Hans" sz="2401" dirty="0"/>
-              <a:t>MRI</a:t>
-            </a:r>
-            <a:r>
-              <a:rPr lang="zh-Hans" altLang="en-US" sz="2401" dirty="0"/>
-              <a:t> </a:t>
-            </a:r>
-            <a:r>
-              <a:rPr lang="en-US" altLang="zh-Hans" sz="2401" dirty="0"/>
-              <a:t>images,</a:t>
-            </a:r>
-            <a:r>
-              <a:rPr lang="zh-Hans" altLang="en-US" sz="2401" dirty="0"/>
-              <a:t> </a:t>
-            </a:r>
-            <a:r>
-              <a:rPr lang="en-US" altLang="zh-Hans" sz="2401" dirty="0"/>
-              <a:t>our</a:t>
-            </a:r>
-            <a:r>
-              <a:rPr lang="zh-Hans" altLang="en-US" sz="2401" dirty="0"/>
-              <a:t> </a:t>
-            </a:r>
-            <a:r>
-              <a:rPr lang="en-US" altLang="zh-Hans" sz="2401" dirty="0"/>
-              <a:t>model</a:t>
-            </a:r>
-            <a:r>
-              <a:rPr lang="zh-Hans" altLang="en-US" sz="2401" dirty="0"/>
-              <a:t> </a:t>
-            </a:r>
-            <a:r>
-              <a:rPr lang="en-US" altLang="zh-Hans" sz="2401" dirty="0"/>
-              <a:t>tries</a:t>
-            </a:r>
-            <a:r>
-              <a:rPr lang="zh-Hans" altLang="en-US" sz="2401" dirty="0"/>
-              <a:t> </a:t>
-            </a:r>
-            <a:r>
-              <a:rPr lang="en-US" altLang="zh-Hans" sz="2401" dirty="0"/>
-              <a:t>to</a:t>
-            </a:r>
-            <a:r>
-              <a:rPr lang="zh-Hans" altLang="en-US" sz="2401" dirty="0"/>
-              <a:t> </a:t>
-            </a:r>
-            <a:r>
-              <a:rPr lang="en-US" altLang="zh-Hans" sz="2401" dirty="0"/>
-              <a:t>learn</a:t>
-            </a:r>
-            <a:r>
-              <a:rPr lang="zh-Hans" altLang="en-US" sz="2401" dirty="0"/>
-              <a:t> </a:t>
-            </a:r>
-            <a:r>
-              <a:rPr lang="en-US" altLang="zh-Hans" sz="2401" dirty="0"/>
-              <a:t>the</a:t>
-            </a:r>
-            <a:r>
-              <a:rPr lang="zh-Hans" altLang="en-US" sz="2401" dirty="0"/>
-              <a:t> </a:t>
-            </a:r>
-            <a:r>
-              <a:rPr lang="en-US" altLang="zh-Hans" sz="2401" dirty="0"/>
-              <a:t>representative</a:t>
-            </a:r>
-            <a:r>
-              <a:rPr lang="zh-Hans" altLang="en-US" sz="2401" dirty="0"/>
-              <a:t> </a:t>
-            </a:r>
-            <a:r>
-              <a:rPr lang="en-US" altLang="zh-Hans" sz="2401" dirty="0"/>
-              <a:t>features</a:t>
-            </a:r>
-            <a:r>
-              <a:rPr lang="zh-Hans" altLang="en-US" sz="2401" dirty="0"/>
-              <a:t> </a:t>
-            </a:r>
-            <a:r>
-              <a:rPr lang="en-US" altLang="zh-Hans" sz="2401" dirty="0"/>
-              <a:t>of</a:t>
-            </a:r>
-            <a:r>
-              <a:rPr lang="zh-Hans" altLang="en-US" sz="2401" dirty="0"/>
-              <a:t> </a:t>
-            </a:r>
-            <a:r>
-              <a:rPr lang="en-US" altLang="zh-Hans" sz="2401" dirty="0"/>
-              <a:t>the</a:t>
-            </a:r>
-            <a:r>
-              <a:rPr lang="zh-Hans" altLang="en-US" sz="2401" dirty="0"/>
-              <a:t> </a:t>
-            </a:r>
-            <a:r>
-              <a:rPr lang="en-US" altLang="zh-Hans" sz="2401" dirty="0"/>
-              <a:t>brain</a:t>
-            </a:r>
-            <a:r>
-              <a:rPr lang="zh-Hans" altLang="en-US" sz="2401" dirty="0"/>
-              <a:t> </a:t>
-            </a:r>
-            <a:r>
-              <a:rPr lang="en-US" altLang="zh-Hans" sz="2401" dirty="0"/>
-              <a:t>structures.</a:t>
-            </a:r>
-            <a:r>
-              <a:rPr lang="zh-Hans" altLang="en-US" sz="2401" dirty="0"/>
-              <a:t> </a:t>
-            </a:r>
-            <a:r>
-              <a:rPr lang="en-US" altLang="zh-Hans" sz="2401" dirty="0"/>
-              <a:t>In encoder part of the model, we choose three convolution layers with three max pooling layers. For the decoder part, we use three convolution layers, three deconvolution layers and an extra reconstruction layer to reconstruct the input image. Figure 3 below is an illustration of our model.</a:t>
-            </a:r>
-          </a:p>
-          <a:p>
-            <a:pPr algn="just"/>
-            <a:endParaRPr lang="en-US" altLang="zh-Hans" sz="2401" dirty="0"/>
-          </a:p>
-          <a:p>
-            <a:pPr algn="just"/>
-            <a:endParaRPr lang="en-US" altLang="zh-Hans" sz="2401" dirty="0"/>
-          </a:p>
-          <a:p>
-            <a:pPr algn="just"/>
-            <a:endParaRPr lang="en-US" altLang="zh-Hans" sz="2401" dirty="0"/>
-          </a:p>
-          <a:p>
-            <a:pPr algn="just"/>
-            <a:endParaRPr lang="en-US" altLang="zh-Hans" sz="2401" dirty="0"/>
-          </a:p>
-          <a:p>
-            <a:pPr algn="just"/>
-            <a:endParaRPr lang="en-US" altLang="zh-Hans" sz="2401" dirty="0"/>
-          </a:p>
-          <a:p>
-            <a:pPr algn="just"/>
-            <a:endParaRPr lang="en-US" altLang="zh-Hans" sz="2401" dirty="0"/>
-          </a:p>
-          <a:p>
-            <a:pPr algn="just"/>
-            <a:endParaRPr lang="en-US" altLang="zh-Hans" sz="2401" dirty="0"/>
-          </a:p>
-          <a:p>
-            <a:pPr algn="just"/>
-            <a:endParaRPr lang="en-US" altLang="zh-Hans" sz="2401" dirty="0"/>
-          </a:p>
-          <a:p>
-            <a:pPr algn="just"/>
-            <a:endParaRPr lang="en-US" sz="2401" dirty="0"/>
-          </a:p>
-          <a:p>
-            <a:endParaRPr lang="en-US" altLang="zh-Hans" sz="2160" dirty="0">
-              <a:latin typeface="Arial"/>
-              <a:cs typeface="Arial"/>
-            </a:endParaRPr>
-          </a:p>
-          <a:p>
-            <a:pPr marL="342864" indent="-342864" algn="just">
-              <a:buFont typeface="Arial" panose="020B0604020202020204" pitchFamily="34" charset="0"/>
-              <a:buChar char="•"/>
-            </a:pPr>
-            <a:r>
-              <a:rPr lang="en-US" altLang="zh-Hans" sz="2401" dirty="0"/>
-              <a:t>We</a:t>
-            </a:r>
-            <a:r>
-              <a:rPr lang="zh-Hans" altLang="en-US" sz="2401" dirty="0"/>
-              <a:t> </a:t>
-            </a:r>
-            <a:r>
-              <a:rPr lang="en-US" altLang="zh-Hans" sz="2401" dirty="0"/>
-              <a:t>trained</a:t>
-            </a:r>
-            <a:r>
-              <a:rPr lang="zh-Hans" altLang="en-US" sz="2401" dirty="0"/>
-              <a:t> </a:t>
-            </a:r>
-            <a:r>
-              <a:rPr lang="en-US" altLang="zh-Hans" sz="2401" dirty="0"/>
-              <a:t>our</a:t>
-            </a:r>
-            <a:r>
-              <a:rPr lang="zh-Hans" altLang="en-US" sz="2401" dirty="0"/>
-              <a:t> </a:t>
-            </a:r>
-            <a:r>
-              <a:rPr lang="en-US" altLang="zh-Hans" sz="2401" dirty="0"/>
-              <a:t>model</a:t>
-            </a:r>
-            <a:r>
-              <a:rPr lang="zh-Hans" altLang="en-US" sz="2401" dirty="0"/>
-              <a:t> </a:t>
-            </a:r>
-            <a:r>
-              <a:rPr lang="en-US" altLang="zh-Hans" sz="2401" dirty="0"/>
-              <a:t>using</a:t>
-            </a:r>
-            <a:r>
-              <a:rPr lang="zh-Hans" altLang="en-US" sz="2401" dirty="0"/>
-              <a:t> </a:t>
-            </a:r>
-            <a:r>
-              <a:rPr lang="en-US" altLang="zh-Hans" sz="2401" dirty="0"/>
-              <a:t>700</a:t>
-            </a:r>
-            <a:r>
-              <a:rPr lang="zh-Hans" altLang="en-US" sz="2401" dirty="0"/>
-              <a:t> </a:t>
-            </a:r>
-            <a:r>
-              <a:rPr lang="en-US" altLang="zh-Hans" sz="2401" dirty="0"/>
-              <a:t>MRI</a:t>
-            </a:r>
-            <a:r>
-              <a:rPr lang="zh-Hans" altLang="en-US" sz="2401" dirty="0"/>
-              <a:t> </a:t>
-            </a:r>
-            <a:r>
-              <a:rPr lang="en-US" altLang="zh-Hans" sz="2401" dirty="0"/>
-              <a:t>images</a:t>
-            </a:r>
-            <a:r>
-              <a:rPr lang="zh-Hans" altLang="en-US" sz="2401" dirty="0"/>
-              <a:t> </a:t>
-            </a:r>
-            <a:r>
-              <a:rPr lang="en-US" altLang="zh-Hans" sz="2401" dirty="0"/>
-              <a:t>and</a:t>
-            </a:r>
-            <a:r>
-              <a:rPr lang="zh-Hans" altLang="en-US" sz="2401" dirty="0"/>
-              <a:t> </a:t>
-            </a:r>
-            <a:r>
-              <a:rPr lang="en-US" altLang="zh-Hans" sz="2401" dirty="0"/>
-              <a:t>its</a:t>
-            </a:r>
-            <a:r>
-              <a:rPr lang="zh-Hans" altLang="en-US" sz="2401" dirty="0"/>
-              <a:t> </a:t>
-            </a:r>
-            <a:r>
-              <a:rPr lang="en-US" altLang="zh-Hans" sz="2401" dirty="0"/>
-              <a:t>corresponding</a:t>
-            </a:r>
-            <a:r>
-              <a:rPr lang="zh-Hans" altLang="en-US" sz="2401" dirty="0"/>
-              <a:t> </a:t>
-            </a:r>
-            <a:r>
-              <a:rPr lang="en-US" altLang="zh-Hans" sz="2401" dirty="0"/>
-              <a:t>skull-stripped</a:t>
-            </a:r>
-            <a:r>
-              <a:rPr lang="zh-Hans" altLang="en-US" sz="2401" dirty="0"/>
-              <a:t> </a:t>
-            </a:r>
-            <a:r>
-              <a:rPr lang="en-US" altLang="zh-Hans" sz="2401" dirty="0"/>
-              <a:t>images</a:t>
-            </a:r>
-            <a:r>
-              <a:rPr lang="zh-Hans" altLang="en-US" sz="2401" dirty="0"/>
-              <a:t> </a:t>
-            </a:r>
-            <a:r>
-              <a:rPr lang="en-US" altLang="zh-Hans" sz="2401" dirty="0"/>
-              <a:t>with</a:t>
-            </a:r>
-            <a:r>
-              <a:rPr lang="zh-Hans" altLang="en-US" sz="2401" dirty="0"/>
-              <a:t> </a:t>
-            </a:r>
-            <a:r>
-              <a:rPr lang="en-US" altLang="zh-Hans" sz="2401" dirty="0"/>
-              <a:t>batch</a:t>
-            </a:r>
-            <a:r>
-              <a:rPr lang="zh-Hans" altLang="en-US" sz="2401" dirty="0"/>
-              <a:t> </a:t>
-            </a:r>
-            <a:r>
-              <a:rPr lang="en-US" altLang="zh-Hans" sz="2401" dirty="0"/>
-              <a:t>size</a:t>
-            </a:r>
-            <a:r>
-              <a:rPr lang="zh-Hans" altLang="en-US" sz="2401" dirty="0"/>
-              <a:t> </a:t>
-            </a:r>
-            <a:r>
-              <a:rPr lang="en-US" altLang="zh-Hans" sz="2401" dirty="0"/>
-              <a:t>15,</a:t>
-            </a:r>
-            <a:r>
-              <a:rPr lang="zh-Hans" altLang="en-US" sz="2401" dirty="0"/>
-              <a:t> </a:t>
-            </a:r>
-            <a:r>
-              <a:rPr lang="en-US" altLang="zh-Hans" sz="2401" dirty="0"/>
-              <a:t>learning</a:t>
-            </a:r>
-            <a:r>
-              <a:rPr lang="zh-Hans" altLang="en-US" sz="2401" dirty="0"/>
-              <a:t> </a:t>
-            </a:r>
-            <a:r>
-              <a:rPr lang="en-US" altLang="zh-Hans" sz="2401" dirty="0"/>
-              <a:t>rate</a:t>
-            </a:r>
-            <a:r>
-              <a:rPr lang="zh-Hans" altLang="en-US" sz="2401" dirty="0"/>
-              <a:t> </a:t>
-            </a:r>
-            <a:r>
-              <a:rPr lang="en-US" altLang="zh-Hans" sz="2401" dirty="0"/>
-              <a:t>0.003</a:t>
-            </a:r>
-            <a:r>
-              <a:rPr lang="zh-Hans" altLang="en-US" sz="2401" dirty="0"/>
-              <a:t> </a:t>
-            </a:r>
-            <a:r>
-              <a:rPr lang="en-US" altLang="zh-Hans" sz="2401" dirty="0"/>
-              <a:t>and</a:t>
-            </a:r>
-            <a:r>
-              <a:rPr lang="zh-Hans" altLang="en-US" sz="2401" dirty="0"/>
-              <a:t> </a:t>
-            </a:r>
-            <a:r>
-              <a:rPr lang="en-US" altLang="zh-Hans" sz="2401" dirty="0"/>
-              <a:t>50</a:t>
-            </a:r>
-            <a:r>
-              <a:rPr lang="zh-Hans" altLang="en-US" sz="2401" dirty="0"/>
-              <a:t> </a:t>
-            </a:r>
-            <a:r>
-              <a:rPr lang="en-US" altLang="zh-Hans" sz="2401" dirty="0"/>
-              <a:t>epochs,</a:t>
-            </a:r>
-            <a:r>
-              <a:rPr lang="zh-Hans" altLang="en-US" sz="2401" dirty="0"/>
-              <a:t> </a:t>
-            </a:r>
-            <a:r>
-              <a:rPr lang="en-US" altLang="zh-Hans" sz="2401" dirty="0"/>
-              <a:t>by</a:t>
-            </a:r>
-            <a:r>
-              <a:rPr lang="zh-Hans" altLang="en-US" sz="2401" dirty="0"/>
-              <a:t> </a:t>
-            </a:r>
-            <a:r>
-              <a:rPr lang="en-US" altLang="zh-Hans" sz="2401" dirty="0"/>
-              <a:t>optimizing</a:t>
-            </a:r>
-            <a:r>
-              <a:rPr lang="zh-Hans" altLang="en-US" sz="2401" dirty="0"/>
-              <a:t> </a:t>
-            </a:r>
-            <a:r>
-              <a:rPr lang="en-US" altLang="zh-Hans" sz="2401" dirty="0"/>
-              <a:t>the</a:t>
-            </a:r>
-            <a:r>
-              <a:rPr lang="zh-Hans" altLang="en-US" sz="2401" dirty="0"/>
-              <a:t> </a:t>
-            </a:r>
-            <a:r>
-              <a:rPr lang="en-US" altLang="zh-Hans" sz="2401" dirty="0"/>
-              <a:t>equation</a:t>
-            </a:r>
-            <a:r>
-              <a:rPr lang="zh-Hans" altLang="en-US" sz="2401" dirty="0"/>
-              <a:t> </a:t>
-            </a:r>
-            <a:r>
-              <a:rPr lang="en-US" altLang="zh-Hans" sz="2401" dirty="0"/>
-              <a:t>(1).</a:t>
-            </a:r>
-            <a:r>
-              <a:rPr lang="zh-Hans" altLang="en-US" sz="2401" dirty="0"/>
-              <a:t> </a:t>
-            </a:r>
-            <a:r>
-              <a:rPr lang="en-US" altLang="zh-Hans" sz="2401" dirty="0"/>
-              <a:t>Figure</a:t>
-            </a:r>
-            <a:r>
-              <a:rPr lang="zh-Hans" altLang="en-US" sz="2401" dirty="0"/>
-              <a:t> </a:t>
-            </a:r>
-            <a:r>
-              <a:rPr lang="en-US" altLang="zh-Hans" sz="2401" dirty="0"/>
-              <a:t>4</a:t>
-            </a:r>
-            <a:r>
-              <a:rPr lang="zh-Hans" altLang="en-US" sz="2401" dirty="0"/>
-              <a:t> </a:t>
-            </a:r>
-            <a:r>
-              <a:rPr lang="en-US" altLang="zh-Hans" sz="2401" dirty="0"/>
-              <a:t>above</a:t>
-            </a:r>
-            <a:r>
-              <a:rPr lang="zh-Hans" altLang="en-US" sz="2401" dirty="0"/>
-              <a:t> </a:t>
-            </a:r>
-            <a:r>
-              <a:rPr lang="en-US" altLang="zh-Hans" sz="2401" dirty="0"/>
-              <a:t>is</a:t>
-            </a:r>
-            <a:r>
-              <a:rPr lang="zh-Hans" altLang="en-US" sz="2401" dirty="0"/>
-              <a:t> </a:t>
-            </a:r>
-            <a:r>
-              <a:rPr lang="en-US" altLang="zh-Hans" sz="2401" dirty="0"/>
-              <a:t>the</a:t>
-            </a:r>
-            <a:r>
-              <a:rPr lang="zh-Hans" altLang="en-US" sz="2401" dirty="0"/>
-              <a:t> </a:t>
-            </a:r>
-            <a:r>
-              <a:rPr lang="en-US" altLang="zh-Hans" sz="2401" dirty="0"/>
-              <a:t>training</a:t>
-            </a:r>
-            <a:r>
-              <a:rPr lang="zh-Hans" altLang="en-US" sz="2401" dirty="0"/>
-              <a:t> </a:t>
-            </a:r>
-            <a:r>
-              <a:rPr lang="en-US" altLang="zh-Hans" sz="2401" dirty="0"/>
-              <a:t>loss.</a:t>
-            </a:r>
-          </a:p>
-          <a:p>
-            <a:pPr marL="342864" indent="-342864" algn="just">
-              <a:buFont typeface="Arial" panose="020B0604020202020204" pitchFamily="34" charset="0"/>
-              <a:buChar char="•"/>
-            </a:pPr>
-            <a:r>
-              <a:rPr lang="en-US" altLang="zh-Hans" sz="2401" dirty="0"/>
-              <a:t>After numerous experiments, we found our model is able to detect the region of brain, but cannot reconstruct the stripped image with resolution as high as the input. Since skull stripping is a preprocessing step for other diagnosis, which requires high resolution brain images, we use reconstructed images as bitmasks applied to unstripped images. As shown below:</a:t>
-            </a:r>
-          </a:p>
-          <a:p>
-            <a:pPr marL="411440" indent="-411440">
-              <a:buFont typeface="Arial"/>
-              <a:buChar char="•"/>
-            </a:pPr>
-            <a:endParaRPr lang="en-US" altLang="zh-Hans" sz="2160" dirty="0">
-              <a:latin typeface="Arial"/>
-              <a:cs typeface="Arial"/>
-            </a:endParaRPr>
-          </a:p>
-          <a:p>
-            <a:pPr marL="411440" indent="-411440">
-              <a:buFont typeface="Arial"/>
-              <a:buChar char="•"/>
-            </a:pPr>
-            <a:endParaRPr lang="en-US" sz="2160" dirty="0">
-              <a:latin typeface="Arial"/>
-              <a:cs typeface="Arial"/>
-            </a:endParaRPr>
-          </a:p>
-          <a:p>
-            <a:pPr marL="411440" indent="-411440">
-              <a:buFont typeface="Arial"/>
-              <a:buChar char="•"/>
-            </a:pPr>
-            <a:endParaRPr lang="en-US" sz="2160" dirty="0">
-              <a:latin typeface="Arial"/>
-              <a:cs typeface="Arial"/>
-            </a:endParaRPr>
-          </a:p>
-        </p:txBody>
-      </p:sp>
-      <p:sp>
-        <p:nvSpPr>
           <p:cNvPr id="16" name="TextBox 15"/>
           <p:cNvSpPr txBox="1"/>
           <p:nvPr/>
         </p:nvSpPr>
         <p:spPr>
           <a:xfrm>
-            <a:off x="10390909" y="11324268"/>
+            <a:off x="10185071" y="10276850"/>
             <a:ext cx="9577703" cy="424732"/>
           </a:xfrm>
           <a:prstGeom prst="rect">
@@ -2063,7 +1361,7 @@
         <p:spPr>
           <a:xfrm>
             <a:off x="22983100" y="6717332"/>
-            <a:ext cx="9052560" cy="12550153"/>
+            <a:ext cx="9052560" cy="12404215"/>
           </a:xfrm>
           <a:prstGeom prst="rect">
             <a:avLst/>
@@ -2097,218 +1395,161 @@
               <a:buChar char="•"/>
             </a:pPr>
             <a:r>
-              <a:rPr lang="en-US" altLang="zh-Hans" sz="2160" dirty="0">
-                <a:latin typeface="Arial"/>
-                <a:cs typeface="Arial"/>
-              </a:rPr>
+              <a:rPr lang="en-US" altLang="zh-Hans" sz="2401" dirty="0"/>
               <a:t>Figure</a:t>
             </a:r>
             <a:r>
-              <a:rPr lang="zh-Hans" altLang="en-US" sz="2160" dirty="0">
-                <a:latin typeface="Arial"/>
-                <a:cs typeface="Arial"/>
-              </a:rPr>
-              <a:t> </a:t>
-            </a:r>
-            <a:r>
-              <a:rPr lang="en-US" altLang="zh-Hans" sz="2160" dirty="0">
-                <a:latin typeface="Arial"/>
-                <a:cs typeface="Arial"/>
-              </a:rPr>
+              <a:rPr lang="zh-Hans" altLang="en-US" sz="2401" dirty="0"/>
+              <a:t> </a:t>
+            </a:r>
+            <a:r>
+              <a:rPr lang="en-US" altLang="zh-Hans" sz="2401" dirty="0"/>
               <a:t>6</a:t>
             </a:r>
             <a:r>
-              <a:rPr lang="zh-Hans" altLang="en-US" sz="2160" dirty="0">
-                <a:latin typeface="Arial"/>
-                <a:cs typeface="Arial"/>
-              </a:rPr>
-              <a:t> </a:t>
-            </a:r>
-            <a:r>
-              <a:rPr lang="en-US" altLang="zh-Hans" sz="2160" dirty="0">
-                <a:latin typeface="Arial"/>
-                <a:cs typeface="Arial"/>
-              </a:rPr>
-              <a:t>above</a:t>
-            </a:r>
-            <a:r>
-              <a:rPr lang="zh-Hans" altLang="en-US" sz="2160" dirty="0">
-                <a:latin typeface="Arial"/>
-                <a:cs typeface="Arial"/>
-              </a:rPr>
-              <a:t> </a:t>
-            </a:r>
-            <a:r>
-              <a:rPr lang="en-US" altLang="zh-Hans" sz="2160" dirty="0">
-                <a:latin typeface="Arial"/>
-                <a:cs typeface="Arial"/>
-              </a:rPr>
+              <a:rPr lang="zh-Hans" altLang="en-US" sz="2401" dirty="0"/>
+              <a:t> </a:t>
+            </a:r>
+            <a:r>
+              <a:rPr lang="en-US" altLang="zh-Hans" sz="2401" dirty="0"/>
               <a:t>are</a:t>
             </a:r>
             <a:r>
-              <a:rPr lang="zh-Hans" altLang="en-US" sz="2160" dirty="0">
-                <a:latin typeface="Arial"/>
-                <a:cs typeface="Arial"/>
-              </a:rPr>
-              <a:t> </a:t>
-            </a:r>
-            <a:r>
-              <a:rPr lang="en-US" altLang="zh-Hans" sz="2160" dirty="0">
-                <a:latin typeface="Arial"/>
-                <a:cs typeface="Arial"/>
-              </a:rPr>
+              <a:rPr lang="zh-Hans" altLang="en-US" sz="2401" dirty="0"/>
+              <a:t> </a:t>
+            </a:r>
+            <a:r>
+              <a:rPr lang="en-US" altLang="zh-Hans" sz="2401" dirty="0"/>
               <a:t>the</a:t>
             </a:r>
             <a:r>
-              <a:rPr lang="zh-Hans" altLang="en-US" sz="2160" dirty="0">
-                <a:latin typeface="Arial"/>
-                <a:cs typeface="Arial"/>
-              </a:rPr>
-              <a:t> </a:t>
-            </a:r>
-            <a:r>
-              <a:rPr lang="en-US" altLang="zh-Hans" sz="2160" dirty="0">
-                <a:latin typeface="Arial"/>
-                <a:cs typeface="Arial"/>
-              </a:rPr>
+              <a:rPr lang="zh-Hans" altLang="en-US" sz="2401" dirty="0"/>
+              <a:t> </a:t>
+            </a:r>
+            <a:r>
+              <a:rPr lang="en-US" altLang="zh-Hans" sz="2401" dirty="0"/>
               <a:t>test</a:t>
             </a:r>
             <a:r>
-              <a:rPr lang="zh-Hans" altLang="en-US" sz="2160" dirty="0">
-                <a:latin typeface="Arial"/>
-                <a:cs typeface="Arial"/>
-              </a:rPr>
-              <a:t> </a:t>
-            </a:r>
-            <a:r>
-              <a:rPr lang="en-US" altLang="zh-Hans" sz="2160" dirty="0">
-                <a:latin typeface="Arial"/>
-                <a:cs typeface="Arial"/>
-              </a:rPr>
+              <a:rPr lang="zh-Hans" altLang="en-US" sz="2401" dirty="0"/>
+              <a:t> </a:t>
+            </a:r>
+            <a:r>
+              <a:rPr lang="en-US" altLang="zh-Hans" sz="2401" dirty="0"/>
               <a:t>results</a:t>
             </a:r>
             <a:r>
-              <a:rPr lang="zh-Hans" altLang="en-US" sz="2160" dirty="0">
-                <a:latin typeface="Arial"/>
-                <a:cs typeface="Arial"/>
-              </a:rPr>
-              <a:t> </a:t>
-            </a:r>
-            <a:r>
-              <a:rPr lang="en-US" altLang="zh-Hans" sz="2160" dirty="0">
-                <a:latin typeface="Arial"/>
-                <a:cs typeface="Arial"/>
-              </a:rPr>
+              <a:rPr lang="zh-Hans" altLang="en-US" sz="2401" dirty="0"/>
+              <a:t> </a:t>
+            </a:r>
+            <a:r>
+              <a:rPr lang="en-US" altLang="zh-Hans" sz="2401" dirty="0"/>
               <a:t>of</a:t>
             </a:r>
             <a:r>
-              <a:rPr lang="zh-Hans" altLang="en-US" sz="2160" dirty="0">
-                <a:latin typeface="Arial"/>
-                <a:cs typeface="Arial"/>
-              </a:rPr>
-              <a:t> </a:t>
-            </a:r>
-            <a:r>
-              <a:rPr lang="en-US" altLang="zh-Hans" sz="2160" dirty="0">
-                <a:latin typeface="Arial"/>
-                <a:cs typeface="Arial"/>
-              </a:rPr>
+              <a:rPr lang="zh-Hans" altLang="en-US" sz="2401" dirty="0"/>
+              <a:t> </a:t>
+            </a:r>
+            <a:r>
+              <a:rPr lang="en-US" altLang="zh-Hans" sz="2401" dirty="0"/>
               <a:t>our</a:t>
             </a:r>
             <a:r>
-              <a:rPr lang="zh-Hans" altLang="en-US" sz="2160" dirty="0">
-                <a:latin typeface="Arial"/>
-                <a:cs typeface="Arial"/>
-              </a:rPr>
-              <a:t> </a:t>
-            </a:r>
-            <a:r>
-              <a:rPr lang="en-US" altLang="zh-Hans" sz="2160" dirty="0">
-                <a:latin typeface="Arial"/>
-                <a:cs typeface="Arial"/>
-              </a:rPr>
+              <a:rPr lang="zh-Hans" altLang="en-US" sz="2401" dirty="0"/>
+              <a:t> </a:t>
+            </a:r>
+            <a:r>
+              <a:rPr lang="en-US" altLang="zh-Hans" sz="2401" dirty="0"/>
               <a:t>model.</a:t>
             </a:r>
             <a:r>
-              <a:rPr lang="zh-Hans" altLang="en-US" sz="2160" dirty="0">
-                <a:latin typeface="Arial"/>
-                <a:cs typeface="Arial"/>
-              </a:rPr>
-              <a:t> </a:t>
-            </a:r>
-            <a:r>
-              <a:rPr lang="en-US" altLang="zh-Hans" sz="2160" dirty="0">
-                <a:latin typeface="Arial"/>
-                <a:cs typeface="Arial"/>
-              </a:rPr>
-              <a:t>The first row are original unstripped images. The second row are learned stripped images. As shown in those images, our algorithm can perform skull stripping well on various slices of brains. This is a deliberately introduced test line you should delete this line after you see it. The overall accuracy of our model is around 92%. One thing worth noting is that most of our model‘s inaccuracy comes from failing to strip a small portion of skull, As shown in figure 7.</a:t>
-            </a:r>
-            <a:r>
-              <a:rPr lang="zh-Hans" altLang="en-US" sz="2160" dirty="0">
-                <a:latin typeface="Arial"/>
-                <a:cs typeface="Arial"/>
-              </a:rPr>
-              <a:t> </a:t>
-            </a:r>
-            <a:r>
-              <a:rPr lang="en-US" altLang="zh-Hans" sz="2160" dirty="0">
-                <a:latin typeface="Arial"/>
-                <a:cs typeface="Arial"/>
-              </a:rPr>
+              <a:rPr lang="zh-Hans" altLang="en-US" sz="2401" dirty="0"/>
+              <a:t> </a:t>
+            </a:r>
+            <a:r>
+              <a:rPr lang="en-US" altLang="zh-Hans" sz="2401" dirty="0"/>
+              <a:t>The first row are original unstripped images. The second row are learned stripped images. As shown in those images, our algorithm can perform skull stripping well on various slices of brains. This is a deliberately introduced test line you should delete this line after you see it. The overall accuracy of our model is around 92%. One thing worth noting is that most of our model‘s inaccuracy comes from failing to strip a small portion of skull, as shown in the</a:t>
+            </a:r>
+            <a:r>
+              <a:rPr lang="zh-Hans" altLang="en-US" sz="2401" dirty="0"/>
+              <a:t> </a:t>
+            </a:r>
+            <a:r>
+              <a:rPr lang="en-US" altLang="zh-Hans" sz="2401" dirty="0"/>
+              <a:t>first</a:t>
+            </a:r>
+            <a:r>
+              <a:rPr lang="zh-Hans" altLang="en-US" sz="2401" dirty="0"/>
+              <a:t> </a:t>
+            </a:r>
+            <a:r>
+              <a:rPr lang="en-US" altLang="zh-Hans" sz="2401" dirty="0"/>
+              <a:t>pair</a:t>
+            </a:r>
+            <a:r>
+              <a:rPr lang="zh-Hans" altLang="en-US" sz="2401" dirty="0"/>
+              <a:t> </a:t>
+            </a:r>
+            <a:r>
+              <a:rPr lang="en-US" altLang="zh-Hans" sz="2401" dirty="0"/>
+              <a:t>of</a:t>
+            </a:r>
+            <a:r>
+              <a:rPr lang="zh-Hans" altLang="en-US" sz="2401" dirty="0"/>
+              <a:t> </a:t>
+            </a:r>
+            <a:r>
+              <a:rPr lang="en-US" altLang="zh-Hans" sz="2401" dirty="0"/>
+              <a:t>images</a:t>
+            </a:r>
+            <a:r>
+              <a:rPr lang="zh-Hans" altLang="en-US" sz="2401" dirty="0"/>
+              <a:t> </a:t>
+            </a:r>
+            <a:r>
+              <a:rPr lang="en-US" altLang="zh-Hans" sz="2401" dirty="0"/>
+              <a:t>in</a:t>
+            </a:r>
+            <a:r>
+              <a:rPr lang="zh-Hans" altLang="en-US" sz="2401" dirty="0"/>
+              <a:t> </a:t>
+            </a:r>
+            <a:r>
+              <a:rPr lang="en-US" altLang="zh-Hans" sz="2401" dirty="0"/>
+              <a:t>figure</a:t>
+            </a:r>
+            <a:r>
+              <a:rPr lang="zh-Hans" altLang="en-US" sz="2401" dirty="0"/>
+              <a:t> </a:t>
+            </a:r>
+            <a:r>
+              <a:rPr lang="en-US" altLang="zh-Hans" sz="2401" dirty="0"/>
+              <a:t>6.</a:t>
+            </a:r>
+            <a:r>
+              <a:rPr lang="zh-Hans" altLang="en-US" sz="2401" dirty="0"/>
+              <a:t> </a:t>
+            </a:r>
+            <a:r>
+              <a:rPr lang="en-US" altLang="zh-Hans" sz="2401" dirty="0"/>
               <a:t>The core brain parts remain intact, which is desirable for skull stripping.</a:t>
             </a:r>
-            <a:endParaRPr lang="en-US" sz="2160" dirty="0">
-              <a:latin typeface="Arial"/>
-              <a:cs typeface="Arial"/>
-            </a:endParaRPr>
-          </a:p>
-          <a:p>
-            <a:endParaRPr lang="en-US" sz="2160" dirty="0">
-              <a:latin typeface="Arial"/>
-              <a:cs typeface="Arial"/>
-            </a:endParaRPr>
           </a:p>
           <a:p>
             <a:pPr marL="342900" indent="-342900">
               <a:buFont typeface="Arial" panose="020B0604020202020204" pitchFamily="34" charset="0"/>
               <a:buChar char="•"/>
             </a:pPr>
-            <a:endParaRPr lang="en-US" sz="2160" dirty="0">
-              <a:latin typeface="Arial"/>
-              <a:cs typeface="Arial"/>
-            </a:endParaRPr>
-          </a:p>
-          <a:p>
-            <a:endParaRPr lang="en-US" sz="2160" dirty="0">
-              <a:latin typeface="Arial"/>
-              <a:cs typeface="Arial"/>
-            </a:endParaRPr>
-          </a:p>
-          <a:p>
-            <a:endParaRPr lang="en-US" sz="2160" dirty="0">
-              <a:latin typeface="Arial"/>
-              <a:cs typeface="Arial"/>
-            </a:endParaRPr>
-          </a:p>
-          <a:p>
-            <a:endParaRPr lang="en-US" sz="2160" dirty="0">
-              <a:latin typeface="Arial"/>
-              <a:cs typeface="Arial"/>
-            </a:endParaRPr>
-          </a:p>
-          <a:p>
-            <a:endParaRPr lang="en-US" sz="2160" dirty="0">
-              <a:latin typeface="Arial"/>
-              <a:cs typeface="Arial"/>
-            </a:endParaRPr>
-          </a:p>
-          <a:p>
-            <a:r>
-              <a:rPr lang="en-US" sz="2160" dirty="0">
-                <a:latin typeface="Arial"/>
-                <a:cs typeface="Arial"/>
-              </a:rPr>
-              <a:t>              </a:t>
+            <a:endParaRPr lang="en-US" altLang="zh-Hans" sz="2401" dirty="0"/>
+          </a:p>
+          <a:p>
+            <a:pPr marL="342900" indent="-342900">
+              <a:buFont typeface="Arial" panose="020B0604020202020204" pitchFamily="34" charset="0"/>
+              <a:buChar char="•"/>
+            </a:pPr>
+            <a:r>
+              <a:rPr lang="en-US" sz="2401" dirty="0"/>
+              <a:t>The five fold cross validation score is 82. Because training in batch is different and cannot be directly compared with pixel based methods, we treat this score as a benchmark to learning curves of pixel model and the result is in Figure 7.</a:t>
             </a:r>
           </a:p>
           <a:p>
@@ -2710,15 +1951,23 @@
               </a:pPr>
               <a:r>
                 <a:rPr lang="en-US" sz="2401" dirty="0"/>
-                <a:t>Having slices from different angles give a lot of challenges in stripping those tissues which people are interested in, from </a:t>
+                <a:t>Having slices from different angles give a lot of challenges in stripping those tissues which people are interested in, </a:t>
               </a:r>
               <a:r>
-                <a:rPr lang="en-US" sz="2401" dirty="0" err="1"/>
-                <a:t>xtracranial</a:t>
+                <a:rPr lang="en-US" sz="2401"/>
+                <a:t>from </a:t>
+              </a:r>
+              <a:r>
+                <a:rPr lang="en-US" altLang="zh-Hans" sz="2401"/>
+                <a:t>e</a:t>
+              </a:r>
+              <a:r>
+                <a:rPr lang="en-US" sz="2401"/>
+                <a:t>xtracranial </a:t>
               </a:r>
               <a:r>
                 <a:rPr lang="en-US" sz="2401" dirty="0"/>
-                <a:t> or non-brain tissues that has nothing to do with brain diseases such as Alzheimer’s disease, aneurysm in the brain and etc.</a:t>
+                <a:t>or non-brain tissues that has nothing to do with brain diseases such as Alzheimer’s disease, aneurysm in the brain and etc.</a:t>
               </a:r>
             </a:p>
             <a:p>
@@ -2840,36 +2089,6 @@
             </a:prstGeom>
           </p:spPr>
         </p:pic>
-        <p:pic>
-          <p:nvPicPr>
-            <p:cNvPr id="6" name="Picture 5">
-              <a:extLst>
-                <a:ext uri="{FF2B5EF4-FFF2-40B4-BE49-F238E27FC236}">
-                  <a16:creationId xmlns:a16="http://schemas.microsoft.com/office/drawing/2014/main" id="{36D467BD-3754-4822-97EF-CE8B0A6537B2}"/>
-                </a:ext>
-              </a:extLst>
-            </p:cNvPr>
-            <p:cNvPicPr>
-              <a:picLocks noChangeAspect="1"/>
-            </p:cNvPicPr>
-            <p:nvPr/>
-          </p:nvPicPr>
-          <p:blipFill>
-            <a:blip r:embed="rId5"/>
-            <a:stretch>
-              <a:fillRect/>
-            </a:stretch>
-          </p:blipFill>
-          <p:spPr>
-            <a:xfrm>
-              <a:off x="1422242" y="13770438"/>
-              <a:ext cx="6962153" cy="859842"/>
-            </a:xfrm>
-            <a:prstGeom prst="rect">
-              <a:avLst/>
-            </a:prstGeom>
-          </p:spPr>
-        </p:pic>
       </p:grpSp>
       <p:pic>
         <p:nvPicPr>
@@ -2886,14 +2105,14 @@
           <p:nvPr/>
         </p:nvPicPr>
         <p:blipFill>
-          <a:blip r:embed="rId6"/>
+          <a:blip r:embed="rId5"/>
           <a:stretch>
             <a:fillRect/>
           </a:stretch>
         </p:blipFill>
         <p:spPr>
           <a:xfrm>
-            <a:off x="630654" y="15579205"/>
+            <a:off x="590061" y="15086368"/>
             <a:ext cx="3559277" cy="3364019"/>
           </a:xfrm>
           <a:prstGeom prst="rect">
@@ -2915,7 +2134,7 @@
         </p:nvGrpSpPr>
         <p:grpSpPr>
           <a:xfrm>
-            <a:off x="4128109" y="15212794"/>
+            <a:off x="4128109" y="14971554"/>
             <a:ext cx="3366755" cy="4138116"/>
             <a:chOff x="4211681" y="15783631"/>
             <a:chExt cx="3366755" cy="4138116"/>
@@ -2936,7 +2155,7 @@
             <p:nvPr/>
           </p:nvPicPr>
           <p:blipFill>
-            <a:blip r:embed="rId7"/>
+            <a:blip r:embed="rId6"/>
             <a:stretch>
               <a:fillRect/>
             </a:stretch>
@@ -2966,7 +2185,7 @@
             <p:nvPr/>
           </p:nvPicPr>
           <p:blipFill>
-            <a:blip r:embed="rId8"/>
+            <a:blip r:embed="rId7"/>
             <a:stretch>
               <a:fillRect/>
             </a:stretch>
@@ -2996,7 +2215,7 @@
             <p:nvPr/>
           </p:nvPicPr>
           <p:blipFill>
-            <a:blip r:embed="rId9"/>
+            <a:blip r:embed="rId8"/>
             <a:stretch>
               <a:fillRect/>
             </a:stretch>
@@ -3026,7 +2245,7 @@
             <p:nvPr/>
           </p:nvPicPr>
           <p:blipFill>
-            <a:blip r:embed="rId10"/>
+            <a:blip r:embed="rId9"/>
             <a:stretch>
               <a:fillRect/>
             </a:stretch>
@@ -3056,7 +2275,7 @@
         </p:nvSpPr>
         <p:spPr>
           <a:xfrm>
-            <a:off x="7586645" y="15231822"/>
+            <a:off x="7586645" y="15001113"/>
             <a:ext cx="2804264" cy="4413516"/>
           </a:xfrm>
           <a:prstGeom prst="rect">
@@ -3119,15 +2338,15 @@
           <p:nvPr/>
         </p:nvPicPr>
         <p:blipFill>
-          <a:blip r:embed="rId11"/>
+          <a:blip r:embed="rId10"/>
           <a:stretch>
             <a:fillRect/>
           </a:stretch>
         </p:blipFill>
         <p:spPr>
           <a:xfrm>
-            <a:off x="17160441" y="8795378"/>
-            <a:ext cx="3901524" cy="2258656"/>
+            <a:off x="16686227" y="7539738"/>
+            <a:ext cx="4289157" cy="2483063"/>
           </a:xfrm>
           <a:prstGeom prst="rect">
             <a:avLst/>
@@ -3148,7 +2367,7 @@
         </p:nvSpPr>
         <p:spPr>
           <a:xfrm>
-            <a:off x="17389785" y="11324268"/>
+            <a:off x="17503320" y="10276850"/>
             <a:ext cx="3449983" cy="424732"/>
           </a:xfrm>
           <a:prstGeom prst="rect">
@@ -3256,226 +2475,247 @@
           </a:p>
         </p:txBody>
       </p:sp>
-      <p:pic>
-        <p:nvPicPr>
-          <p:cNvPr id="31" name="Picture 30">
+      <p:grpSp>
+        <p:nvGrpSpPr>
+          <p:cNvPr id="25" name="Group 24">
             <a:extLst>
               <a:ext uri="{FF2B5EF4-FFF2-40B4-BE49-F238E27FC236}">
-                <a16:creationId xmlns:a16="http://schemas.microsoft.com/office/drawing/2014/main" id="{B40C8B9A-3980-1F4B-AF53-3897CEE5AF7F}"/>
+                <a16:creationId xmlns:a16="http://schemas.microsoft.com/office/drawing/2014/main" id="{B65FE35F-24CF-4B11-B17A-A3F7F1D03440}"/>
               </a:ext>
             </a:extLst>
           </p:cNvPr>
-          <p:cNvPicPr>
-            <a:picLocks noChangeAspect="1"/>
-          </p:cNvPicPr>
+          <p:cNvGrpSpPr/>
           <p:nvPr/>
-        </p:nvPicPr>
-        <p:blipFill>
-          <a:blip r:embed="rId12"/>
-          <a:stretch>
-            <a:fillRect/>
-          </a:stretch>
-        </p:blipFill>
-        <p:spPr>
+        </p:nvGrpSpPr>
+        <p:grpSpPr>
           <a:xfrm>
-            <a:off x="12299025" y="16109078"/>
-            <a:ext cx="1890778" cy="1890778"/>
+            <a:off x="11552981" y="14533760"/>
+            <a:ext cx="10255243" cy="2260328"/>
+            <a:chOff x="11627803" y="14801804"/>
+            <a:chExt cx="10255243" cy="2260328"/>
           </a:xfrm>
-          <a:prstGeom prst="rect">
-            <a:avLst/>
-          </a:prstGeom>
-        </p:spPr>
-      </p:pic>
-      <p:pic>
-        <p:nvPicPr>
-          <p:cNvPr id="33" name="Picture 32">
-            <a:extLst>
-              <a:ext uri="{FF2B5EF4-FFF2-40B4-BE49-F238E27FC236}">
-                <a16:creationId xmlns:a16="http://schemas.microsoft.com/office/drawing/2014/main" id="{BFE1504D-B2EF-E743-883B-976072A2315F}"/>
-              </a:ext>
-            </a:extLst>
-          </p:cNvPr>
-          <p:cNvPicPr>
-            <a:picLocks noChangeAspect="1"/>
-          </p:cNvPicPr>
-          <p:nvPr/>
-        </p:nvPicPr>
-        <p:blipFill>
-          <a:blip r:embed="rId13"/>
-          <a:stretch>
-            <a:fillRect/>
-          </a:stretch>
-        </p:blipFill>
-        <p:spPr>
-          <a:xfrm>
-            <a:off x="15716013" y="16111810"/>
-            <a:ext cx="1871595" cy="1871595"/>
-          </a:xfrm>
-          <a:prstGeom prst="rect">
-            <a:avLst/>
-          </a:prstGeom>
-        </p:spPr>
-      </p:pic>
-      <p:pic>
-        <p:nvPicPr>
-          <p:cNvPr id="35" name="Picture 34">
-            <a:extLst>
-              <a:ext uri="{FF2B5EF4-FFF2-40B4-BE49-F238E27FC236}">
-                <a16:creationId xmlns:a16="http://schemas.microsoft.com/office/drawing/2014/main" id="{DC712BC4-C681-8941-BB4B-A9DB607C6B5B}"/>
-              </a:ext>
-            </a:extLst>
-          </p:cNvPr>
-          <p:cNvPicPr>
-            <a:picLocks noChangeAspect="1"/>
-          </p:cNvPicPr>
-          <p:nvPr/>
-        </p:nvPicPr>
-        <p:blipFill>
-          <a:blip r:embed="rId14"/>
-          <a:stretch>
-            <a:fillRect/>
-          </a:stretch>
-        </p:blipFill>
-        <p:spPr>
-          <a:xfrm>
-            <a:off x="19088782" y="16076421"/>
-            <a:ext cx="1885269" cy="1885269"/>
-          </a:xfrm>
-          <a:prstGeom prst="rect">
-            <a:avLst/>
-          </a:prstGeom>
-        </p:spPr>
-      </p:pic>
-      <p:sp>
-        <p:nvSpPr>
-          <p:cNvPr id="37" name="TextBox 36">
-            <a:extLst>
-              <a:ext uri="{FF2B5EF4-FFF2-40B4-BE49-F238E27FC236}">
-                <a16:creationId xmlns:a16="http://schemas.microsoft.com/office/drawing/2014/main" id="{355DFA8A-4ED2-F347-B795-8FFB0927793F}"/>
-              </a:ext>
-            </a:extLst>
-          </p:cNvPr>
-          <p:cNvSpPr txBox="1"/>
-          <p:nvPr/>
-        </p:nvSpPr>
-        <p:spPr>
-          <a:xfrm>
-            <a:off x="12047252" y="18096509"/>
-            <a:ext cx="2244525" cy="400110"/>
-          </a:xfrm>
-          <a:prstGeom prst="rect">
-            <a:avLst/>
-          </a:prstGeom>
-          <a:noFill/>
-        </p:spPr>
-        <p:txBody>
-          <a:bodyPr wrap="none" rtlCol="0">
-            <a:spAutoFit/>
-          </a:bodyPr>
-          <a:lstStyle/>
-          <a:p>
-            <a:r>
-              <a:rPr lang="zh-Hans" altLang="en-US" sz="2000" i="1" dirty="0">
-                <a:solidFill>
-                  <a:srgbClr val="8C8C83"/>
-                </a:solidFill>
-                <a:cs typeface="Arial"/>
-              </a:rPr>
-              <a:t> </a:t>
-            </a:r>
-            <a:r>
-              <a:rPr lang="en-US" sz="2000" i="1" dirty="0">
-                <a:solidFill>
-                  <a:srgbClr val="8C8C83"/>
-                </a:solidFill>
-                <a:cs typeface="Arial"/>
-              </a:rPr>
-              <a:t> (a). Original image</a:t>
-            </a:r>
-            <a:endParaRPr lang="en-US" sz="2000" dirty="0"/>
-          </a:p>
-        </p:txBody>
-      </p:sp>
-      <p:sp>
-        <p:nvSpPr>
-          <p:cNvPr id="39" name="Rectangle 38">
-            <a:extLst>
-              <a:ext uri="{FF2B5EF4-FFF2-40B4-BE49-F238E27FC236}">
-                <a16:creationId xmlns:a16="http://schemas.microsoft.com/office/drawing/2014/main" id="{D3F1FCF8-A688-0844-BFCA-5C1BD6A7A5FA}"/>
-              </a:ext>
-            </a:extLst>
-          </p:cNvPr>
-          <p:cNvSpPr/>
-          <p:nvPr/>
-        </p:nvSpPr>
-        <p:spPr>
-          <a:xfrm>
-            <a:off x="15364850" y="18096509"/>
-            <a:ext cx="2719271" cy="400110"/>
-          </a:xfrm>
-          <a:prstGeom prst="rect">
-            <a:avLst/>
-          </a:prstGeom>
-        </p:spPr>
-        <p:txBody>
-          <a:bodyPr wrap="none">
-            <a:spAutoFit/>
-          </a:bodyPr>
-          <a:lstStyle/>
-          <a:p>
-            <a:r>
-              <a:rPr lang="en-US" sz="2000" i="1" dirty="0">
-                <a:solidFill>
-                  <a:srgbClr val="8C8C83"/>
-                </a:solidFill>
-                <a:cs typeface="Arial"/>
-              </a:rPr>
-              <a:t>(b) reconstructed image </a:t>
-            </a:r>
-            <a:endParaRPr lang="en-US" sz="2000" dirty="0"/>
-          </a:p>
-        </p:txBody>
-      </p:sp>
-      <p:sp>
-        <p:nvSpPr>
-          <p:cNvPr id="40" name="Rectangle 39">
-            <a:extLst>
-              <a:ext uri="{FF2B5EF4-FFF2-40B4-BE49-F238E27FC236}">
-                <a16:creationId xmlns:a16="http://schemas.microsoft.com/office/drawing/2014/main" id="{364C7B8E-0116-D64B-A8A8-A40C87C9AB87}"/>
-              </a:ext>
-            </a:extLst>
-          </p:cNvPr>
-          <p:cNvSpPr/>
-          <p:nvPr/>
-        </p:nvSpPr>
-        <p:spPr>
-          <a:xfrm>
-            <a:off x="18542590" y="18092851"/>
-            <a:ext cx="3758793" cy="707886"/>
-          </a:xfrm>
-          <a:prstGeom prst="rect">
-            <a:avLst/>
-          </a:prstGeom>
-        </p:spPr>
-        <p:txBody>
-          <a:bodyPr wrap="square">
-            <a:spAutoFit/>
-          </a:bodyPr>
-          <a:lstStyle/>
-          <a:p>
-            <a:r>
-              <a:rPr lang="en-US" sz="2000" i="1" dirty="0">
-                <a:solidFill>
-                  <a:srgbClr val="8C8C83"/>
-                </a:solidFill>
-                <a:cs typeface="Arial"/>
-              </a:rPr>
-              <a:t>(c) after applying reconstructed image as bitmask to original one </a:t>
-            </a:r>
-            <a:endParaRPr lang="en-US" sz="2000" dirty="0"/>
-          </a:p>
-        </p:txBody>
-      </p:sp>
+        </p:grpSpPr>
+        <p:pic>
+          <p:nvPicPr>
+            <p:cNvPr id="31" name="Picture 30">
+              <a:extLst>
+                <a:ext uri="{FF2B5EF4-FFF2-40B4-BE49-F238E27FC236}">
+                  <a16:creationId xmlns:a16="http://schemas.microsoft.com/office/drawing/2014/main" id="{B40C8B9A-3980-1F4B-AF53-3897CEE5AF7F}"/>
+                </a:ext>
+              </a:extLst>
+            </p:cNvPr>
+            <p:cNvPicPr>
+              <a:picLocks noChangeAspect="1"/>
+            </p:cNvPicPr>
+            <p:nvPr/>
+          </p:nvPicPr>
+          <p:blipFill>
+            <a:blip r:embed="rId11"/>
+            <a:stretch>
+              <a:fillRect/>
+            </a:stretch>
+          </p:blipFill>
+          <p:spPr>
+            <a:xfrm>
+              <a:off x="12135204" y="14801804"/>
+              <a:ext cx="1420100" cy="1420100"/>
+            </a:xfrm>
+            <a:prstGeom prst="rect">
+              <a:avLst/>
+            </a:prstGeom>
+          </p:spPr>
+        </p:pic>
+        <p:pic>
+          <p:nvPicPr>
+            <p:cNvPr id="33" name="Picture 32">
+              <a:extLst>
+                <a:ext uri="{FF2B5EF4-FFF2-40B4-BE49-F238E27FC236}">
+                  <a16:creationId xmlns:a16="http://schemas.microsoft.com/office/drawing/2014/main" id="{BFE1504D-B2EF-E743-883B-976072A2315F}"/>
+                </a:ext>
+              </a:extLst>
+            </p:cNvPr>
+            <p:cNvPicPr>
+              <a:picLocks noChangeAspect="1"/>
+            </p:cNvPicPr>
+            <p:nvPr/>
+          </p:nvPicPr>
+          <p:blipFill>
+            <a:blip r:embed="rId12"/>
+            <a:stretch>
+              <a:fillRect/>
+            </a:stretch>
+          </p:blipFill>
+          <p:spPr>
+            <a:xfrm>
+              <a:off x="15256979" y="14804537"/>
+              <a:ext cx="1417368" cy="1417368"/>
+            </a:xfrm>
+            <a:prstGeom prst="rect">
+              <a:avLst/>
+            </a:prstGeom>
+          </p:spPr>
+        </p:pic>
+        <p:pic>
+          <p:nvPicPr>
+            <p:cNvPr id="35" name="Picture 34">
+              <a:extLst>
+                <a:ext uri="{FF2B5EF4-FFF2-40B4-BE49-F238E27FC236}">
+                  <a16:creationId xmlns:a16="http://schemas.microsoft.com/office/drawing/2014/main" id="{DC712BC4-C681-8941-BB4B-A9DB607C6B5B}"/>
+                </a:ext>
+              </a:extLst>
+            </p:cNvPr>
+            <p:cNvPicPr>
+              <a:picLocks noChangeAspect="1"/>
+            </p:cNvPicPr>
+            <p:nvPr/>
+          </p:nvPicPr>
+          <p:blipFill>
+            <a:blip r:embed="rId13"/>
+            <a:stretch>
+              <a:fillRect/>
+            </a:stretch>
+          </p:blipFill>
+          <p:spPr>
+            <a:xfrm>
+              <a:off x="18561099" y="14804538"/>
+              <a:ext cx="1417368" cy="1417368"/>
+            </a:xfrm>
+            <a:prstGeom prst="rect">
+              <a:avLst/>
+            </a:prstGeom>
+          </p:spPr>
+        </p:pic>
+        <p:sp>
+          <p:nvSpPr>
+            <p:cNvPr id="37" name="TextBox 36">
+              <a:extLst>
+                <a:ext uri="{FF2B5EF4-FFF2-40B4-BE49-F238E27FC236}">
+                  <a16:creationId xmlns:a16="http://schemas.microsoft.com/office/drawing/2014/main" id="{355DFA8A-4ED2-F347-B795-8FFB0927793F}"/>
+                </a:ext>
+              </a:extLst>
+            </p:cNvPr>
+            <p:cNvSpPr txBox="1"/>
+            <p:nvPr/>
+          </p:nvSpPr>
+          <p:spPr>
+            <a:xfrm>
+              <a:off x="11627803" y="16352718"/>
+              <a:ext cx="2244525" cy="400110"/>
+            </a:xfrm>
+            <a:prstGeom prst="rect">
+              <a:avLst/>
+            </a:prstGeom>
+            <a:noFill/>
+          </p:spPr>
+          <p:txBody>
+            <a:bodyPr wrap="none" rtlCol="0">
+              <a:spAutoFit/>
+            </a:bodyPr>
+            <a:lstStyle/>
+            <a:p>
+              <a:r>
+                <a:rPr lang="zh-Hans" altLang="en-US" sz="2000" i="1" dirty="0">
+                  <a:solidFill>
+                    <a:srgbClr val="8C8C83"/>
+                  </a:solidFill>
+                  <a:cs typeface="Arial"/>
+                </a:rPr>
+                <a:t> </a:t>
+              </a:r>
+              <a:r>
+                <a:rPr lang="en-US" sz="2000" i="1" dirty="0">
+                  <a:solidFill>
+                    <a:srgbClr val="8C8C83"/>
+                  </a:solidFill>
+                  <a:cs typeface="Arial"/>
+                </a:rPr>
+                <a:t> (a). Original image</a:t>
+              </a:r>
+              <a:endParaRPr lang="en-US" sz="2000" dirty="0"/>
+            </a:p>
+          </p:txBody>
+        </p:sp>
+        <p:sp>
+          <p:nvSpPr>
+            <p:cNvPr id="39" name="Rectangle 38">
+              <a:extLst>
+                <a:ext uri="{FF2B5EF4-FFF2-40B4-BE49-F238E27FC236}">
+                  <a16:creationId xmlns:a16="http://schemas.microsoft.com/office/drawing/2014/main" id="{D3F1FCF8-A688-0844-BFCA-5C1BD6A7A5FA}"/>
+                </a:ext>
+              </a:extLst>
+            </p:cNvPr>
+            <p:cNvSpPr/>
+            <p:nvPr/>
+          </p:nvSpPr>
+          <p:spPr>
+            <a:xfrm>
+              <a:off x="14784049" y="16431905"/>
+              <a:ext cx="2719271" cy="400110"/>
+            </a:xfrm>
+            <a:prstGeom prst="rect">
+              <a:avLst/>
+            </a:prstGeom>
+          </p:spPr>
+          <p:txBody>
+            <a:bodyPr wrap="none">
+              <a:spAutoFit/>
+            </a:bodyPr>
+            <a:lstStyle/>
+            <a:p>
+              <a:r>
+                <a:rPr lang="en-US" sz="2000" i="1" dirty="0">
+                  <a:solidFill>
+                    <a:srgbClr val="8C8C83"/>
+                  </a:solidFill>
+                  <a:cs typeface="Arial"/>
+                </a:rPr>
+                <a:t>(b) reconstructed image </a:t>
+              </a:r>
+              <a:endParaRPr lang="en-US" sz="2000" dirty="0"/>
+            </a:p>
+          </p:txBody>
+        </p:sp>
+        <p:sp>
+          <p:nvSpPr>
+            <p:cNvPr id="40" name="Rectangle 39">
+              <a:extLst>
+                <a:ext uri="{FF2B5EF4-FFF2-40B4-BE49-F238E27FC236}">
+                  <a16:creationId xmlns:a16="http://schemas.microsoft.com/office/drawing/2014/main" id="{364C7B8E-0116-D64B-A8A8-A40C87C9AB87}"/>
+                </a:ext>
+              </a:extLst>
+            </p:cNvPr>
+            <p:cNvSpPr/>
+            <p:nvPr/>
+          </p:nvSpPr>
+          <p:spPr>
+            <a:xfrm>
+              <a:off x="18124253" y="16354246"/>
+              <a:ext cx="3758793" cy="707886"/>
+            </a:xfrm>
+            <a:prstGeom prst="rect">
+              <a:avLst/>
+            </a:prstGeom>
+          </p:spPr>
+          <p:txBody>
+            <a:bodyPr wrap="square">
+              <a:spAutoFit/>
+            </a:bodyPr>
+            <a:lstStyle/>
+            <a:p>
+              <a:r>
+                <a:rPr lang="en-US" sz="2000" i="1" dirty="0">
+                  <a:solidFill>
+                    <a:srgbClr val="8C8C83"/>
+                  </a:solidFill>
+                  <a:cs typeface="Arial"/>
+                </a:rPr>
+                <a:t>(c) after applying reconstructed image as bitmask to original one </a:t>
+              </a:r>
+              <a:endParaRPr lang="en-US" sz="2000" dirty="0"/>
+            </a:p>
+          </p:txBody>
+        </p:sp>
+      </p:grpSp>
       <p:pic>
         <p:nvPicPr>
           <p:cNvPr id="1030" name="Picture 1029">
@@ -3491,7 +2731,7 @@
           <p:nvPr/>
         </p:nvPicPr>
         <p:blipFill>
-          <a:blip r:embed="rId15"/>
+          <a:blip r:embed="rId14"/>
           <a:stretch>
             <a:fillRect/>
           </a:stretch>
@@ -3521,7 +2761,7 @@
           <p:nvPr/>
         </p:nvPicPr>
         <p:blipFill>
-          <a:blip r:embed="rId16"/>
+          <a:blip r:embed="rId15"/>
           <a:stretch>
             <a:fillRect/>
           </a:stretch>
@@ -3551,7 +2791,7 @@
           <p:nvPr/>
         </p:nvPicPr>
         <p:blipFill>
-          <a:blip r:embed="rId17"/>
+          <a:blip r:embed="rId16"/>
           <a:stretch>
             <a:fillRect/>
           </a:stretch>
@@ -3581,7 +2821,7 @@
           <p:nvPr/>
         </p:nvPicPr>
         <p:blipFill>
-          <a:blip r:embed="rId18"/>
+          <a:blip r:embed="rId17"/>
           <a:stretch>
             <a:fillRect/>
           </a:stretch>
@@ -3611,7 +2851,7 @@
           <p:nvPr/>
         </p:nvPicPr>
         <p:blipFill>
-          <a:blip r:embed="rId19"/>
+          <a:blip r:embed="rId18"/>
           <a:stretch>
             <a:fillRect/>
           </a:stretch>
@@ -3641,7 +2881,7 @@
           <p:nvPr/>
         </p:nvPicPr>
         <p:blipFill>
-          <a:blip r:embed="rId20"/>
+          <a:blip r:embed="rId19"/>
           <a:stretch>
             <a:fillRect/>
           </a:stretch>
@@ -3671,7 +2911,7 @@
           <p:nvPr/>
         </p:nvPicPr>
         <p:blipFill>
-          <a:blip r:embed="rId21"/>
+          <a:blip r:embed="rId20"/>
           <a:stretch>
             <a:fillRect/>
           </a:stretch>
@@ -3701,7 +2941,7 @@
           <p:nvPr/>
         </p:nvPicPr>
         <p:blipFill>
-          <a:blip r:embed="rId22"/>
+          <a:blip r:embed="rId21"/>
           <a:stretch>
             <a:fillRect/>
           </a:stretch>
@@ -3731,7 +2971,7 @@
           <p:nvPr/>
         </p:nvPicPr>
         <p:blipFill>
-          <a:blip r:embed="rId23"/>
+          <a:blip r:embed="rId22"/>
           <a:stretch>
             <a:fillRect/>
           </a:stretch>
@@ -3761,7 +3001,7 @@
           <p:nvPr/>
         </p:nvPicPr>
         <p:blipFill>
-          <a:blip r:embed="rId24"/>
+          <a:blip r:embed="rId23"/>
           <a:stretch>
             <a:fillRect/>
           </a:stretch>
@@ -3791,7 +3031,7 @@
           <p:nvPr/>
         </p:nvPicPr>
         <p:blipFill>
-          <a:blip r:embed="rId25"/>
+          <a:blip r:embed="rId24"/>
           <a:stretch>
             <a:fillRect/>
           </a:stretch>
@@ -3821,7 +3061,7 @@
           <p:nvPr/>
         </p:nvPicPr>
         <p:blipFill>
-          <a:blip r:embed="rId26"/>
+          <a:blip r:embed="rId25"/>
           <a:stretch>
             <a:fillRect/>
           </a:stretch>
@@ -3947,12 +3187,824 @@
           </a:p>
         </p:txBody>
       </p:sp>
+      <p:sp>
+        <p:nvSpPr>
+          <p:cNvPr id="49" name="Rectangle 48">
+            <a:extLst>
+              <a:ext uri="{FF2B5EF4-FFF2-40B4-BE49-F238E27FC236}">
+                <a16:creationId xmlns:a16="http://schemas.microsoft.com/office/drawing/2014/main" id="{0C082B30-DA07-4252-BC11-814C6B91E657}"/>
+              </a:ext>
+            </a:extLst>
+          </p:cNvPr>
+          <p:cNvSpPr/>
+          <p:nvPr/>
+        </p:nvSpPr>
+        <p:spPr>
+          <a:xfrm>
+            <a:off x="11844045" y="17129246"/>
+            <a:ext cx="3825615" cy="1938992"/>
+          </a:xfrm>
+          <a:prstGeom prst="rect">
+            <a:avLst/>
+          </a:prstGeom>
+        </p:spPr>
+        <p:txBody>
+          <a:bodyPr wrap="square">
+            <a:spAutoFit/>
+          </a:bodyPr>
+          <a:lstStyle/>
+          <a:p>
+            <a:endParaRPr lang="en-US" altLang="zh-Hans" sz="2400" i="1" dirty="0">
+              <a:solidFill>
+                <a:srgbClr val="8C8C83"/>
+              </a:solidFill>
+              <a:cs typeface="Arial"/>
+            </a:endParaRPr>
+          </a:p>
+          <a:p>
+            <a:r>
+              <a:rPr lang="zh-Hans" altLang="en-US" sz="2400" i="1" dirty="0">
+                <a:solidFill>
+                  <a:srgbClr val="8C8C83"/>
+                </a:solidFill>
+                <a:cs typeface="Arial"/>
+              </a:rPr>
+              <a:t> </a:t>
+            </a:r>
+            <a:r>
+              <a:rPr lang="en-US" sz="2400" i="1" dirty="0">
+                <a:solidFill>
+                  <a:srgbClr val="8C8C83"/>
+                </a:solidFill>
+                <a:cs typeface="Arial"/>
+              </a:rPr>
+              <a:t>Figure.7  A </a:t>
+            </a:r>
+            <a:r>
+              <a:rPr lang="en-US" sz="2400" i="1" dirty="0" err="1">
+                <a:solidFill>
+                  <a:srgbClr val="8C8C83"/>
+                </a:solidFill>
+                <a:cs typeface="Arial"/>
+              </a:rPr>
+              <a:t>sklearn</a:t>
+            </a:r>
+            <a:r>
+              <a:rPr lang="en-US" sz="2400" i="1" dirty="0">
+                <a:solidFill>
+                  <a:srgbClr val="8C8C83"/>
+                </a:solidFill>
+                <a:cs typeface="Arial"/>
+              </a:rPr>
+              <a:t> comparison of models by cross-validation scores in terms of number of pixels. </a:t>
+            </a:r>
+          </a:p>
+        </p:txBody>
+      </p:sp>
       <p:pic>
         <p:nvPicPr>
-          <p:cNvPr id="13" name="Picture 12">
+          <p:cNvPr id="8" name="Picture 7">
             <a:extLst>
               <a:ext uri="{FF2B5EF4-FFF2-40B4-BE49-F238E27FC236}">
-                <a16:creationId xmlns:a16="http://schemas.microsoft.com/office/drawing/2014/main" id="{D7E7FB30-F47E-434E-A6CC-18C0E935096E}"/>
+                <a16:creationId xmlns:a16="http://schemas.microsoft.com/office/drawing/2014/main" id="{DC936AB4-E022-4D97-A988-2B4794FA2F3A}"/>
+              </a:ext>
+            </a:extLst>
+          </p:cNvPr>
+          <p:cNvPicPr>
+            <a:picLocks noChangeAspect="1"/>
+          </p:cNvPicPr>
+          <p:nvPr/>
+        </p:nvPicPr>
+        <p:blipFill>
+          <a:blip r:embed="rId26"/>
+          <a:stretch>
+            <a:fillRect/>
+          </a:stretch>
+        </p:blipFill>
+        <p:spPr>
+          <a:xfrm>
+            <a:off x="15811848" y="16777249"/>
+            <a:ext cx="4475166" cy="2948667"/>
+          </a:xfrm>
+          <a:prstGeom prst="rect">
+            <a:avLst/>
+          </a:prstGeom>
+        </p:spPr>
+      </p:pic>
+      <p:sp>
+        <p:nvSpPr>
+          <p:cNvPr id="51" name="TextBox 50">
+            <a:extLst>
+              <a:ext uri="{FF2B5EF4-FFF2-40B4-BE49-F238E27FC236}">
+                <a16:creationId xmlns:a16="http://schemas.microsoft.com/office/drawing/2014/main" id="{6A2AEC63-27CC-4E44-9658-3E7219ACF1F3}"/>
+              </a:ext>
+            </a:extLst>
+          </p:cNvPr>
+          <p:cNvSpPr txBox="1"/>
+          <p:nvPr/>
+        </p:nvSpPr>
+        <p:spPr>
+          <a:xfrm>
+            <a:off x="11516118" y="3504059"/>
+            <a:ext cx="9326880" cy="12405754"/>
+          </a:xfrm>
+          <a:prstGeom prst="rect">
+            <a:avLst/>
+          </a:prstGeom>
+          <a:noFill/>
+        </p:spPr>
+        <p:txBody>
+          <a:bodyPr wrap="square" lIns="65837" tIns="32918" rIns="65837" bIns="32918" rtlCol="0">
+            <a:spAutoFit/>
+          </a:bodyPr>
+          <a:lstStyle/>
+          <a:p>
+            <a:r>
+              <a:rPr lang="en-US" altLang="zh-Hans" sz="4320" b="1" dirty="0">
+                <a:solidFill>
+                  <a:srgbClr val="2D669D"/>
+                </a:solidFill>
+                <a:latin typeface="Arial"/>
+                <a:cs typeface="Arial"/>
+              </a:rPr>
+              <a:t>CNN</a:t>
+            </a:r>
+            <a:r>
+              <a:rPr lang="zh-Hans" altLang="en-US" sz="4320" b="1" dirty="0">
+                <a:solidFill>
+                  <a:srgbClr val="2D669D"/>
+                </a:solidFill>
+                <a:latin typeface="Arial"/>
+                <a:cs typeface="Arial"/>
+              </a:rPr>
+              <a:t> </a:t>
+            </a:r>
+            <a:r>
+              <a:rPr lang="en-US" altLang="zh-Hans" sz="4320" b="1" dirty="0">
+                <a:solidFill>
+                  <a:srgbClr val="2D669D"/>
+                </a:solidFill>
+                <a:latin typeface="Arial"/>
+                <a:cs typeface="Arial"/>
+              </a:rPr>
+              <a:t>Model</a:t>
+            </a:r>
+            <a:endParaRPr lang="en-US" sz="2401" dirty="0"/>
+          </a:p>
+          <a:p>
+            <a:pPr marL="342864" indent="-342864" algn="just">
+              <a:buFont typeface="Arial" panose="020B0604020202020204" pitchFamily="34" charset="0"/>
+              <a:buChar char="•"/>
+            </a:pPr>
+            <a:r>
+              <a:rPr lang="en-US" altLang="zh-Hans" sz="2401" dirty="0"/>
+              <a:t>We</a:t>
+            </a:r>
+            <a:r>
+              <a:rPr lang="zh-Hans" altLang="en-US" sz="2401" dirty="0"/>
+              <a:t> </a:t>
+            </a:r>
+            <a:r>
+              <a:rPr lang="en-US" altLang="zh-Hans" sz="2401" dirty="0"/>
+              <a:t>take</a:t>
+            </a:r>
+            <a:r>
+              <a:rPr lang="zh-Hans" altLang="en-US" sz="2401" dirty="0"/>
+              <a:t> </a:t>
+            </a:r>
+            <a:r>
+              <a:rPr lang="en-US" altLang="zh-Hans" sz="2401" dirty="0"/>
+              <a:t>a</a:t>
+            </a:r>
+            <a:r>
+              <a:rPr lang="zh-Hans" altLang="en-US" sz="2401" dirty="0"/>
+              <a:t> </a:t>
+            </a:r>
+            <a:r>
+              <a:rPr lang="en-US" altLang="zh-Hans" sz="2401" dirty="0"/>
+              <a:t>Convolutional</a:t>
+            </a:r>
+            <a:r>
+              <a:rPr lang="zh-Hans" altLang="en-US" sz="2401" dirty="0"/>
+              <a:t> </a:t>
+            </a:r>
+            <a:r>
+              <a:rPr lang="en-US" altLang="zh-Hans" sz="2401" dirty="0"/>
+              <a:t>Neural</a:t>
+            </a:r>
+            <a:r>
+              <a:rPr lang="zh-Hans" altLang="en-US" sz="2401" dirty="0"/>
+              <a:t> </a:t>
+            </a:r>
+            <a:r>
+              <a:rPr lang="en-US" altLang="zh-Hans" sz="2401" dirty="0"/>
+              <a:t>Network(CNN)</a:t>
+            </a:r>
+            <a:r>
+              <a:rPr lang="zh-Hans" altLang="en-US" sz="2401" dirty="0"/>
+              <a:t> </a:t>
+            </a:r>
+            <a:r>
+              <a:rPr lang="en-US" altLang="zh-Hans" sz="2401" dirty="0"/>
+              <a:t>approach</a:t>
+            </a:r>
+            <a:r>
+              <a:rPr lang="zh-Hans" altLang="en-US" sz="2401" dirty="0"/>
+              <a:t> </a:t>
+            </a:r>
+            <a:r>
+              <a:rPr lang="en-US" altLang="zh-Hans" sz="2401" dirty="0"/>
+              <a:t>in</a:t>
+            </a:r>
+            <a:r>
+              <a:rPr lang="zh-Hans" altLang="en-US" sz="2401" dirty="0"/>
+              <a:t> </a:t>
+            </a:r>
+            <a:r>
+              <a:rPr lang="en-US" altLang="zh-Hans" sz="2401" dirty="0"/>
+              <a:t>a</a:t>
+            </a:r>
+            <a:r>
+              <a:rPr lang="zh-Hans" altLang="en-US" sz="2401" dirty="0"/>
+              <a:t> </a:t>
+            </a:r>
+            <a:r>
+              <a:rPr lang="en-US" altLang="zh-Hans" sz="2401" dirty="0"/>
+              <a:t>way</a:t>
+            </a:r>
+            <a:r>
+              <a:rPr lang="zh-Hans" altLang="en-US" sz="2401" dirty="0"/>
+              <a:t> </a:t>
+            </a:r>
+            <a:r>
+              <a:rPr lang="en-US" altLang="zh-Hans" sz="2401" dirty="0"/>
+              <a:t>that</a:t>
+            </a:r>
+            <a:r>
+              <a:rPr lang="zh-Hans" altLang="en-US" sz="2401" dirty="0"/>
+              <a:t> </a:t>
+            </a:r>
+            <a:r>
+              <a:rPr lang="en-US" altLang="zh-Hans" sz="2401" dirty="0"/>
+              <a:t>is</a:t>
+            </a:r>
+            <a:r>
+              <a:rPr lang="zh-Hans" altLang="en-US" sz="2401" dirty="0"/>
+              <a:t> </a:t>
+            </a:r>
+            <a:r>
+              <a:rPr lang="en-US" altLang="zh-Hans" sz="2401" dirty="0"/>
+              <a:t>similar</a:t>
+            </a:r>
+            <a:r>
+              <a:rPr lang="zh-Hans" altLang="en-US" sz="2401" dirty="0"/>
+              <a:t> </a:t>
+            </a:r>
+            <a:r>
+              <a:rPr lang="en-US" altLang="zh-Hans" sz="2401" dirty="0"/>
+              <a:t>to</a:t>
+            </a:r>
+            <a:r>
+              <a:rPr lang="zh-Hans" altLang="en-US" sz="2401" dirty="0"/>
+              <a:t> </a:t>
+            </a:r>
+            <a:r>
+              <a:rPr lang="en-US" altLang="zh-Hans" sz="2401" dirty="0"/>
+              <a:t>Autoencoder.</a:t>
+            </a:r>
+            <a:r>
+              <a:rPr lang="zh-Hans" altLang="en-US" sz="2401" dirty="0"/>
+              <a:t> </a:t>
+            </a:r>
+            <a:r>
+              <a:rPr lang="en-US" altLang="zh-Hans" sz="2401" dirty="0"/>
+              <a:t>By</a:t>
+            </a:r>
+            <a:r>
+              <a:rPr lang="zh-Hans" altLang="en-US" sz="2401" dirty="0"/>
+              <a:t> </a:t>
+            </a:r>
+            <a:r>
+              <a:rPr lang="en-US" altLang="zh-Hans" sz="2401" dirty="0"/>
+              <a:t>compressing</a:t>
+            </a:r>
+            <a:r>
+              <a:rPr lang="zh-Hans" altLang="en-US" sz="2401" dirty="0"/>
+              <a:t> </a:t>
+            </a:r>
+            <a:r>
+              <a:rPr lang="en-US" altLang="zh-Hans" sz="2401" dirty="0"/>
+              <a:t>and</a:t>
+            </a:r>
+            <a:r>
+              <a:rPr lang="zh-Hans" altLang="en-US" sz="2401" dirty="0"/>
+              <a:t> </a:t>
+            </a:r>
+            <a:r>
+              <a:rPr lang="en-US" altLang="zh-Hans" sz="2401" dirty="0"/>
+              <a:t>decompressing</a:t>
+            </a:r>
+            <a:r>
+              <a:rPr lang="zh-Hans" altLang="en-US" sz="2401" dirty="0"/>
+              <a:t> </a:t>
+            </a:r>
+            <a:r>
+              <a:rPr lang="en-US" altLang="zh-Hans" sz="2401" dirty="0"/>
+              <a:t>the</a:t>
+            </a:r>
+            <a:r>
+              <a:rPr lang="zh-Hans" altLang="en-US" sz="2401" dirty="0"/>
+              <a:t> </a:t>
+            </a:r>
+            <a:r>
+              <a:rPr lang="en-US" altLang="zh-Hans" sz="2401" dirty="0"/>
+              <a:t>MRI</a:t>
+            </a:r>
+            <a:r>
+              <a:rPr lang="zh-Hans" altLang="en-US" sz="2401" dirty="0"/>
+              <a:t> </a:t>
+            </a:r>
+            <a:r>
+              <a:rPr lang="en-US" altLang="zh-Hans" sz="2401" dirty="0"/>
+              <a:t>images,</a:t>
+            </a:r>
+            <a:r>
+              <a:rPr lang="zh-Hans" altLang="en-US" sz="2401" dirty="0"/>
+              <a:t> </a:t>
+            </a:r>
+            <a:r>
+              <a:rPr lang="en-US" altLang="zh-Hans" sz="2401" dirty="0"/>
+              <a:t>our</a:t>
+            </a:r>
+            <a:r>
+              <a:rPr lang="zh-Hans" altLang="en-US" sz="2401" dirty="0"/>
+              <a:t> </a:t>
+            </a:r>
+            <a:r>
+              <a:rPr lang="en-US" altLang="zh-Hans" sz="2401" dirty="0"/>
+              <a:t>model</a:t>
+            </a:r>
+            <a:r>
+              <a:rPr lang="zh-Hans" altLang="en-US" sz="2401" dirty="0"/>
+              <a:t> </a:t>
+            </a:r>
+            <a:r>
+              <a:rPr lang="en-US" altLang="zh-Hans" sz="2401" dirty="0"/>
+              <a:t>tries</a:t>
+            </a:r>
+            <a:r>
+              <a:rPr lang="zh-Hans" altLang="en-US" sz="2401" dirty="0"/>
+              <a:t> </a:t>
+            </a:r>
+            <a:r>
+              <a:rPr lang="en-US" altLang="zh-Hans" sz="2401" dirty="0"/>
+              <a:t>to</a:t>
+            </a:r>
+            <a:r>
+              <a:rPr lang="zh-Hans" altLang="en-US" sz="2401" dirty="0"/>
+              <a:t> </a:t>
+            </a:r>
+            <a:r>
+              <a:rPr lang="en-US" altLang="zh-Hans" sz="2401" dirty="0"/>
+              <a:t>learn</a:t>
+            </a:r>
+            <a:r>
+              <a:rPr lang="zh-Hans" altLang="en-US" sz="2401" dirty="0"/>
+              <a:t> </a:t>
+            </a:r>
+            <a:r>
+              <a:rPr lang="en-US" altLang="zh-Hans" sz="2401" dirty="0"/>
+              <a:t>the</a:t>
+            </a:r>
+            <a:r>
+              <a:rPr lang="zh-Hans" altLang="en-US" sz="2401" dirty="0"/>
+              <a:t> </a:t>
+            </a:r>
+            <a:r>
+              <a:rPr lang="en-US" altLang="zh-Hans" sz="2401" dirty="0"/>
+              <a:t>representative</a:t>
+            </a:r>
+            <a:r>
+              <a:rPr lang="zh-Hans" altLang="en-US" sz="2401" dirty="0"/>
+              <a:t> </a:t>
+            </a:r>
+            <a:r>
+              <a:rPr lang="en-US" altLang="zh-Hans" sz="2401" dirty="0"/>
+              <a:t>features</a:t>
+            </a:r>
+            <a:r>
+              <a:rPr lang="zh-Hans" altLang="en-US" sz="2401" dirty="0"/>
+              <a:t> </a:t>
+            </a:r>
+            <a:r>
+              <a:rPr lang="en-US" altLang="zh-Hans" sz="2401" dirty="0"/>
+              <a:t>of</a:t>
+            </a:r>
+            <a:r>
+              <a:rPr lang="zh-Hans" altLang="en-US" sz="2401" dirty="0"/>
+              <a:t> </a:t>
+            </a:r>
+            <a:r>
+              <a:rPr lang="en-US" altLang="zh-Hans" sz="2401" dirty="0"/>
+              <a:t>the</a:t>
+            </a:r>
+            <a:r>
+              <a:rPr lang="zh-Hans" altLang="en-US" sz="2401" dirty="0"/>
+              <a:t> </a:t>
+            </a:r>
+            <a:r>
+              <a:rPr lang="en-US" altLang="zh-Hans" sz="2401" dirty="0"/>
+              <a:t>brain</a:t>
+            </a:r>
+            <a:r>
+              <a:rPr lang="zh-Hans" altLang="en-US" sz="2401" dirty="0"/>
+              <a:t> </a:t>
+            </a:r>
+            <a:r>
+              <a:rPr lang="en-US" altLang="zh-Hans" sz="2401" dirty="0"/>
+              <a:t>structures.</a:t>
+            </a:r>
+            <a:r>
+              <a:rPr lang="zh-Hans" altLang="en-US" sz="2401" dirty="0"/>
+              <a:t> </a:t>
+            </a:r>
+            <a:r>
+              <a:rPr lang="en-US" altLang="zh-Hans" sz="2401" dirty="0"/>
+              <a:t>In encoder part of the model, we choose three convolution layers with three max pooling layers. For the decoder part, we use three convolution layers, three deconvolution layers and an extra reconstruction layer to reconstruct the input image. Figure 3 below is an illustration of our model.</a:t>
+            </a:r>
+          </a:p>
+          <a:p>
+            <a:pPr algn="just"/>
+            <a:endParaRPr lang="en-US" altLang="zh-Hans" sz="2401" dirty="0"/>
+          </a:p>
+          <a:p>
+            <a:pPr algn="just"/>
+            <a:endParaRPr lang="en-US" altLang="zh-Hans" sz="2401" dirty="0"/>
+          </a:p>
+          <a:p>
+            <a:pPr algn="just"/>
+            <a:endParaRPr lang="en-US" altLang="zh-Hans" sz="2401" dirty="0"/>
+          </a:p>
+          <a:p>
+            <a:pPr algn="just"/>
+            <a:endParaRPr lang="en-US" altLang="zh-Hans" sz="2401" dirty="0"/>
+          </a:p>
+          <a:p>
+            <a:pPr algn="just"/>
+            <a:endParaRPr lang="en-US" altLang="zh-Hans" sz="2401" dirty="0"/>
+          </a:p>
+          <a:p>
+            <a:pPr algn="just"/>
+            <a:endParaRPr lang="en-US" altLang="zh-Hans" sz="2401" dirty="0"/>
+          </a:p>
+          <a:p>
+            <a:pPr algn="just"/>
+            <a:endParaRPr lang="en-US" altLang="zh-Hans" sz="2401" dirty="0"/>
+          </a:p>
+          <a:p>
+            <a:pPr algn="just"/>
+            <a:endParaRPr lang="en-US" altLang="zh-Hans" sz="2401" dirty="0"/>
+          </a:p>
+          <a:p>
+            <a:pPr algn="just"/>
+            <a:endParaRPr lang="en-US" sz="2401" dirty="0"/>
+          </a:p>
+          <a:p>
+            <a:endParaRPr lang="en-US" altLang="zh-Hans" sz="2160" dirty="0">
+              <a:latin typeface="Arial"/>
+              <a:cs typeface="Arial"/>
+            </a:endParaRPr>
+          </a:p>
+          <a:p>
+            <a:pPr marL="342864" indent="-342864" algn="just">
+              <a:buFont typeface="Arial" panose="020B0604020202020204" pitchFamily="34" charset="0"/>
+              <a:buChar char="•"/>
+            </a:pPr>
+            <a:r>
+              <a:rPr lang="en-US" altLang="zh-Hans" sz="2401" dirty="0"/>
+              <a:t>We</a:t>
+            </a:r>
+            <a:r>
+              <a:rPr lang="zh-Hans" altLang="en-US" sz="2401" dirty="0"/>
+              <a:t> </a:t>
+            </a:r>
+            <a:r>
+              <a:rPr lang="en-US" altLang="zh-Hans" sz="2401" dirty="0"/>
+              <a:t>trained</a:t>
+            </a:r>
+            <a:r>
+              <a:rPr lang="zh-Hans" altLang="en-US" sz="2401" dirty="0"/>
+              <a:t> </a:t>
+            </a:r>
+            <a:r>
+              <a:rPr lang="en-US" altLang="zh-Hans" sz="2401" dirty="0"/>
+              <a:t>our</a:t>
+            </a:r>
+            <a:r>
+              <a:rPr lang="zh-Hans" altLang="en-US" sz="2401" dirty="0"/>
+              <a:t> </a:t>
+            </a:r>
+            <a:r>
+              <a:rPr lang="en-US" altLang="zh-Hans" sz="2401" dirty="0"/>
+              <a:t>model</a:t>
+            </a:r>
+            <a:r>
+              <a:rPr lang="zh-Hans" altLang="en-US" sz="2401" dirty="0"/>
+              <a:t> </a:t>
+            </a:r>
+            <a:r>
+              <a:rPr lang="en-US" altLang="zh-Hans" sz="2401" dirty="0"/>
+              <a:t>using</a:t>
+            </a:r>
+            <a:r>
+              <a:rPr lang="zh-Hans" altLang="en-US" sz="2401" dirty="0"/>
+              <a:t> </a:t>
+            </a:r>
+            <a:r>
+              <a:rPr lang="en-US" altLang="zh-Hans" sz="2401" dirty="0"/>
+              <a:t>700</a:t>
+            </a:r>
+            <a:r>
+              <a:rPr lang="zh-Hans" altLang="en-US" sz="2401" dirty="0"/>
+              <a:t> </a:t>
+            </a:r>
+            <a:r>
+              <a:rPr lang="en-US" altLang="zh-Hans" sz="2401" dirty="0"/>
+              <a:t>MRI</a:t>
+            </a:r>
+            <a:r>
+              <a:rPr lang="zh-Hans" altLang="en-US" sz="2401" dirty="0"/>
+              <a:t> </a:t>
+            </a:r>
+            <a:r>
+              <a:rPr lang="en-US" altLang="zh-Hans" sz="2401" dirty="0"/>
+              <a:t>images</a:t>
+            </a:r>
+            <a:r>
+              <a:rPr lang="zh-Hans" altLang="en-US" sz="2401" dirty="0"/>
+              <a:t> </a:t>
+            </a:r>
+            <a:r>
+              <a:rPr lang="en-US" altLang="zh-Hans" sz="2401" dirty="0"/>
+              <a:t>and</a:t>
+            </a:r>
+            <a:r>
+              <a:rPr lang="zh-Hans" altLang="en-US" sz="2401" dirty="0"/>
+              <a:t> </a:t>
+            </a:r>
+            <a:r>
+              <a:rPr lang="en-US" altLang="zh-Hans" sz="2401" dirty="0"/>
+              <a:t>its</a:t>
+            </a:r>
+            <a:r>
+              <a:rPr lang="zh-Hans" altLang="en-US" sz="2401" dirty="0"/>
+              <a:t> </a:t>
+            </a:r>
+            <a:r>
+              <a:rPr lang="en-US" altLang="zh-Hans" sz="2401" dirty="0"/>
+              <a:t>corresponding</a:t>
+            </a:r>
+            <a:r>
+              <a:rPr lang="zh-Hans" altLang="en-US" sz="2401" dirty="0"/>
+              <a:t> </a:t>
+            </a:r>
+            <a:r>
+              <a:rPr lang="en-US" altLang="zh-Hans" sz="2401" dirty="0"/>
+              <a:t>skull-stripped</a:t>
+            </a:r>
+            <a:r>
+              <a:rPr lang="zh-Hans" altLang="en-US" sz="2401" dirty="0"/>
+              <a:t> </a:t>
+            </a:r>
+            <a:r>
+              <a:rPr lang="en-US" altLang="zh-Hans" sz="2401" dirty="0"/>
+              <a:t>images</a:t>
+            </a:r>
+            <a:r>
+              <a:rPr lang="zh-Hans" altLang="en-US" sz="2401" dirty="0"/>
+              <a:t> </a:t>
+            </a:r>
+            <a:r>
+              <a:rPr lang="en-US" altLang="zh-Hans" sz="2401" dirty="0"/>
+              <a:t>with</a:t>
+            </a:r>
+            <a:r>
+              <a:rPr lang="zh-Hans" altLang="en-US" sz="2401" dirty="0"/>
+              <a:t> </a:t>
+            </a:r>
+            <a:r>
+              <a:rPr lang="en-US" altLang="zh-Hans" sz="2401" dirty="0"/>
+              <a:t>batch</a:t>
+            </a:r>
+            <a:r>
+              <a:rPr lang="zh-Hans" altLang="en-US" sz="2401" dirty="0"/>
+              <a:t> </a:t>
+            </a:r>
+            <a:r>
+              <a:rPr lang="en-US" altLang="zh-Hans" sz="2401" dirty="0"/>
+              <a:t>size</a:t>
+            </a:r>
+            <a:r>
+              <a:rPr lang="zh-Hans" altLang="en-US" sz="2401" dirty="0"/>
+              <a:t> </a:t>
+            </a:r>
+            <a:r>
+              <a:rPr lang="en-US" altLang="zh-Hans" sz="2401" dirty="0"/>
+              <a:t>15,</a:t>
+            </a:r>
+            <a:r>
+              <a:rPr lang="zh-Hans" altLang="en-US" sz="2401" dirty="0"/>
+              <a:t> </a:t>
+            </a:r>
+            <a:r>
+              <a:rPr lang="en-US" altLang="zh-Hans" sz="2401" dirty="0"/>
+              <a:t>learning</a:t>
+            </a:r>
+            <a:r>
+              <a:rPr lang="zh-Hans" altLang="en-US" sz="2401" dirty="0"/>
+              <a:t> </a:t>
+            </a:r>
+            <a:r>
+              <a:rPr lang="en-US" altLang="zh-Hans" sz="2401" dirty="0"/>
+              <a:t>rate</a:t>
+            </a:r>
+            <a:r>
+              <a:rPr lang="zh-Hans" altLang="en-US" sz="2401" dirty="0"/>
+              <a:t> </a:t>
+            </a:r>
+            <a:r>
+              <a:rPr lang="en-US" altLang="zh-Hans" sz="2401" dirty="0"/>
+              <a:t>0.003</a:t>
+            </a:r>
+            <a:r>
+              <a:rPr lang="zh-Hans" altLang="en-US" sz="2401" dirty="0"/>
+              <a:t> </a:t>
+            </a:r>
+            <a:r>
+              <a:rPr lang="en-US" altLang="zh-Hans" sz="2401" dirty="0"/>
+              <a:t>and</a:t>
+            </a:r>
+            <a:r>
+              <a:rPr lang="zh-Hans" altLang="en-US" sz="2401" dirty="0"/>
+              <a:t> </a:t>
+            </a:r>
+            <a:r>
+              <a:rPr lang="en-US" altLang="zh-Hans" sz="2401" dirty="0"/>
+              <a:t>50</a:t>
+            </a:r>
+            <a:r>
+              <a:rPr lang="zh-Hans" altLang="en-US" sz="2401" dirty="0"/>
+              <a:t> </a:t>
+            </a:r>
+            <a:r>
+              <a:rPr lang="en-US" altLang="zh-Hans" sz="2401" dirty="0"/>
+              <a:t>epochs,</a:t>
+            </a:r>
+            <a:r>
+              <a:rPr lang="zh-Hans" altLang="en-US" sz="2401" dirty="0"/>
+              <a:t> </a:t>
+            </a:r>
+            <a:r>
+              <a:rPr lang="en-US" altLang="zh-Hans" sz="2401" dirty="0"/>
+              <a:t>by</a:t>
+            </a:r>
+            <a:r>
+              <a:rPr lang="zh-Hans" altLang="en-US" sz="2401" dirty="0"/>
+              <a:t> </a:t>
+            </a:r>
+            <a:r>
+              <a:rPr lang="en-US" altLang="zh-Hans" sz="2401" dirty="0"/>
+              <a:t>optimizing</a:t>
+            </a:r>
+            <a:r>
+              <a:rPr lang="zh-Hans" altLang="en-US" sz="2401" dirty="0"/>
+              <a:t> </a:t>
+            </a:r>
+            <a:r>
+              <a:rPr lang="en-US" altLang="zh-Hans" sz="2401" dirty="0"/>
+              <a:t>the</a:t>
+            </a:r>
+            <a:r>
+              <a:rPr lang="zh-Hans" altLang="en-US" sz="2401" dirty="0"/>
+              <a:t> </a:t>
+            </a:r>
+            <a:r>
+              <a:rPr lang="en-US" altLang="zh-Hans" sz="2401" dirty="0"/>
+              <a:t>equation</a:t>
+            </a:r>
+            <a:r>
+              <a:rPr lang="zh-Hans" altLang="en-US" sz="2401" dirty="0"/>
+              <a:t> </a:t>
+            </a:r>
+            <a:r>
+              <a:rPr lang="en-US" altLang="zh-Hans" sz="2401" dirty="0"/>
+              <a:t>(1).</a:t>
+            </a:r>
+            <a:r>
+              <a:rPr lang="zh-Hans" altLang="en-US" sz="2401" dirty="0"/>
+              <a:t> </a:t>
+            </a:r>
+            <a:r>
+              <a:rPr lang="en-US" altLang="zh-Hans" sz="2401" dirty="0"/>
+              <a:t>Figure</a:t>
+            </a:r>
+            <a:r>
+              <a:rPr lang="zh-Hans" altLang="en-US" sz="2401" dirty="0"/>
+              <a:t> </a:t>
+            </a:r>
+            <a:r>
+              <a:rPr lang="en-US" altLang="zh-Hans" sz="2401" dirty="0"/>
+              <a:t>4</a:t>
+            </a:r>
+            <a:r>
+              <a:rPr lang="zh-Hans" altLang="en-US" sz="2401" dirty="0"/>
+              <a:t> </a:t>
+            </a:r>
+            <a:r>
+              <a:rPr lang="en-US" altLang="zh-Hans" sz="2401" dirty="0"/>
+              <a:t>above</a:t>
+            </a:r>
+            <a:r>
+              <a:rPr lang="zh-Hans" altLang="en-US" sz="2401" dirty="0"/>
+              <a:t> </a:t>
+            </a:r>
+            <a:r>
+              <a:rPr lang="en-US" altLang="zh-Hans" sz="2401" dirty="0"/>
+              <a:t>is</a:t>
+            </a:r>
+            <a:r>
+              <a:rPr lang="zh-Hans" altLang="en-US" sz="2401" dirty="0"/>
+              <a:t> </a:t>
+            </a:r>
+            <a:r>
+              <a:rPr lang="en-US" altLang="zh-Hans" sz="2401" dirty="0"/>
+              <a:t>the</a:t>
+            </a:r>
+            <a:r>
+              <a:rPr lang="zh-Hans" altLang="en-US" sz="2401" dirty="0"/>
+              <a:t> </a:t>
+            </a:r>
+            <a:r>
+              <a:rPr lang="en-US" altLang="zh-Hans" sz="2401" dirty="0"/>
+              <a:t>training</a:t>
+            </a:r>
+            <a:r>
+              <a:rPr lang="zh-Hans" altLang="en-US" sz="2401" dirty="0"/>
+              <a:t> </a:t>
+            </a:r>
+            <a:r>
+              <a:rPr lang="en-US" altLang="zh-Hans" sz="2401" dirty="0"/>
+              <a:t>loss.</a:t>
+            </a:r>
+          </a:p>
+          <a:p>
+            <a:pPr marL="342864" indent="-342864" algn="just">
+              <a:buFont typeface="Arial" panose="020B0604020202020204" pitchFamily="34" charset="0"/>
+              <a:buChar char="•"/>
+            </a:pPr>
+            <a:r>
+              <a:rPr lang="en-US" altLang="zh-Hans" sz="2401" dirty="0"/>
+              <a:t>After numerous experiments, we found our model is able to detect the region of brain, but cannot reconstruct the stripped image with resolution as high as the input. Since skull stripping is a preprocessing step for other diagnosis, which requires high resolution brain images, we use reconstructed images as bitmasks applied to unstripped images. As shown below:</a:t>
+            </a:r>
+          </a:p>
+          <a:p>
+            <a:pPr marL="411440" indent="-411440">
+              <a:buFont typeface="Arial"/>
+              <a:buChar char="•"/>
+            </a:pPr>
+            <a:endParaRPr lang="en-US" altLang="zh-Hans" sz="2160" dirty="0">
+              <a:latin typeface="Arial"/>
+              <a:cs typeface="Arial"/>
+            </a:endParaRPr>
+          </a:p>
+          <a:p>
+            <a:pPr marL="411440" indent="-411440">
+              <a:buFont typeface="Arial"/>
+              <a:buChar char="•"/>
+            </a:pPr>
+            <a:endParaRPr lang="en-US" sz="2160" dirty="0">
+              <a:latin typeface="Arial"/>
+              <a:cs typeface="Arial"/>
+            </a:endParaRPr>
+          </a:p>
+          <a:p>
+            <a:pPr marL="411440" indent="-411440">
+              <a:buFont typeface="Arial"/>
+              <a:buChar char="•"/>
+            </a:pPr>
+            <a:endParaRPr lang="en-US" sz="2160" dirty="0">
+              <a:latin typeface="Arial"/>
+              <a:cs typeface="Arial"/>
+            </a:endParaRPr>
+          </a:p>
+        </p:txBody>
+      </p:sp>
+      <p:pic>
+        <p:nvPicPr>
+          <p:cNvPr id="15" name="Picture 14">
+            <a:extLst>
+              <a:ext uri="{FF2B5EF4-FFF2-40B4-BE49-F238E27FC236}">
+                <a16:creationId xmlns:a16="http://schemas.microsoft.com/office/drawing/2014/main" id="{31EB3D20-A791-44DB-B2BA-76A286EDE54D}"/>
               </a:ext>
             </a:extLst>
           </p:cNvPr>
@@ -3969,88 +4021,14 @@
         </p:blipFill>
         <p:spPr>
           <a:xfrm>
-            <a:off x="27199219" y="10473262"/>
-            <a:ext cx="4385270" cy="3288952"/>
+            <a:off x="1926973" y="12644140"/>
+            <a:ext cx="6457950" cy="819150"/>
           </a:xfrm>
           <a:prstGeom prst="rect">
             <a:avLst/>
           </a:prstGeom>
         </p:spPr>
       </p:pic>
-      <p:sp>
-        <p:nvSpPr>
-          <p:cNvPr id="49" name="Rectangle 48">
-            <a:extLst>
-              <a:ext uri="{FF2B5EF4-FFF2-40B4-BE49-F238E27FC236}">
-                <a16:creationId xmlns:a16="http://schemas.microsoft.com/office/drawing/2014/main" id="{0C082B30-DA07-4252-BC11-814C6B91E657}"/>
-              </a:ext>
-            </a:extLst>
-          </p:cNvPr>
-          <p:cNvSpPr/>
-          <p:nvPr/>
-        </p:nvSpPr>
-        <p:spPr>
-          <a:xfrm>
-            <a:off x="23373604" y="10000070"/>
-            <a:ext cx="3825615" cy="2308324"/>
-          </a:xfrm>
-          <a:prstGeom prst="rect">
-            <a:avLst/>
-          </a:prstGeom>
-        </p:spPr>
-        <p:txBody>
-          <a:bodyPr wrap="square">
-            <a:spAutoFit/>
-          </a:bodyPr>
-          <a:lstStyle/>
-          <a:p>
-            <a:endParaRPr lang="en-US" altLang="zh-Hans" sz="2400" i="1" dirty="0">
-              <a:solidFill>
-                <a:srgbClr val="8C8C83"/>
-              </a:solidFill>
-              <a:cs typeface="Arial"/>
-            </a:endParaRPr>
-          </a:p>
-          <a:p>
-            <a:r>
-              <a:rPr lang="zh-Hans" altLang="en-US" sz="2400" i="1" dirty="0">
-                <a:solidFill>
-                  <a:srgbClr val="8C8C83"/>
-                </a:solidFill>
-                <a:cs typeface="Arial"/>
-              </a:rPr>
-              <a:t> </a:t>
-            </a:r>
-            <a:r>
-              <a:rPr lang="en-US" sz="2400" i="1" dirty="0">
-                <a:solidFill>
-                  <a:srgbClr val="8C8C83"/>
-                </a:solidFill>
-                <a:cs typeface="Arial"/>
-              </a:rPr>
-              <a:t>Figure.7  A </a:t>
-            </a:r>
-            <a:r>
-              <a:rPr lang="en-US" sz="2400" i="1" dirty="0" err="1">
-                <a:solidFill>
-                  <a:srgbClr val="8C8C83"/>
-                </a:solidFill>
-                <a:cs typeface="Arial"/>
-              </a:rPr>
-              <a:t>sklearn</a:t>
-            </a:r>
-            <a:r>
-              <a:rPr lang="en-US" sz="2400" i="1" dirty="0">
-                <a:solidFill>
-                  <a:srgbClr val="8C8C83"/>
-                </a:solidFill>
-                <a:cs typeface="Arial"/>
-              </a:rPr>
-              <a:t> comparison of models by their accuracy and cross-validation scores in terms of number of pixels </a:t>
-            </a:r>
-          </a:p>
-        </p:txBody>
-      </p:sp>
     </p:spTree>
     <p:extLst>
       <p:ext uri="{BB962C8B-B14F-4D97-AF65-F5344CB8AC3E}">

--- a/Poster.pptx
+++ b/Poster.pptx
@@ -1113,35 +1113,15 @@
             <a:avLst/>
           </a:prstGeom>
           <a:solidFill>
-            <a:schemeClr val="accent1"/>
+            <a:schemeClr val="accent2">
+              <a:lumMod val="75000"/>
+            </a:schemeClr>
           </a:solidFill>
           <a:ln>
             <a:noFill/>
           </a:ln>
           <a:effectLst/>
-          <a:extLst>
-            <a:ext uri="{91240B29-F687-4F45-9708-019B960494DF}">
-              <a14:hiddenLine xmlns:a14="http://schemas.microsoft.com/office/drawing/2010/main" w="9525">
-                <a:solidFill>
-                  <a:srgbClr val="000000"/>
-                </a:solidFill>
-                <a:miter lim="800000"/>
-                <a:headEnd/>
-                <a:tailEnd/>
-              </a14:hiddenLine>
-            </a:ext>
-            <a:ext uri="{AF507438-7753-43E0-B8FC-AC1667EBCBE1}">
-              <a14:hiddenEffects xmlns:a14="http://schemas.microsoft.com/office/drawing/2010/main">
-                <a:effectLst>
-                  <a:outerShdw blurRad="63500" dist="38099" dir="2700000" algn="ctr" rotWithShape="0">
-                    <a:schemeClr val="bg2">
-                      <a:alpha val="74998"/>
-                    </a:schemeClr>
-                  </a:outerShdw>
-                </a:effectLst>
-              </a14:hiddenEffects>
-            </a:ext>
-          </a:extLst>
+          <a:extLst/>
         </p:spPr>
         <p:txBody>
           <a:bodyPr wrap="none" anchor="ctr"/>
@@ -1274,7 +1254,7 @@
         </p:nvSpPr>
         <p:spPr>
           <a:xfrm>
-            <a:off x="11210283" y="1525397"/>
+            <a:off x="11210283" y="1691575"/>
             <a:ext cx="10650309" cy="1277451"/>
           </a:xfrm>
           <a:prstGeom prst="rect">
@@ -1468,7 +1448,7 @@
             </a:r>
             <a:r>
               <a:rPr lang="en-US" altLang="zh-Hans" sz="2401" dirty="0"/>
-              <a:t>The first row are original unstripped images. The second row are learned stripped images. As shown in those images, our algorithm can perform skull stripping well on various slices of brains. This is a deliberately introduced test line you should delete this line after you see it. The overall accuracy of our model is around 92%. One thing worth noting is that most of our model‘s inaccuracy comes from failing to strip a small portion of skull, as shown in the</a:t>
+              <a:t>The first row are original unstripped images. The second row are learned stripped images. As shown in those images, our algorithm can perform skull stripping well on various slices of brains. The overall accuracy of our model is around 92%. One thing worth noting is that most of our model‘s inaccuracy comes from failing to strip a small portion of skull, as shown in the</a:t>
             </a:r>
             <a:r>
               <a:rPr lang="zh-Hans" altLang="en-US" sz="2401" dirty="0"/>
@@ -1739,8 +1719,8 @@
         </p:nvSpPr>
         <p:spPr bwMode="auto">
           <a:xfrm>
-            <a:off x="10891804" y="3499383"/>
-            <a:ext cx="146088" cy="15683556"/>
+            <a:off x="10891804" y="3333262"/>
+            <a:ext cx="153991" cy="16255492"/>
           </a:xfrm>
           <a:prstGeom prst="rect">
             <a:avLst/>
@@ -1781,8 +1761,8 @@
         </p:nvSpPr>
         <p:spPr bwMode="auto">
           <a:xfrm flipH="1">
-            <a:off x="22047124" y="3499383"/>
-            <a:ext cx="124475" cy="15683556"/>
+            <a:off x="22047123" y="3333262"/>
+            <a:ext cx="81056" cy="16392654"/>
           </a:xfrm>
           <a:prstGeom prst="rect">
             <a:avLst/>
@@ -1823,7 +1803,7 @@
         </p:nvSpPr>
         <p:spPr bwMode="auto">
           <a:xfrm rot="5400000">
-            <a:off x="16434033" y="-13028399"/>
+            <a:off x="16390619" y="-13194521"/>
             <a:ext cx="137160" cy="32918402"/>
           </a:xfrm>
           <a:prstGeom prst="rect">

--- a/Poster.pptx
+++ b/Poster.pptx
@@ -217,7 +217,7 @@
           <a:p>
             <a:fld id="{EC5DAD25-F83A-E84F-8A45-00F8F1023B42}" type="datetimeFigureOut">
               <a:rPr lang="en-US" smtClean="0"/>
-              <a:t>5/31/2018</a:t>
+              <a:t>6/2/2018</a:t>
             </a:fld>
             <a:endParaRPr lang="en-US"/>
           </a:p>
@@ -1850,195 +1850,269 @@
         <p:grpSpPr>
           <a:xfrm>
             <a:off x="929348" y="3914515"/>
-            <a:ext cx="9052560" cy="10705930"/>
+            <a:ext cx="9052560" cy="11814310"/>
             <a:chOff x="950278" y="5073412"/>
-            <a:chExt cx="9052560" cy="10705930"/>
+            <a:chExt cx="9052560" cy="11814310"/>
           </a:xfrm>
         </p:grpSpPr>
-        <p:sp>
-          <p:nvSpPr>
-            <p:cNvPr id="5" name="TextBox 4"/>
-            <p:cNvSpPr txBox="1"/>
-            <p:nvPr/>
-          </p:nvSpPr>
-          <p:spPr>
-            <a:xfrm>
-              <a:off x="950278" y="5073412"/>
-              <a:ext cx="9052560" cy="10705930"/>
-            </a:xfrm>
-            <a:prstGeom prst="rect">
-              <a:avLst/>
-            </a:prstGeom>
-            <a:noFill/>
-          </p:spPr>
-          <p:txBody>
-            <a:bodyPr wrap="square" lIns="65837" tIns="32918" rIns="65837" bIns="32918" rtlCol="0">
-              <a:spAutoFit/>
-            </a:bodyPr>
-            <a:lstStyle/>
-            <a:p>
-              <a:r>
-                <a:rPr lang="en-US" sz="4320" b="1" dirty="0">
-                  <a:solidFill>
-                    <a:srgbClr val="2D669D"/>
-                  </a:solidFill>
-                  <a:latin typeface="Arial"/>
-                  <a:cs typeface="Arial"/>
-                </a:rPr>
-                <a:t>Background</a:t>
-              </a:r>
-            </a:p>
-            <a:p>
-              <a:endParaRPr lang="en-US" sz="2639" dirty="0">
-                <a:latin typeface="Arial"/>
-                <a:cs typeface="Arial"/>
-              </a:endParaRPr>
-            </a:p>
-            <a:p>
-              <a:pPr marL="342864" indent="-342864" algn="just">
-                <a:buFont typeface="Arial" panose="020B0604020202020204" pitchFamily="34" charset="0"/>
-                <a:buChar char="•"/>
-              </a:pPr>
-              <a:r>
-                <a:rPr lang="en-US" sz="2401" dirty="0"/>
-                <a:t>Computer aided diagnosis based on medical images from MRI(magnetic resonance image) has gained ubiquitous usage for its noninvasive, nondestructive, flexible properties</a:t>
-              </a:r>
-            </a:p>
-            <a:p>
-              <a:pPr marL="342864" indent="-342864" algn="just">
-                <a:buFont typeface="Arial" panose="020B0604020202020204" pitchFamily="34" charset="0"/>
-                <a:buChar char="•"/>
-              </a:pPr>
-              <a:r>
-                <a:rPr lang="en-US" sz="2401" dirty="0"/>
-                <a:t>To satisfy the demand for interior and exterior structure of brain structures, MRI can produce cross-sectional images from different angles, for example, top-down, side-to-side and front-to-back</a:t>
-              </a:r>
-            </a:p>
-            <a:p>
-              <a:pPr marL="342864" indent="-342864" algn="just">
-                <a:buFont typeface="Arial" panose="020B0604020202020204" pitchFamily="34" charset="0"/>
-                <a:buChar char="•"/>
-              </a:pPr>
-              <a:r>
-                <a:rPr lang="en-US" sz="2401" dirty="0"/>
-                <a:t>As a preliminary step for further analysis, brain segmentation, i.e. skull stripping, needs both speed and accuracy in practice. </a:t>
-              </a:r>
-            </a:p>
-            <a:p>
-              <a:pPr marL="342864" indent="-342864" algn="just">
-                <a:buFont typeface="Arial" panose="020B0604020202020204" pitchFamily="34" charset="0"/>
-                <a:buChar char="•"/>
-              </a:pPr>
-              <a:r>
-                <a:rPr lang="en-US" sz="2401" dirty="0"/>
-                <a:t>Having slices from different angles give a lot of challenges in stripping those tissues which people are interested in, </a:t>
-              </a:r>
-              <a:r>
-                <a:rPr lang="en-US" sz="2401"/>
-                <a:t>from </a:t>
-              </a:r>
-              <a:r>
-                <a:rPr lang="en-US" altLang="zh-Hans" sz="2401"/>
-                <a:t>e</a:t>
-              </a:r>
-              <a:r>
-                <a:rPr lang="en-US" sz="2401"/>
-                <a:t>xtracranial </a:t>
-              </a:r>
-              <a:r>
-                <a:rPr lang="en-US" sz="2401" dirty="0"/>
-                <a:t>or non-brain tissues that has nothing to do with brain diseases such as Alzheimer’s disease, aneurysm in the brain and etc.</a:t>
-              </a:r>
-            </a:p>
-            <a:p>
-              <a:pPr marL="342864" indent="-342864" algn="just">
-                <a:buFont typeface="Arial" panose="020B0604020202020204" pitchFamily="34" charset="0"/>
-                <a:buChar char="•"/>
-              </a:pPr>
-              <a:r>
-                <a:rPr lang="en-US" sz="2401" dirty="0"/>
-                <a:t>Machine learning is a broad concept that include many interesting algorithms that we would like to implement and experiment on. For example, </a:t>
-              </a:r>
-              <a:r>
-                <a:rPr lang="en-US" sz="2401" dirty="0" err="1"/>
-                <a:t>Butman</a:t>
-              </a:r>
-              <a:r>
-                <a:rPr lang="en-US" sz="2401" dirty="0"/>
-                <a:t> introduced a robust machine learning method that detects the brain boundary by random forest. </a:t>
-              </a:r>
-              <a:endParaRPr lang="en-US" sz="2639" dirty="0">
-                <a:latin typeface=""/>
-              </a:endParaRPr>
-            </a:p>
-            <a:p>
-              <a:endParaRPr lang="en-US" sz="2639" dirty="0">
-                <a:latin typeface=""/>
-              </a:endParaRPr>
-            </a:p>
-            <a:p>
-              <a:r>
-                <a:rPr lang="en-US" sz="4320" b="1" dirty="0">
-                  <a:solidFill>
-                    <a:srgbClr val="2D669D"/>
-                  </a:solidFill>
-                  <a:latin typeface="Arial"/>
-                  <a:cs typeface="Arial"/>
-                </a:rPr>
-                <a:t>Baseline Methods</a:t>
-              </a:r>
-              <a:endParaRPr lang="en-US" sz="2639" dirty="0">
-                <a:latin typeface="Arial"/>
-                <a:cs typeface="Arial"/>
-              </a:endParaRPr>
-            </a:p>
-            <a:p>
-              <a:pPr marL="342864" indent="-342864" algn="just">
-                <a:buFont typeface="Arial" panose="020B0604020202020204" pitchFamily="34" charset="0"/>
-                <a:buChar char="•"/>
-              </a:pPr>
-              <a:r>
-                <a:rPr lang="en-US" sz="2401" dirty="0"/>
-                <a:t>We model the problem as</a:t>
-              </a:r>
-            </a:p>
-            <a:p>
-              <a:pPr algn="just"/>
-              <a:r>
-                <a:rPr lang="en-US" sz="2401" dirty="0"/>
-                <a:t>and have a loss function of </a:t>
-              </a:r>
-            </a:p>
-            <a:p>
-              <a:pPr algn="just"/>
-              <a:endParaRPr lang="en-US" sz="2401" dirty="0"/>
-            </a:p>
-            <a:p>
-              <a:pPr algn="just"/>
-              <a:r>
-                <a:rPr lang="en-US" sz="2401" dirty="0"/>
-                <a:t> </a:t>
-              </a:r>
-            </a:p>
-            <a:p>
-              <a:pPr marL="342864" indent="-342864" algn="just">
-                <a:buFont typeface="Arial" panose="020B0604020202020204" pitchFamily="34" charset="0"/>
-                <a:buChar char="•"/>
-              </a:pPr>
-              <a:r>
-                <a:rPr lang="en-US" sz="2401" dirty="0"/>
-                <a:t>We experimented on the significance of each feature like local patch, color and position and implemented baseline models like Random Forest, SVM and logistic regression with loss function. </a:t>
-              </a:r>
-              <a:r>
-                <a:rPr lang="en-US" sz="2160" dirty="0">
-                  <a:latin typeface="Arial"/>
-                  <a:cs typeface="Arial"/>
-                </a:rPr>
-                <a:t> </a:t>
-              </a:r>
-            </a:p>
-          </p:txBody>
-        </p:sp>
+        <mc:AlternateContent xmlns:mc="http://schemas.openxmlformats.org/markup-compatibility/2006">
+          <mc:Choice xmlns:a14="http://schemas.microsoft.com/office/drawing/2010/main" Requires="a14">
+            <p:sp>
+              <p:nvSpPr>
+                <p:cNvPr id="5" name="TextBox 4"/>
+                <p:cNvSpPr txBox="1"/>
+                <p:nvPr/>
+              </p:nvSpPr>
+              <p:spPr>
+                <a:xfrm>
+                  <a:off x="950278" y="5073412"/>
+                  <a:ext cx="9052560" cy="11814310"/>
+                </a:xfrm>
+                <a:prstGeom prst="rect">
+                  <a:avLst/>
+                </a:prstGeom>
+                <a:noFill/>
+              </p:spPr>
+              <p:txBody>
+                <a:bodyPr wrap="square" lIns="65837" tIns="32918" rIns="65837" bIns="32918" rtlCol="0">
+                  <a:spAutoFit/>
+                </a:bodyPr>
+                <a:lstStyle/>
+                <a:p>
+                  <a:r>
+                    <a:rPr lang="en-US" sz="4320" b="1" dirty="0">
+                      <a:solidFill>
+                        <a:srgbClr val="2D669D"/>
+                      </a:solidFill>
+                      <a:latin typeface="Arial"/>
+                      <a:cs typeface="Arial"/>
+                    </a:rPr>
+                    <a:t>Background</a:t>
+                  </a:r>
+                </a:p>
+                <a:p>
+                  <a:endParaRPr lang="en-US" sz="2639" dirty="0">
+                    <a:latin typeface="Arial"/>
+                    <a:cs typeface="Arial"/>
+                  </a:endParaRPr>
+                </a:p>
+                <a:p>
+                  <a:pPr marL="342864" indent="-342864" algn="just">
+                    <a:buFont typeface="Arial" panose="020B0604020202020204" pitchFamily="34" charset="0"/>
+                    <a:buChar char="•"/>
+                  </a:pPr>
+                  <a:r>
+                    <a:rPr lang="en-US" sz="2401" dirty="0"/>
+                    <a:t>Computer aided diagnosis based on medical images from MRI(magnetic resonance image) has gained ubiquitous usage for its noninvasive, nondestructive, flexible properties</a:t>
+                  </a:r>
+                </a:p>
+                <a:p>
+                  <a:pPr marL="342864" indent="-342864" algn="just">
+                    <a:buFont typeface="Arial" panose="020B0604020202020204" pitchFamily="34" charset="0"/>
+                    <a:buChar char="•"/>
+                  </a:pPr>
+                  <a:r>
+                    <a:rPr lang="en-US" sz="2401" dirty="0"/>
+                    <a:t>To satisfy the demand for interior and exterior structure of brain structures, MRI can produce cross-sectional images from different angles, for example, top-down, side-to-side and front-to-back</a:t>
+                  </a:r>
+                </a:p>
+                <a:p>
+                  <a:pPr marL="342864" indent="-342864" algn="just">
+                    <a:buFont typeface="Arial" panose="020B0604020202020204" pitchFamily="34" charset="0"/>
+                    <a:buChar char="•"/>
+                  </a:pPr>
+                  <a:r>
+                    <a:rPr lang="en-US" sz="2401" dirty="0"/>
+                    <a:t>As a preliminary step for further analysis, brain segmentation, i.e. skull stripping, needs both speed and accuracy in practice. </a:t>
+                  </a:r>
+                </a:p>
+                <a:p>
+                  <a:pPr marL="342864" indent="-342864" algn="just">
+                    <a:buFont typeface="Arial" panose="020B0604020202020204" pitchFamily="34" charset="0"/>
+                    <a:buChar char="•"/>
+                  </a:pPr>
+                  <a:r>
+                    <a:rPr lang="en-US" sz="2401" dirty="0"/>
+                    <a:t>Having slices from different angles give a lot of challenges in stripping those tissues which people are interested in, from </a:t>
+                  </a:r>
+                  <a:r>
+                    <a:rPr lang="en-US" altLang="zh-Hans" sz="2401" dirty="0"/>
+                    <a:t>e</a:t>
+                  </a:r>
+                  <a:r>
+                    <a:rPr lang="en-US" sz="2401" dirty="0"/>
+                    <a:t>xtracranial or non-brain tissues that has nothing to do with brain diseases such as Alzheimer’s disease, aneurysm in the brain and etc.</a:t>
+                  </a:r>
+                </a:p>
+                <a:p>
+                  <a:endParaRPr lang="en-US" sz="2639" dirty="0">
+                    <a:latin typeface=""/>
+                  </a:endParaRPr>
+                </a:p>
+                <a:p>
+                  <a:r>
+                    <a:rPr lang="en-US" sz="4320" b="1" dirty="0">
+                      <a:solidFill>
+                        <a:srgbClr val="2D669D"/>
+                      </a:solidFill>
+                      <a:latin typeface="Arial"/>
+                      <a:cs typeface="Arial"/>
+                    </a:rPr>
+                    <a:t>Baseline Methods</a:t>
+                  </a:r>
+                  <a:endParaRPr lang="en-US" sz="2639" dirty="0">
+                    <a:latin typeface="Arial"/>
+                    <a:cs typeface="Arial"/>
+                  </a:endParaRPr>
+                </a:p>
+                <a:p>
+                  <a:pPr marL="342864" indent="-342864" algn="just">
+                    <a:buFont typeface="Arial" panose="020B0604020202020204" pitchFamily="34" charset="0"/>
+                    <a:buChar char="•"/>
+                  </a:pPr>
+                  <a:r>
+                    <a:rPr lang="en-US" sz="2401" dirty="0"/>
+                    <a:t>We model the problem as</a:t>
+                  </a:r>
+                </a:p>
+                <a:p>
+                  <a:pPr algn="just"/>
+                  <a:r>
+                    <a:rPr lang="en-US" altLang="zh-CN" sz="2401" dirty="0"/>
+                    <a:t>where X is a </a:t>
+                  </a:r>
+                  <a14:m>
+                    <m:oMath xmlns:m="http://schemas.openxmlformats.org/officeDocument/2006/math">
+                      <m:r>
+                        <a:rPr lang="en-US" altLang="zh-CN" sz="2401" b="0" i="1" smtClean="0">
+                          <a:latin typeface="Cambria Math" panose="02040503050406030204" pitchFamily="18" charset="0"/>
+                        </a:rPr>
+                        <m:t>𝑚</m:t>
+                      </m:r>
+                      <m:r>
+                        <a:rPr lang="en-US" altLang="zh-CN" sz="2401" b="0" i="1" smtClean="0">
+                          <a:latin typeface="Cambria Math" panose="02040503050406030204" pitchFamily="18" charset="0"/>
+                        </a:rPr>
+                        <m:t>×</m:t>
+                      </m:r>
+                      <m:r>
+                        <a:rPr lang="en-US" altLang="zh-CN" sz="2401" b="0" i="1" smtClean="0">
+                          <a:latin typeface="Cambria Math" panose="02040503050406030204" pitchFamily="18" charset="0"/>
+                        </a:rPr>
+                        <m:t>𝑛</m:t>
+                      </m:r>
+                    </m:oMath>
+                  </a14:m>
+                  <a:r>
+                    <a:rPr lang="en-US" sz="2401" dirty="0"/>
+                    <a:t> matrix representing original image, S is the skull and X’ is the reconstructed image that the skull is stripped. </a:t>
+                  </a:r>
+                </a:p>
+                <a:p>
+                  <a:pPr marL="342900" indent="-342900" algn="just">
+                    <a:buFont typeface="Arial" panose="020B0604020202020204" pitchFamily="34" charset="0"/>
+                    <a:buChar char="•"/>
+                  </a:pPr>
+                  <a:r>
+                    <a:rPr lang="en-US" sz="2401" dirty="0"/>
+                    <a:t>We have a loss function of </a:t>
+                  </a:r>
+                </a:p>
+                <a:p>
+                  <a:pPr marL="342900" indent="-342900" algn="just">
+                    <a:buFont typeface="Arial" panose="020B0604020202020204" pitchFamily="34" charset="0"/>
+                    <a:buChar char="•"/>
+                  </a:pPr>
+                  <a:endParaRPr lang="en-US" sz="2401" dirty="0"/>
+                </a:p>
+                <a:p>
+                  <a:pPr algn="just"/>
+                  <a:endParaRPr lang="en-US" sz="2401" dirty="0"/>
+                </a:p>
+                <a:p>
+                  <a:pPr algn="just"/>
+                  <a:r>
+                    <a:rPr lang="en-US" sz="2401" dirty="0"/>
+                    <a:t>The first term marks the difference in reconstructed brain area and don’t want to change the original brain. The second term is the skull that we try to remove; we use </a:t>
+                  </a:r>
+                  <a14:m>
+                    <m:oMath xmlns:m="http://schemas.openxmlformats.org/officeDocument/2006/math">
+                      <m:r>
+                        <a:rPr lang="en-US" sz="2401" b="0" i="1" smtClean="0">
+                          <a:latin typeface="Cambria Math" panose="02040503050406030204" pitchFamily="18" charset="0"/>
+                        </a:rPr>
+                        <m:t>𝛼</m:t>
+                      </m:r>
+                    </m:oMath>
+                  </a14:m>
+                  <a:r>
+                    <a:rPr lang="en-US" sz="2401" dirty="0"/>
+                    <a:t> to regularize these two terms.</a:t>
+                  </a:r>
+                </a:p>
+                <a:p>
+                  <a:pPr algn="just"/>
+                  <a:endParaRPr lang="en-US" sz="2401" dirty="0"/>
+                </a:p>
+                <a:p>
+                  <a:pPr marL="342864" indent="-342864" algn="just">
+                    <a:buFont typeface="Arial" panose="020B0604020202020204" pitchFamily="34" charset="0"/>
+                    <a:buChar char="•"/>
+                  </a:pPr>
+                  <a:r>
+                    <a:rPr lang="en-US" sz="2401" dirty="0"/>
+                    <a:t>We experimented in Figure 7 on the significance of each feature like local patch, color and position and implemented baseline models like Random Forest, SVM and logistic regression with based on the loss function. </a:t>
+                  </a:r>
+                  <a:r>
+                    <a:rPr lang="en-US" sz="2160" dirty="0">
+                      <a:latin typeface="Arial"/>
+                      <a:cs typeface="Arial"/>
+                    </a:rPr>
+                    <a:t> </a:t>
+                  </a:r>
+                </a:p>
+              </p:txBody>
+            </p:sp>
+          </mc:Choice>
+          <mc:Fallback>
+            <p:sp>
+              <p:nvSpPr>
+                <p:cNvPr id="5" name="TextBox 4"/>
+                <p:cNvSpPr txBox="1">
+                  <a:spLocks noRot="1" noChangeAspect="1" noMove="1" noResize="1" noEditPoints="1" noAdjustHandles="1" noChangeArrowheads="1" noChangeShapeType="1" noTextEdit="1"/>
+                </p:cNvSpPr>
+                <p:nvPr/>
+              </p:nvSpPr>
+              <p:spPr>
+                <a:xfrm>
+                  <a:off x="950278" y="5073412"/>
+                  <a:ext cx="9052560" cy="11814310"/>
+                </a:xfrm>
+                <a:prstGeom prst="rect">
+                  <a:avLst/>
+                </a:prstGeom>
+                <a:blipFill>
+                  <a:blip r:embed="rId4"/>
+                  <a:stretch>
+                    <a:fillRect l="-2896" t="-1084" r="-1347" b="-310"/>
+                  </a:stretch>
+                </a:blipFill>
+              </p:spPr>
+              <p:txBody>
+                <a:bodyPr/>
+                <a:lstStyle/>
+                <a:p>
+                  <a:r>
+                    <a:rPr lang="en-US">
+                      <a:noFill/>
+                    </a:rPr>
+                    <a:t> </a:t>
+                  </a:r>
+                </a:p>
+              </p:txBody>
+            </p:sp>
+          </mc:Fallback>
+        </mc:AlternateContent>
         <p:pic>
           <p:nvPicPr>
             <p:cNvPr id="17" name="Picture 16">
@@ -2054,15 +2128,15 @@
             <p:nvPr/>
           </p:nvPicPr>
           <p:blipFill>
-            <a:blip r:embed="rId4"/>
+            <a:blip r:embed="rId5"/>
             <a:stretch>
               <a:fillRect/>
             </a:stretch>
           </p:blipFill>
           <p:spPr>
             <a:xfrm>
-              <a:off x="4873214" y="12985956"/>
-              <a:ext cx="2375063" cy="581359"/>
+              <a:off x="4686354" y="11535014"/>
+              <a:ext cx="2069709" cy="506616"/>
             </a:xfrm>
             <a:prstGeom prst="rect">
               <a:avLst/>
@@ -2070,36 +2144,6 @@
           </p:spPr>
         </p:pic>
       </p:grpSp>
-      <p:pic>
-        <p:nvPicPr>
-          <p:cNvPr id="10" name="Picture 9">
-            <a:extLst>
-              <a:ext uri="{FF2B5EF4-FFF2-40B4-BE49-F238E27FC236}">
-                <a16:creationId xmlns:a16="http://schemas.microsoft.com/office/drawing/2014/main" id="{46F08D6D-FCF3-4093-99E9-D6607893FB42}"/>
-              </a:ext>
-            </a:extLst>
-          </p:cNvPr>
-          <p:cNvPicPr>
-            <a:picLocks noChangeAspect="1"/>
-          </p:cNvPicPr>
-          <p:nvPr/>
-        </p:nvPicPr>
-        <p:blipFill>
-          <a:blip r:embed="rId5"/>
-          <a:stretch>
-            <a:fillRect/>
-          </a:stretch>
-        </p:blipFill>
-        <p:spPr>
-          <a:xfrm>
-            <a:off x="590061" y="15086368"/>
-            <a:ext cx="3559277" cy="3364019"/>
-          </a:xfrm>
-          <a:prstGeom prst="rect">
-            <a:avLst/>
-          </a:prstGeom>
-        </p:spPr>
-      </p:pic>
       <p:grpSp>
         <p:nvGrpSpPr>
           <p:cNvPr id="28" name="Group 27">
@@ -2114,7 +2158,7 @@
         </p:nvGrpSpPr>
         <p:grpSpPr>
           <a:xfrm>
-            <a:off x="4128109" y="14971554"/>
+            <a:off x="3346838" y="15450638"/>
             <a:ext cx="3366755" cy="4138116"/>
             <a:chOff x="4211681" y="15783631"/>
             <a:chExt cx="3366755" cy="4138116"/>
@@ -2255,8 +2299,8 @@
         </p:nvSpPr>
         <p:spPr>
           <a:xfrm>
-            <a:off x="7586645" y="15001113"/>
-            <a:ext cx="2804264" cy="4413516"/>
+            <a:off x="7056226" y="15899202"/>
+            <a:ext cx="2709381" cy="2751522"/>
           </a:xfrm>
           <a:prstGeom prst="rect">
             <a:avLst/>
@@ -2278,27 +2322,6 @@
                 <a:cs typeface="Arial"/>
               </a:rPr>
               <a:t>Figure 1. the results are successful when the skull is properly aligned and without too much noises. The robustness is compromised when noises are present   </a:t>
-            </a:r>
-          </a:p>
-          <a:p>
-            <a:pPr algn="just"/>
-            <a:endParaRPr lang="en-US" sz="2160" i="1" dirty="0">
-              <a:solidFill>
-                <a:srgbClr val="8C8C83"/>
-              </a:solidFill>
-              <a:cs typeface="Arial"/>
-            </a:endParaRPr>
-          </a:p>
-          <a:p>
-            <a:pPr algn="just"/>
-            <a:r>
-              <a:rPr lang="en-US" sz="2160" i="1" dirty="0">
-                <a:solidFill>
-                  <a:srgbClr val="8C8C83"/>
-                </a:solidFill>
-                <a:cs typeface="Arial"/>
-              </a:rPr>
-              <a:t>Figure 2. A breakdown of the accuracy of random forest model by normalizing the error</a:t>
             </a:r>
           </a:p>
         </p:txBody>
@@ -3227,7 +3250,7 @@
                 </a:solidFill>
                 <a:cs typeface="Arial"/>
               </a:rPr>
-              <a:t>sklearn</a:t>
+              <a:t>sk</a:t>
             </a:r>
             <a:r>
               <a:rPr lang="en-US" sz="2400" i="1" dirty="0">
@@ -3236,7 +3259,7 @@
                 </a:solidFill>
                 <a:cs typeface="Arial"/>
               </a:rPr>
-              <a:t> comparison of models by cross-validation scores in terms of number of pixels. </a:t>
+              <a:t>-learn comparison of models by cross-validation scores in terms of number of pixels. </a:t>
             </a:r>
           </a:p>
         </p:txBody>
@@ -3710,7 +3733,7 @@
             </a:r>
             <a:r>
               <a:rPr lang="en-US" altLang="zh-Hans" sz="2401" dirty="0"/>
-              <a:t>MRI</a:t>
+              <a:t>manually labelled MRI</a:t>
             </a:r>
             <a:r>
               <a:rPr lang="zh-Hans" altLang="en-US" sz="2401" dirty="0"/>
@@ -4001,7 +4024,7 @@
         </p:blipFill>
         <p:spPr>
           <a:xfrm>
-            <a:off x="1926973" y="12644140"/>
+            <a:off x="1984244" y="11863389"/>
             <a:ext cx="6457950" cy="819150"/>
           </a:xfrm>
           <a:prstGeom prst="rect">
